--- a/doc/tutorial.pptx
+++ b/doc/tutorial.pptx
@@ -7107,8 +7107,8 @@
     <dgm:cxn modelId="{2AB7D8C3-E2F8-40E2-8690-01EB856363A5}" type="presOf" srcId="{AB707915-4579-4876-A6A8-BF52F6922E34}" destId="{EB2188EA-21FD-4E21-8B77-663033184100}" srcOrd="0" destOrd="0" presId="urn:microsoft.com/office/officeart/2005/8/layout/chevron2"/>
     <dgm:cxn modelId="{F8BB70A3-4E5A-40BA-92FF-C1DD088CC098}" type="presOf" srcId="{BCFD7239-FE60-424E-B5D2-96379E32742B}" destId="{48C36DD9-9D64-4302-A1CF-A1B8309E318D}" srcOrd="0" destOrd="0" presId="urn:microsoft.com/office/officeart/2005/8/layout/chevron2"/>
     <dgm:cxn modelId="{1028A925-6FDE-47BC-B55F-41B864B4D543}" type="presOf" srcId="{DE8F6E21-E250-4610-A26D-69B23A1FBA8C}" destId="{B0194D2B-484D-4AB9-95B3-3798B0099C21}" srcOrd="0" destOrd="0" presId="urn:microsoft.com/office/officeart/2005/8/layout/chevron2"/>
+    <dgm:cxn modelId="{10F30824-D48C-4589-BC7A-A786FFF37E44}" type="presOf" srcId="{9B777975-4348-428E-98F6-CEFC98C2ED18}" destId="{0052FE27-F551-4019-87BE-6DE8669F0DF9}" srcOrd="0" destOrd="1" presId="urn:microsoft.com/office/officeart/2005/8/layout/chevron2"/>
     <dgm:cxn modelId="{E4AF6278-0C73-4787-B88A-711A8F7F13A5}" srcId="{E6E004F6-333A-4BA5-BBD9-DDCD41139EAB}" destId="{BCFD7239-FE60-424E-B5D2-96379E32742B}" srcOrd="0" destOrd="0" parTransId="{FF8FD578-54C6-40E8-BC1A-37EF03C730D2}" sibTransId="{9B5D6224-F1BD-49E6-965B-6CC5E9E8A6C6}"/>
-    <dgm:cxn modelId="{10F30824-D48C-4589-BC7A-A786FFF37E44}" type="presOf" srcId="{9B777975-4348-428E-98F6-CEFC98C2ED18}" destId="{0052FE27-F551-4019-87BE-6DE8669F0DF9}" srcOrd="0" destOrd="1" presId="urn:microsoft.com/office/officeart/2005/8/layout/chevron2"/>
     <dgm:cxn modelId="{DC863983-8EC7-4BBA-8F7B-7BB25A2A031C}" srcId="{F18FF395-B0F3-4406-8BA1-8ED5F355A308}" destId="{E6E004F6-333A-4BA5-BBD9-DDCD41139EAB}" srcOrd="3" destOrd="0" parTransId="{2F9C1E59-B1D7-43AA-A1D6-1610716FEFEB}" sibTransId="{2F976D21-E2FA-4439-A171-F641E21D2B30}"/>
     <dgm:cxn modelId="{93DB9D1E-593A-489E-B4EA-C2F7FDE6F71F}" srcId="{32632890-6EEB-451E-81F9-2BBBF20ECD9F}" destId="{9B777975-4348-428E-98F6-CEFC98C2ED18}" srcOrd="1" destOrd="0" parTransId="{3DF5A87E-61AE-443E-B875-9E5A31E73EE4}" sibTransId="{455D06C7-3AE0-4F76-8E35-A8EE0111B1C4}"/>
     <dgm:cxn modelId="{8FDE559B-5010-488B-9392-DDA69750C5F9}" type="presOf" srcId="{E6E004F6-333A-4BA5-BBD9-DDCD41139EAB}" destId="{71771BB5-0F35-469D-91FA-2E2F78B97B94}" srcOrd="0" destOrd="0" presId="urn:microsoft.com/office/officeart/2005/8/layout/chevron2"/>
@@ -7360,7 +7360,11 @@
         <a:p>
           <a:r>
             <a:rPr lang="zh-CN" altLang="en-US" dirty="0" smtClean="0"/>
-            <a:t>接单（任何人，接单后成为该订单跟单员）</a:t>
+            <a:t>回退（审核者）；接</a:t>
+          </a:r>
+          <a:r>
+            <a:rPr lang="zh-CN" altLang="en-US" dirty="0" smtClean="0"/>
+            <a:t>单（任何人，接单后成为该订单跟单员）</a:t>
           </a:r>
           <a:endParaRPr lang="zh-CN" altLang="en-US" dirty="0"/>
         </a:p>
@@ -7778,7 +7782,19 @@
           </a:r>
           <a:r>
             <a:rPr lang="zh-CN" altLang="en-US" dirty="0" smtClean="0"/>
-            <a:t>（跟单员）；作废（跟单员）；接管（非跟单员，只要还没审结，接管后成为跟单员。）；慢单</a:t>
+            <a:t>（跟单员）；作废（跟单</a:t>
+          </a:r>
+          <a:r>
+            <a:rPr lang="zh-CN" altLang="en-US" dirty="0" smtClean="0"/>
+            <a:t>员，接单后只能作废留档，不给回退删除</a:t>
+          </a:r>
+          <a:r>
+            <a:rPr lang="zh-CN" altLang="en-US" smtClean="0"/>
+            <a:t>了。）</a:t>
+          </a:r>
+          <a:r>
+            <a:rPr lang="zh-CN" altLang="en-US" dirty="0" smtClean="0"/>
+            <a:t>；接管（非跟单员，只要还没审结，接管后成为跟单员。）；慢单</a:t>
           </a:r>
           <a:r>
             <a:rPr lang="en-US" altLang="zh-CN" dirty="0" smtClean="0"/>
@@ -10654,31 +10670,31 @@
     </dgm:pt>
   </dgm:ptLst>
   <dgm:cxnLst>
+    <dgm:cxn modelId="{F9CEEB67-2B74-43C7-8F02-C15E2E4E0515}" type="presOf" srcId="{3F614790-E554-4C73-8332-3413796C200B}" destId="{1BB1B437-47C9-41D3-996C-513DFC6C7F98}" srcOrd="0" destOrd="0" presId="urn:microsoft.com/office/officeart/2005/8/layout/chevron2"/>
+    <dgm:cxn modelId="{EEA7E37D-A261-4A40-940C-576B9B657E74}" srcId="{EAB5D4E0-7E9D-499D-97D3-E139ADC86A64}" destId="{3F614790-E554-4C73-8332-3413796C200B}" srcOrd="1" destOrd="0" parTransId="{29BC913A-BA0E-4C44-95DC-C28590B29F45}" sibTransId="{0C1CE421-98F2-4842-BEC0-C109F9577E85}"/>
     <dgm:cxn modelId="{BB7ABA04-579C-467F-852F-C15EA00E069F}" type="presOf" srcId="{C14127EF-FC86-47C8-A266-ECB18877C3D9}" destId="{B25104A7-E592-4ECD-926D-4B5A292CC1D5}" srcOrd="0" destOrd="0" presId="urn:microsoft.com/office/officeart/2005/8/layout/chevron2"/>
+    <dgm:cxn modelId="{A952A09A-1205-4D17-8F25-110EA6181DD0}" srcId="{C14127EF-FC86-47C8-A266-ECB18877C3D9}" destId="{787B2082-DF38-4748-9B68-475093E0287F}" srcOrd="0" destOrd="0" parTransId="{FC37A69D-9C96-4987-9913-47D94F9A5BCC}" sibTransId="{2132F94F-6A4B-4CE2-84C1-688983F8D671}"/>
+    <dgm:cxn modelId="{393F326D-A3AB-4208-AA35-2DFEEA51C58F}" srcId="{EAB5D4E0-7E9D-499D-97D3-E139ADC86A64}" destId="{C14127EF-FC86-47C8-A266-ECB18877C3D9}" srcOrd="4" destOrd="0" parTransId="{288B731D-1DDB-4EC1-B6AE-AB6F45CAA91F}" sibTransId="{BF61DE85-97EF-4540-B747-0BE68C21E965}"/>
+    <dgm:cxn modelId="{608719B7-6372-4FD6-B587-3ACE14905863}" srcId="{EAB5D4E0-7E9D-499D-97D3-E139ADC86A64}" destId="{DA41303E-606F-4899-AF6C-CCD56BFB9AFB}" srcOrd="2" destOrd="0" parTransId="{1F78CEFB-1953-4DA0-8883-3A8A1D171E74}" sibTransId="{C092D03C-5219-40CF-8871-5F2272F03A12}"/>
+    <dgm:cxn modelId="{6EE70952-7F0A-45ED-AAC5-FEA79A942D9A}" srcId="{B2915DB2-E831-4D35-AAF1-E917000878BE}" destId="{2E1491F7-DCAF-4B1C-88BA-3C453F1F3E3D}" srcOrd="1" destOrd="0" parTransId="{DFE7AE88-672E-46DB-A44C-98C35E6CFA00}" sibTransId="{3D3D3C06-FD74-4ED9-B021-F2F45FC95AA0}"/>
+    <dgm:cxn modelId="{C24769F0-51AE-453B-9E71-11B7EEA92DCD}" type="presOf" srcId="{2E1491F7-DCAF-4B1C-88BA-3C453F1F3E3D}" destId="{709F1C77-85F7-457C-ADD7-6752FAA1029D}" srcOrd="0" destOrd="1" presId="urn:microsoft.com/office/officeart/2005/8/layout/chevron2"/>
+    <dgm:cxn modelId="{CDD74F16-D67F-45E8-9A45-68F754314560}" srcId="{EAB5D4E0-7E9D-499D-97D3-E139ADC86A64}" destId="{68624F5D-D86D-449F-98D3-2461FA13224D}" srcOrd="0" destOrd="0" parTransId="{DC3A0623-50CB-4EF2-B4A7-8DB4E8047B0A}" sibTransId="{B97904DF-819C-43B4-8046-84343143B52E}"/>
+    <dgm:cxn modelId="{09270CE7-E529-49A1-956F-6E6D45819EC2}" srcId="{B2915DB2-E831-4D35-AAF1-E917000878BE}" destId="{1C2BAB06-EF78-4378-BFC1-8418651D94BE}" srcOrd="0" destOrd="0" parTransId="{4662C404-2F79-4D1F-A774-C919CF6F87D4}" sibTransId="{03386B1A-0FCA-4C52-BD34-6B0647406FB2}"/>
+    <dgm:cxn modelId="{72AEDAA5-730E-477A-BA03-F6B0444C467D}" type="presOf" srcId="{1C2BAB06-EF78-4378-BFC1-8418651D94BE}" destId="{709F1C77-85F7-457C-ADD7-6752FAA1029D}" srcOrd="0" destOrd="0" presId="urn:microsoft.com/office/officeart/2005/8/layout/chevron2"/>
+    <dgm:cxn modelId="{D4021D95-C97B-45F3-BDBA-504EA953CC8C}" type="presOf" srcId="{53917ACD-0FB9-4280-9893-B540614B492D}" destId="{AAE7DB65-B58A-4C95-BCDF-C6E06F96A67A}" srcOrd="0" destOrd="0" presId="urn:microsoft.com/office/officeart/2005/8/layout/chevron2"/>
+    <dgm:cxn modelId="{17B7A219-EE51-47F2-9F11-207D78BA1E48}" srcId="{DA41303E-606F-4899-AF6C-CCD56BFB9AFB}" destId="{53917ACD-0FB9-4280-9893-B540614B492D}" srcOrd="0" destOrd="0" parTransId="{DFC684AF-E941-44AB-A9D3-ACC2B1A4FF91}" sibTransId="{4514923D-C495-4451-81F1-7B1899074BA6}"/>
+    <dgm:cxn modelId="{C4530A27-91A9-468D-8F29-3B377C2864A7}" type="presOf" srcId="{787B2082-DF38-4748-9B68-475093E0287F}" destId="{3BFC4BC2-6BAE-448E-B04D-22B0F0A2B070}" srcOrd="0" destOrd="0" presId="urn:microsoft.com/office/officeart/2005/8/layout/chevron2"/>
+    <dgm:cxn modelId="{73F51E12-D247-4781-9D4B-05B2C18353E2}" srcId="{68624F5D-D86D-449F-98D3-2461FA13224D}" destId="{E94C213C-304D-474F-9E1B-D3C77B113299}" srcOrd="1" destOrd="0" parTransId="{E94793C5-FF16-4436-8F75-BA6CA226D98E}" sibTransId="{0B999FCB-D107-4344-8608-F76757DDA9CA}"/>
+    <dgm:cxn modelId="{B6168F4F-39B4-4064-BB5C-3E4068C21DC7}" srcId="{68624F5D-D86D-449F-98D3-2461FA13224D}" destId="{45EDB43C-950A-45AF-ADE2-ADC0A81554A1}" srcOrd="0" destOrd="0" parTransId="{38E8099D-06D2-40D8-8F0C-3ECCE3DAF634}" sibTransId="{C91CDA42-2DA6-45E8-834F-C25FC2DD4574}"/>
+    <dgm:cxn modelId="{7D60D6D5-E5B3-4A3B-B616-F0DEEDE60404}" type="presOf" srcId="{45EDB43C-950A-45AF-ADE2-ADC0A81554A1}" destId="{D4A129DC-634D-4286-BC19-FE8E5E7A6AF8}" srcOrd="0" destOrd="0" presId="urn:microsoft.com/office/officeart/2005/8/layout/chevron2"/>
+    <dgm:cxn modelId="{E8CDCF65-9B0B-4D09-B45F-CEB4FB622E50}" type="presOf" srcId="{DA41303E-606F-4899-AF6C-CCD56BFB9AFB}" destId="{133D7222-1B47-439C-8354-228D24479B12}" srcOrd="0" destOrd="0" presId="urn:microsoft.com/office/officeart/2005/8/layout/chevron2"/>
     <dgm:cxn modelId="{05064A24-7C37-4BC3-85D6-BABE28F6C659}" type="presOf" srcId="{EAB5D4E0-7E9D-499D-97D3-E139ADC86A64}" destId="{1F909F06-D28D-429A-ABEF-5C8283DDFA80}" srcOrd="0" destOrd="0" presId="urn:microsoft.com/office/officeart/2005/8/layout/chevron2"/>
+    <dgm:cxn modelId="{233D5B6C-7A1C-4A2D-AD46-3312406E1EE4}" type="presOf" srcId="{B2915DB2-E831-4D35-AAF1-E917000878BE}" destId="{A52DB8C0-1325-490B-9B49-327DA3039BDE}" srcOrd="0" destOrd="0" presId="urn:microsoft.com/office/officeart/2005/8/layout/chevron2"/>
+    <dgm:cxn modelId="{319DCE79-1B47-4116-A55B-4FF1F9F39107}" type="presOf" srcId="{E94C213C-304D-474F-9E1B-D3C77B113299}" destId="{D4A129DC-634D-4286-BC19-FE8E5E7A6AF8}" srcOrd="0" destOrd="1" presId="urn:microsoft.com/office/officeart/2005/8/layout/chevron2"/>
+    <dgm:cxn modelId="{EA8E8434-392B-4B1C-99F4-FB1A57AE05EA}" type="presOf" srcId="{68624F5D-D86D-449F-98D3-2461FA13224D}" destId="{D83F8BF7-AF5C-4ED4-B6F7-056DF2902C90}" srcOrd="0" destOrd="0" presId="urn:microsoft.com/office/officeart/2005/8/layout/chevron2"/>
+    <dgm:cxn modelId="{670A1AAB-02E3-414E-B8C7-D4886B8AEFCA}" srcId="{EAB5D4E0-7E9D-499D-97D3-E139ADC86A64}" destId="{B2915DB2-E831-4D35-AAF1-E917000878BE}" srcOrd="3" destOrd="0" parTransId="{6740B595-0744-42DA-9784-B0E43EC843F8}" sibTransId="{239C45AB-64A1-4047-8893-F0055CDCE8F4}"/>
     <dgm:cxn modelId="{D97B3DCE-7665-445B-B4C3-97A3EDD81448}" type="presOf" srcId="{AC9E086F-0037-44FE-AD32-14391612C5D5}" destId="{6A12659E-4049-40B0-A82B-62D93C016E5C}" srcOrd="0" destOrd="0" presId="urn:microsoft.com/office/officeart/2005/8/layout/chevron2"/>
     <dgm:cxn modelId="{533233E3-C9C1-481B-B616-158FC5401AF4}" srcId="{3F614790-E554-4C73-8332-3413796C200B}" destId="{AC9E086F-0037-44FE-AD32-14391612C5D5}" srcOrd="0" destOrd="0" parTransId="{686F1AFF-D7C4-465C-92BA-FE6EC6FFDD45}" sibTransId="{C4C56ECC-A3D2-48E6-A233-1FB624D99972}"/>
-    <dgm:cxn modelId="{C24769F0-51AE-453B-9E71-11B7EEA92DCD}" type="presOf" srcId="{2E1491F7-DCAF-4B1C-88BA-3C453F1F3E3D}" destId="{709F1C77-85F7-457C-ADD7-6752FAA1029D}" srcOrd="0" destOrd="1" presId="urn:microsoft.com/office/officeart/2005/8/layout/chevron2"/>
-    <dgm:cxn modelId="{F9CEEB67-2B74-43C7-8F02-C15E2E4E0515}" type="presOf" srcId="{3F614790-E554-4C73-8332-3413796C200B}" destId="{1BB1B437-47C9-41D3-996C-513DFC6C7F98}" srcOrd="0" destOrd="0" presId="urn:microsoft.com/office/officeart/2005/8/layout/chevron2"/>
-    <dgm:cxn modelId="{A952A09A-1205-4D17-8F25-110EA6181DD0}" srcId="{C14127EF-FC86-47C8-A266-ECB18877C3D9}" destId="{787B2082-DF38-4748-9B68-475093E0287F}" srcOrd="0" destOrd="0" parTransId="{FC37A69D-9C96-4987-9913-47D94F9A5BCC}" sibTransId="{2132F94F-6A4B-4CE2-84C1-688983F8D671}"/>
-    <dgm:cxn modelId="{B6168F4F-39B4-4064-BB5C-3E4068C21DC7}" srcId="{68624F5D-D86D-449F-98D3-2461FA13224D}" destId="{45EDB43C-950A-45AF-ADE2-ADC0A81554A1}" srcOrd="0" destOrd="0" parTransId="{38E8099D-06D2-40D8-8F0C-3ECCE3DAF634}" sibTransId="{C91CDA42-2DA6-45E8-834F-C25FC2DD4574}"/>
-    <dgm:cxn modelId="{73F51E12-D247-4781-9D4B-05B2C18353E2}" srcId="{68624F5D-D86D-449F-98D3-2461FA13224D}" destId="{E94C213C-304D-474F-9E1B-D3C77B113299}" srcOrd="1" destOrd="0" parTransId="{E94793C5-FF16-4436-8F75-BA6CA226D98E}" sibTransId="{0B999FCB-D107-4344-8608-F76757DDA9CA}"/>
-    <dgm:cxn modelId="{233D5B6C-7A1C-4A2D-AD46-3312406E1EE4}" type="presOf" srcId="{B2915DB2-E831-4D35-AAF1-E917000878BE}" destId="{A52DB8C0-1325-490B-9B49-327DA3039BDE}" srcOrd="0" destOrd="0" presId="urn:microsoft.com/office/officeart/2005/8/layout/chevron2"/>
-    <dgm:cxn modelId="{393F326D-A3AB-4208-AA35-2DFEEA51C58F}" srcId="{EAB5D4E0-7E9D-499D-97D3-E139ADC86A64}" destId="{C14127EF-FC86-47C8-A266-ECB18877C3D9}" srcOrd="4" destOrd="0" parTransId="{288B731D-1DDB-4EC1-B6AE-AB6F45CAA91F}" sibTransId="{BF61DE85-97EF-4540-B747-0BE68C21E965}"/>
-    <dgm:cxn modelId="{6EE70952-7F0A-45ED-AAC5-FEA79A942D9A}" srcId="{B2915DB2-E831-4D35-AAF1-E917000878BE}" destId="{2E1491F7-DCAF-4B1C-88BA-3C453F1F3E3D}" srcOrd="1" destOrd="0" parTransId="{DFE7AE88-672E-46DB-A44C-98C35E6CFA00}" sibTransId="{3D3D3C06-FD74-4ED9-B021-F2F45FC95AA0}"/>
-    <dgm:cxn modelId="{670A1AAB-02E3-414E-B8C7-D4886B8AEFCA}" srcId="{EAB5D4E0-7E9D-499D-97D3-E139ADC86A64}" destId="{B2915DB2-E831-4D35-AAF1-E917000878BE}" srcOrd="3" destOrd="0" parTransId="{6740B595-0744-42DA-9784-B0E43EC843F8}" sibTransId="{239C45AB-64A1-4047-8893-F0055CDCE8F4}"/>
-    <dgm:cxn modelId="{EEA7E37D-A261-4A40-940C-576B9B657E74}" srcId="{EAB5D4E0-7E9D-499D-97D3-E139ADC86A64}" destId="{3F614790-E554-4C73-8332-3413796C200B}" srcOrd="1" destOrd="0" parTransId="{29BC913A-BA0E-4C44-95DC-C28590B29F45}" sibTransId="{0C1CE421-98F2-4842-BEC0-C109F9577E85}"/>
-    <dgm:cxn modelId="{E8CDCF65-9B0B-4D09-B45F-CEB4FB622E50}" type="presOf" srcId="{DA41303E-606F-4899-AF6C-CCD56BFB9AFB}" destId="{133D7222-1B47-439C-8354-228D24479B12}" srcOrd="0" destOrd="0" presId="urn:microsoft.com/office/officeart/2005/8/layout/chevron2"/>
-    <dgm:cxn modelId="{72AEDAA5-730E-477A-BA03-F6B0444C467D}" type="presOf" srcId="{1C2BAB06-EF78-4378-BFC1-8418651D94BE}" destId="{709F1C77-85F7-457C-ADD7-6752FAA1029D}" srcOrd="0" destOrd="0" presId="urn:microsoft.com/office/officeart/2005/8/layout/chevron2"/>
-    <dgm:cxn modelId="{7D60D6D5-E5B3-4A3B-B616-F0DEEDE60404}" type="presOf" srcId="{45EDB43C-950A-45AF-ADE2-ADC0A81554A1}" destId="{D4A129DC-634D-4286-BC19-FE8E5E7A6AF8}" srcOrd="0" destOrd="0" presId="urn:microsoft.com/office/officeart/2005/8/layout/chevron2"/>
-    <dgm:cxn modelId="{C4530A27-91A9-468D-8F29-3B377C2864A7}" type="presOf" srcId="{787B2082-DF38-4748-9B68-475093E0287F}" destId="{3BFC4BC2-6BAE-448E-B04D-22B0F0A2B070}" srcOrd="0" destOrd="0" presId="urn:microsoft.com/office/officeart/2005/8/layout/chevron2"/>
-    <dgm:cxn modelId="{CDD74F16-D67F-45E8-9A45-68F754314560}" srcId="{EAB5D4E0-7E9D-499D-97D3-E139ADC86A64}" destId="{68624F5D-D86D-449F-98D3-2461FA13224D}" srcOrd="0" destOrd="0" parTransId="{DC3A0623-50CB-4EF2-B4A7-8DB4E8047B0A}" sibTransId="{B97904DF-819C-43B4-8046-84343143B52E}"/>
-    <dgm:cxn modelId="{319DCE79-1B47-4116-A55B-4FF1F9F39107}" type="presOf" srcId="{E94C213C-304D-474F-9E1B-D3C77B113299}" destId="{D4A129DC-634D-4286-BC19-FE8E5E7A6AF8}" srcOrd="0" destOrd="1" presId="urn:microsoft.com/office/officeart/2005/8/layout/chevron2"/>
-    <dgm:cxn modelId="{EA8E8434-392B-4B1C-99F4-FB1A57AE05EA}" type="presOf" srcId="{68624F5D-D86D-449F-98D3-2461FA13224D}" destId="{D83F8BF7-AF5C-4ED4-B6F7-056DF2902C90}" srcOrd="0" destOrd="0" presId="urn:microsoft.com/office/officeart/2005/8/layout/chevron2"/>
-    <dgm:cxn modelId="{09270CE7-E529-49A1-956F-6E6D45819EC2}" srcId="{B2915DB2-E831-4D35-AAF1-E917000878BE}" destId="{1C2BAB06-EF78-4378-BFC1-8418651D94BE}" srcOrd="0" destOrd="0" parTransId="{4662C404-2F79-4D1F-A774-C919CF6F87D4}" sibTransId="{03386B1A-0FCA-4C52-BD34-6B0647406FB2}"/>
-    <dgm:cxn modelId="{17B7A219-EE51-47F2-9F11-207D78BA1E48}" srcId="{DA41303E-606F-4899-AF6C-CCD56BFB9AFB}" destId="{53917ACD-0FB9-4280-9893-B540614B492D}" srcOrd="0" destOrd="0" parTransId="{DFC684AF-E941-44AB-A9D3-ACC2B1A4FF91}" sibTransId="{4514923D-C495-4451-81F1-7B1899074BA6}"/>
-    <dgm:cxn modelId="{608719B7-6372-4FD6-B587-3ACE14905863}" srcId="{EAB5D4E0-7E9D-499D-97D3-E139ADC86A64}" destId="{DA41303E-606F-4899-AF6C-CCD56BFB9AFB}" srcOrd="2" destOrd="0" parTransId="{1F78CEFB-1953-4DA0-8883-3A8A1D171E74}" sibTransId="{C092D03C-5219-40CF-8871-5F2272F03A12}"/>
-    <dgm:cxn modelId="{D4021D95-C97B-45F3-BDBA-504EA953CC8C}" type="presOf" srcId="{53917ACD-0FB9-4280-9893-B540614B492D}" destId="{AAE7DB65-B58A-4C95-BCDF-C6E06F96A67A}" srcOrd="0" destOrd="0" presId="urn:microsoft.com/office/officeart/2005/8/layout/chevron2"/>
     <dgm:cxn modelId="{82CC7534-E78D-4933-8167-4C60F374CAD5}" type="presParOf" srcId="{1F909F06-D28D-429A-ABEF-5C8283DDFA80}" destId="{48D8FC8E-D777-4CDA-9CF4-05A1D06585E4}" srcOrd="0" destOrd="0" presId="urn:microsoft.com/office/officeart/2005/8/layout/chevron2"/>
     <dgm:cxn modelId="{B547F848-51E4-492D-8A27-23B47D8CE50F}" type="presParOf" srcId="{48D8FC8E-D777-4CDA-9CF4-05A1D06585E4}" destId="{D83F8BF7-AF5C-4ED4-B6F7-056DF2902C90}" srcOrd="0" destOrd="0" presId="urn:microsoft.com/office/officeart/2005/8/layout/chevron2"/>
     <dgm:cxn modelId="{24894A77-BFD0-416F-BE65-9BC88336B107}" type="presParOf" srcId="{48D8FC8E-D777-4CDA-9CF4-05A1D06585E4}" destId="{D4A129DC-634D-4286-BC19-FE8E5E7A6AF8}" srcOrd="1" destOrd="0" presId="urn:microsoft.com/office/officeart/2005/8/layout/chevron2"/>
@@ -12350,29 +12366,29 @@
     </dgm:pt>
   </dgm:ptLst>
   <dgm:cxnLst>
+    <dgm:cxn modelId="{3ED4CD99-751A-451A-A867-DD2FA2B0FA62}" type="presOf" srcId="{4C38D18C-4D46-4828-ACF9-1482A5CDB1E6}" destId="{4B25B2FD-61FC-4767-82D8-E4AA1074323B}" srcOrd="0" destOrd="0" presId="urn:microsoft.com/office/officeart/2005/8/layout/chevron2"/>
+    <dgm:cxn modelId="{EB8C57A4-1C84-4DA9-9A0D-56985B601FD9}" type="presOf" srcId="{DBCED77C-8E4C-4706-9C5A-C3853EA44D7D}" destId="{231424EA-CA34-4A18-B02B-467F92279F0F}" srcOrd="0" destOrd="0" presId="urn:microsoft.com/office/officeart/2005/8/layout/chevron2"/>
+    <dgm:cxn modelId="{F8ED8E4B-D937-4E7A-9CF1-13E2B2FC2D8F}" type="presOf" srcId="{7C2503DE-5E55-4B16-B06C-96DE908EFD2A}" destId="{E89E8863-1C46-4C81-B1A6-ED2534F36967}" srcOrd="0" destOrd="0" presId="urn:microsoft.com/office/officeart/2005/8/layout/chevron2"/>
+    <dgm:cxn modelId="{1E96AD71-5DBE-40DF-97D2-8E8C89286053}" srcId="{D2BEA61B-0F77-49B1-8733-EE2F1E1A5623}" destId="{4C38D18C-4D46-4828-ACF9-1482A5CDB1E6}" srcOrd="0" destOrd="0" parTransId="{1D5FCD33-5432-4A75-97B7-85169D3C0F2B}" sibTransId="{9D1E233D-0070-4E54-A6F6-558E4934BFA0}"/>
+    <dgm:cxn modelId="{004E6927-734B-463D-9C25-3378DDA675F1}" srcId="{DBCED77C-8E4C-4706-9C5A-C3853EA44D7D}" destId="{D2BEA61B-0F77-49B1-8733-EE2F1E1A5623}" srcOrd="2" destOrd="0" parTransId="{5831202E-40BF-4FAD-B8C3-8F3273834FCE}" sibTransId="{7BD04CC6-8749-404D-BF79-9D25FBA8B839}"/>
+    <dgm:cxn modelId="{CCFAF500-4DEC-447E-A27E-D842A7DBFD52}" type="presOf" srcId="{D2BEA61B-0F77-49B1-8733-EE2F1E1A5623}" destId="{52757299-E38A-466D-A95F-DE2097AA7EBF}" srcOrd="0" destOrd="0" presId="urn:microsoft.com/office/officeart/2005/8/layout/chevron2"/>
+    <dgm:cxn modelId="{219DC4C2-1E01-4A22-A518-9003EE4E926B}" type="presOf" srcId="{D0674D44-7384-49E9-A65A-5043DD444CE8}" destId="{32E6BCD8-92F3-4764-B820-CE8BC1D8EF32}" srcOrd="0" destOrd="0" presId="urn:microsoft.com/office/officeart/2005/8/layout/chevron2"/>
+    <dgm:cxn modelId="{21822F84-8091-49FB-B228-4C998F37CF34}" type="presOf" srcId="{9BA7A115-83B1-444E-A906-4DCACC799B0E}" destId="{1B5FE930-2177-4193-8B43-7D245A7F8895}" srcOrd="0" destOrd="0" presId="urn:microsoft.com/office/officeart/2005/8/layout/chevron2"/>
+    <dgm:cxn modelId="{92C65BBD-8D6D-4F50-B0B1-181BA2B8A029}" srcId="{DBCED77C-8E4C-4706-9C5A-C3853EA44D7D}" destId="{A3147626-9DB6-43C6-AC44-80411592D7C0}" srcOrd="3" destOrd="0" parTransId="{4EFD23D8-4D24-45AB-BCB8-DBDE61484242}" sibTransId="{1D1DA405-CA0C-459B-A991-4A44B0CDDF8E}"/>
+    <dgm:cxn modelId="{E7613C24-FFCA-467D-B01D-F551B50FA4C9}" type="presOf" srcId="{A3147626-9DB6-43C6-AC44-80411592D7C0}" destId="{D3EC24C2-9B3F-4B51-BB81-3C93556D8FE5}" srcOrd="0" destOrd="0" presId="urn:microsoft.com/office/officeart/2005/8/layout/chevron2"/>
+    <dgm:cxn modelId="{2BF3B321-9718-4540-BE1C-0EFE1A77E530}" srcId="{DBCED77C-8E4C-4706-9C5A-C3853EA44D7D}" destId="{D0674D44-7384-49E9-A65A-5043DD444CE8}" srcOrd="0" destOrd="0" parTransId="{5157E0D8-4254-4973-BCC3-1AE8FCE2A4CC}" sibTransId="{599F895B-8FE5-4629-A17A-DB0DCE7F8C9B}"/>
+    <dgm:cxn modelId="{EC7E0156-A3B6-4139-BC3D-978FE284DC60}" srcId="{DBCED77C-8E4C-4706-9C5A-C3853EA44D7D}" destId="{7C2503DE-5E55-4B16-B06C-96DE908EFD2A}" srcOrd="4" destOrd="0" parTransId="{B3788178-0DDC-403D-9B07-AC6384FB88C6}" sibTransId="{CA871951-9962-4229-8747-AE10577EA3A7}"/>
+    <dgm:cxn modelId="{E3D657DA-D0EA-43D0-B9E5-842CEEE8729A}" type="presOf" srcId="{454E8231-F3B5-4FD9-BA18-A896C338DE10}" destId="{3C3E10EF-9096-4B3F-99FA-E832CFB72811}" srcOrd="0" destOrd="0" presId="urn:microsoft.com/office/officeart/2005/8/layout/chevron2"/>
+    <dgm:cxn modelId="{5934E398-CA3C-433B-AF90-7BB7D1AC05FD}" srcId="{7C2503DE-5E55-4B16-B06C-96DE908EFD2A}" destId="{DD55E30F-1A95-4609-9E4B-E18013B0E67C}" srcOrd="0" destOrd="0" parTransId="{81C520A6-A51F-46C3-9228-8F7EF01877C9}" sibTransId="{4C202A1F-4E91-4C68-B7EE-D445710675BA}"/>
     <dgm:cxn modelId="{AE694855-3771-4DB1-8144-B69721A0F332}" srcId="{D0674D44-7384-49E9-A65A-5043DD444CE8}" destId="{454E8231-F3B5-4FD9-BA18-A896C338DE10}" srcOrd="0" destOrd="0" parTransId="{52DE1628-AEFA-48EB-92B6-578B12E329D9}" sibTransId="{6E49F220-521B-4B77-BE85-AA3902B4037B}"/>
-    <dgm:cxn modelId="{2BF3B321-9718-4540-BE1C-0EFE1A77E530}" srcId="{DBCED77C-8E4C-4706-9C5A-C3853EA44D7D}" destId="{D0674D44-7384-49E9-A65A-5043DD444CE8}" srcOrd="0" destOrd="0" parTransId="{5157E0D8-4254-4973-BCC3-1AE8FCE2A4CC}" sibTransId="{599F895B-8FE5-4629-A17A-DB0DCE7F8C9B}"/>
+    <dgm:cxn modelId="{FCABCD20-8914-47BC-85E8-49AAFDA8CF37}" srcId="{D0674D44-7384-49E9-A65A-5043DD444CE8}" destId="{B175259C-965E-40A8-9DB7-A95E3129FB91}" srcOrd="1" destOrd="0" parTransId="{E4E806EA-C072-43A1-B3C0-05686691C346}" sibTransId="{C96ACF41-7FED-4B37-89D5-7401395C4769}"/>
+    <dgm:cxn modelId="{C69626A2-F576-47AF-8C8C-972BD53530F4}" type="presOf" srcId="{B175259C-965E-40A8-9DB7-A95E3129FB91}" destId="{3C3E10EF-9096-4B3F-99FA-E832CFB72811}" srcOrd="0" destOrd="1" presId="urn:microsoft.com/office/officeart/2005/8/layout/chevron2"/>
+    <dgm:cxn modelId="{A6306EAC-EDC8-44AB-A555-9790D9DECF4F}" srcId="{0B968BE0-F111-464E-B4BC-7949288BB1DA}" destId="{9BA7A115-83B1-444E-A906-4DCACC799B0E}" srcOrd="0" destOrd="0" parTransId="{D64C776D-6F14-470F-B79F-6512D75C4218}" sibTransId="{F85F5E16-D160-4A97-A596-85BEF28A2C2A}"/>
     <dgm:cxn modelId="{45EE0CB9-71B0-4E20-9552-08D1FEDF89B1}" srcId="{A3147626-9DB6-43C6-AC44-80411592D7C0}" destId="{310C29DF-64D8-4DF9-B8D5-254C18FAE82B}" srcOrd="0" destOrd="0" parTransId="{7D8B416D-799E-4EF3-A0BE-2F885B36D56B}" sibTransId="{EE7421C0-4B70-4562-8360-DBDE3BB2F576}"/>
-    <dgm:cxn modelId="{F8ED8E4B-D937-4E7A-9CF1-13E2B2FC2D8F}" type="presOf" srcId="{7C2503DE-5E55-4B16-B06C-96DE908EFD2A}" destId="{E89E8863-1C46-4C81-B1A6-ED2534F36967}" srcOrd="0" destOrd="0" presId="urn:microsoft.com/office/officeart/2005/8/layout/chevron2"/>
-    <dgm:cxn modelId="{EB8C57A4-1C84-4DA9-9A0D-56985B601FD9}" type="presOf" srcId="{DBCED77C-8E4C-4706-9C5A-C3853EA44D7D}" destId="{231424EA-CA34-4A18-B02B-467F92279F0F}" srcOrd="0" destOrd="0" presId="urn:microsoft.com/office/officeart/2005/8/layout/chevron2"/>
-    <dgm:cxn modelId="{E7613C24-FFCA-467D-B01D-F551B50FA4C9}" type="presOf" srcId="{A3147626-9DB6-43C6-AC44-80411592D7C0}" destId="{D3EC24C2-9B3F-4B51-BB81-3C93556D8FE5}" srcOrd="0" destOrd="0" presId="urn:microsoft.com/office/officeart/2005/8/layout/chevron2"/>
-    <dgm:cxn modelId="{C69626A2-F576-47AF-8C8C-972BD53530F4}" type="presOf" srcId="{B175259C-965E-40A8-9DB7-A95E3129FB91}" destId="{3C3E10EF-9096-4B3F-99FA-E832CFB72811}" srcOrd="0" destOrd="1" presId="urn:microsoft.com/office/officeart/2005/8/layout/chevron2"/>
+    <dgm:cxn modelId="{6024B2C1-C5FA-43A7-8DCF-7921C4F4990A}" type="presOf" srcId="{310C29DF-64D8-4DF9-B8D5-254C18FAE82B}" destId="{F8989132-3A6C-4C13-AC2B-34B37273F107}" srcOrd="0" destOrd="0" presId="urn:microsoft.com/office/officeart/2005/8/layout/chevron2"/>
+    <dgm:cxn modelId="{2494407B-3ABE-4A35-B84E-1EB3E93A4F20}" type="presOf" srcId="{0B968BE0-F111-464E-B4BC-7949288BB1DA}" destId="{4C83529C-A06C-4C56-8900-0000620EFC79}" srcOrd="0" destOrd="0" presId="urn:microsoft.com/office/officeart/2005/8/layout/chevron2"/>
+    <dgm:cxn modelId="{C5210316-2482-4AC6-A085-F267E1ED4F6F}" srcId="{DBCED77C-8E4C-4706-9C5A-C3853EA44D7D}" destId="{0B968BE0-F111-464E-B4BC-7949288BB1DA}" srcOrd="1" destOrd="0" parTransId="{E255D180-B828-42C6-8908-5ADF42E9179C}" sibTransId="{3210210F-3ACD-40E8-A230-127D754C287A}"/>
     <dgm:cxn modelId="{8C617EAD-2095-4B12-9F8C-8455053CC893}" type="presOf" srcId="{DD55E30F-1A95-4609-9E4B-E18013B0E67C}" destId="{84C8FA36-86FB-4863-A646-57E581B5197C}" srcOrd="0" destOrd="0" presId="urn:microsoft.com/office/officeart/2005/8/layout/chevron2"/>
-    <dgm:cxn modelId="{3ED4CD99-751A-451A-A867-DD2FA2B0FA62}" type="presOf" srcId="{4C38D18C-4D46-4828-ACF9-1482A5CDB1E6}" destId="{4B25B2FD-61FC-4767-82D8-E4AA1074323B}" srcOrd="0" destOrd="0" presId="urn:microsoft.com/office/officeart/2005/8/layout/chevron2"/>
-    <dgm:cxn modelId="{FCABCD20-8914-47BC-85E8-49AAFDA8CF37}" srcId="{D0674D44-7384-49E9-A65A-5043DD444CE8}" destId="{B175259C-965E-40A8-9DB7-A95E3129FB91}" srcOrd="1" destOrd="0" parTransId="{E4E806EA-C072-43A1-B3C0-05686691C346}" sibTransId="{C96ACF41-7FED-4B37-89D5-7401395C4769}"/>
-    <dgm:cxn modelId="{5934E398-CA3C-433B-AF90-7BB7D1AC05FD}" srcId="{7C2503DE-5E55-4B16-B06C-96DE908EFD2A}" destId="{DD55E30F-1A95-4609-9E4B-E18013B0E67C}" srcOrd="0" destOrd="0" parTransId="{81C520A6-A51F-46C3-9228-8F7EF01877C9}" sibTransId="{4C202A1F-4E91-4C68-B7EE-D445710675BA}"/>
-    <dgm:cxn modelId="{004E6927-734B-463D-9C25-3378DDA675F1}" srcId="{DBCED77C-8E4C-4706-9C5A-C3853EA44D7D}" destId="{D2BEA61B-0F77-49B1-8733-EE2F1E1A5623}" srcOrd="2" destOrd="0" parTransId="{5831202E-40BF-4FAD-B8C3-8F3273834FCE}" sibTransId="{7BD04CC6-8749-404D-BF79-9D25FBA8B839}"/>
-    <dgm:cxn modelId="{92C65BBD-8D6D-4F50-B0B1-181BA2B8A029}" srcId="{DBCED77C-8E4C-4706-9C5A-C3853EA44D7D}" destId="{A3147626-9DB6-43C6-AC44-80411592D7C0}" srcOrd="3" destOrd="0" parTransId="{4EFD23D8-4D24-45AB-BCB8-DBDE61484242}" sibTransId="{1D1DA405-CA0C-459B-A991-4A44B0CDDF8E}"/>
-    <dgm:cxn modelId="{A6306EAC-EDC8-44AB-A555-9790D9DECF4F}" srcId="{0B968BE0-F111-464E-B4BC-7949288BB1DA}" destId="{9BA7A115-83B1-444E-A906-4DCACC799B0E}" srcOrd="0" destOrd="0" parTransId="{D64C776D-6F14-470F-B79F-6512D75C4218}" sibTransId="{F85F5E16-D160-4A97-A596-85BEF28A2C2A}"/>
-    <dgm:cxn modelId="{E3D657DA-D0EA-43D0-B9E5-842CEEE8729A}" type="presOf" srcId="{454E8231-F3B5-4FD9-BA18-A896C338DE10}" destId="{3C3E10EF-9096-4B3F-99FA-E832CFB72811}" srcOrd="0" destOrd="0" presId="urn:microsoft.com/office/officeart/2005/8/layout/chevron2"/>
-    <dgm:cxn modelId="{6024B2C1-C5FA-43A7-8DCF-7921C4F4990A}" type="presOf" srcId="{310C29DF-64D8-4DF9-B8D5-254C18FAE82B}" destId="{F8989132-3A6C-4C13-AC2B-34B37273F107}" srcOrd="0" destOrd="0" presId="urn:microsoft.com/office/officeart/2005/8/layout/chevron2"/>
-    <dgm:cxn modelId="{EC7E0156-A3B6-4139-BC3D-978FE284DC60}" srcId="{DBCED77C-8E4C-4706-9C5A-C3853EA44D7D}" destId="{7C2503DE-5E55-4B16-B06C-96DE908EFD2A}" srcOrd="4" destOrd="0" parTransId="{B3788178-0DDC-403D-9B07-AC6384FB88C6}" sibTransId="{CA871951-9962-4229-8747-AE10577EA3A7}"/>
-    <dgm:cxn modelId="{C5210316-2482-4AC6-A085-F267E1ED4F6F}" srcId="{DBCED77C-8E4C-4706-9C5A-C3853EA44D7D}" destId="{0B968BE0-F111-464E-B4BC-7949288BB1DA}" srcOrd="1" destOrd="0" parTransId="{E255D180-B828-42C6-8908-5ADF42E9179C}" sibTransId="{3210210F-3ACD-40E8-A230-127D754C287A}"/>
-    <dgm:cxn modelId="{21822F84-8091-49FB-B228-4C998F37CF34}" type="presOf" srcId="{9BA7A115-83B1-444E-A906-4DCACC799B0E}" destId="{1B5FE930-2177-4193-8B43-7D245A7F8895}" srcOrd="0" destOrd="0" presId="urn:microsoft.com/office/officeart/2005/8/layout/chevron2"/>
-    <dgm:cxn modelId="{219DC4C2-1E01-4A22-A518-9003EE4E926B}" type="presOf" srcId="{D0674D44-7384-49E9-A65A-5043DD444CE8}" destId="{32E6BCD8-92F3-4764-B820-CE8BC1D8EF32}" srcOrd="0" destOrd="0" presId="urn:microsoft.com/office/officeart/2005/8/layout/chevron2"/>
-    <dgm:cxn modelId="{CCFAF500-4DEC-447E-A27E-D842A7DBFD52}" type="presOf" srcId="{D2BEA61B-0F77-49B1-8733-EE2F1E1A5623}" destId="{52757299-E38A-466D-A95F-DE2097AA7EBF}" srcOrd="0" destOrd="0" presId="urn:microsoft.com/office/officeart/2005/8/layout/chevron2"/>
-    <dgm:cxn modelId="{1E96AD71-5DBE-40DF-97D2-8E8C89286053}" srcId="{D2BEA61B-0F77-49B1-8733-EE2F1E1A5623}" destId="{4C38D18C-4D46-4828-ACF9-1482A5CDB1E6}" srcOrd="0" destOrd="0" parTransId="{1D5FCD33-5432-4A75-97B7-85169D3C0F2B}" sibTransId="{9D1E233D-0070-4E54-A6F6-558E4934BFA0}"/>
-    <dgm:cxn modelId="{2494407B-3ABE-4A35-B84E-1EB3E93A4F20}" type="presOf" srcId="{0B968BE0-F111-464E-B4BC-7949288BB1DA}" destId="{4C83529C-A06C-4C56-8900-0000620EFC79}" srcOrd="0" destOrd="0" presId="urn:microsoft.com/office/officeart/2005/8/layout/chevron2"/>
     <dgm:cxn modelId="{58D951F2-3BD0-450D-9BD0-6358D9A2AFD5}" type="presParOf" srcId="{231424EA-CA34-4A18-B02B-467F92279F0F}" destId="{DA71C15C-DCFF-4D2D-899C-7D0D70D1E27B}" srcOrd="0" destOrd="0" presId="urn:microsoft.com/office/officeart/2005/8/layout/chevron2"/>
     <dgm:cxn modelId="{E6342B10-68D2-487A-93CD-9D7D4E6D97F2}" type="presParOf" srcId="{DA71C15C-DCFF-4D2D-899C-7D0D70D1E27B}" destId="{32E6BCD8-92F3-4764-B820-CE8BC1D8EF32}" srcOrd="0" destOrd="0" presId="urn:microsoft.com/office/officeart/2005/8/layout/chevron2"/>
     <dgm:cxn modelId="{8F1BEA03-2D3B-4DFF-B004-40D6C2CE0190}" type="presParOf" srcId="{DA71C15C-DCFF-4D2D-899C-7D0D70D1E27B}" destId="{3C3E10EF-9096-4B3F-99FA-E832CFB72811}" srcOrd="1" destOrd="0" presId="urn:microsoft.com/office/officeart/2005/8/layout/chevron2"/>
@@ -12508,31 +12524,7 @@
         <a:p>
           <a:r>
             <a:rPr lang="zh-CN" altLang="en-US" dirty="0" smtClean="0"/>
-            <a:t>打印（任何</a:t>
-          </a:r>
-          <a:r>
-            <a:rPr lang="zh-CN" altLang="en-US" dirty="0" smtClean="0"/>
-            <a:t>人，任何时候）</a:t>
-          </a:r>
-          <a:r>
-            <a:rPr lang="zh-CN" altLang="en-US" dirty="0" smtClean="0"/>
-            <a:t>；接管（非跟单</a:t>
-          </a:r>
-          <a:r>
-            <a:rPr lang="zh-CN" altLang="en-US" dirty="0" smtClean="0"/>
-            <a:t>员，任何时候，</a:t>
-          </a:r>
-          <a:r>
-            <a:rPr lang="zh-CN" altLang="en-US" dirty="0" smtClean="0"/>
-            <a:t>接管后成为心得跟单员）；删除（跟单</a:t>
-          </a:r>
-          <a:r>
-            <a:rPr lang="zh-CN" altLang="en-US" dirty="0" smtClean="0"/>
-            <a:t>员，任何时候）</a:t>
-          </a:r>
-          <a:r>
-            <a:rPr lang="zh-CN" altLang="en-US" dirty="0" smtClean="0"/>
-            <a:t>；装柜（跟单员）；</a:t>
+            <a:t>打印（任何人，任何时候）；接管（非跟单员，任何时候，接管后成为心得跟单员）；删除（跟单员，任何时候）；装柜（跟单员）；</a:t>
           </a:r>
           <a:endParaRPr lang="zh-CN" altLang="en-US" dirty="0"/>
         </a:p>
@@ -13498,6 +13490,13 @@
         </dgm:presLayoutVars>
       </dgm:prSet>
       <dgm:spPr/>
+      <dgm:t>
+        <a:bodyPr/>
+        <a:lstStyle/>
+        <a:p>
+          <a:endParaRPr lang="zh-CN" altLang="en-US"/>
+        </a:p>
+      </dgm:t>
     </dgm:pt>
   </dgm:ptLst>
   <dgm:cxnLst>
@@ -15143,7 +15142,11 @@
           </a:pPr>
           <a:r>
             <a:rPr lang="zh-CN" altLang="en-US" sz="900" kern="1200" dirty="0" smtClean="0"/>
-            <a:t>接单（任何人，接单后成为该订单跟单员）</a:t>
+            <a:t>回退（审核者）；接</a:t>
+          </a:r>
+          <a:r>
+            <a:rPr lang="zh-CN" altLang="en-US" sz="900" kern="1200" dirty="0" smtClean="0"/>
+            <a:t>单（任何人，接单后成为该订单跟单员）</a:t>
           </a:r>
           <a:endParaRPr lang="zh-CN" altLang="en-US" sz="900" kern="1200" dirty="0"/>
         </a:p>
@@ -15301,7 +15304,19 @@
           </a:r>
           <a:r>
             <a:rPr lang="zh-CN" altLang="en-US" sz="900" kern="1200" dirty="0" smtClean="0"/>
-            <a:t>（跟单员）；作废（跟单员）；接管（非跟单员，只要还没审结，接管后成为跟单员。）；慢单</a:t>
+            <a:t>（跟单员）；作废（跟单</a:t>
+          </a:r>
+          <a:r>
+            <a:rPr lang="zh-CN" altLang="en-US" sz="900" kern="1200" dirty="0" smtClean="0"/>
+            <a:t>员，接单后只能作废留档，不给回退删除</a:t>
+          </a:r>
+          <a:r>
+            <a:rPr lang="zh-CN" altLang="en-US" sz="900" kern="1200" smtClean="0"/>
+            <a:t>了。）</a:t>
+          </a:r>
+          <a:r>
+            <a:rPr lang="zh-CN" altLang="en-US" sz="900" kern="1200" dirty="0" smtClean="0"/>
+            <a:t>；接管（非跟单员，只要还没审结，接管后成为跟单员。）；慢单</a:t>
           </a:r>
           <a:r>
             <a:rPr lang="en-US" altLang="zh-CN" sz="900" kern="1200" dirty="0" smtClean="0"/>
@@ -19359,542 +19374,6 @@
       <dsp:cNvGrpSpPr/>
     </dsp:nvGrpSpPr>
     <dsp:grpSpPr/>
-    <dsp:sp modelId="{1A56C11B-120F-44DC-ABBB-2264FB312E10}">
-      <dsp:nvSpPr>
-        <dsp:cNvPr id="0" name=""/>
-        <dsp:cNvSpPr/>
-      </dsp:nvSpPr>
-      <dsp:spPr>
-        <a:xfrm rot="5400000">
-          <a:off x="-245635" y="246082"/>
-          <a:ext cx="1637567" cy="1146297"/>
-        </a:xfrm>
-        <a:prstGeom prst="chevron">
-          <a:avLst/>
-        </a:prstGeom>
-        <a:solidFill>
-          <a:schemeClr val="accent1">
-            <a:hueOff val="0"/>
-            <a:satOff val="0"/>
-            <a:lumOff val="0"/>
-            <a:alphaOff val="0"/>
-          </a:schemeClr>
-        </a:solidFill>
-        <a:ln w="25400" cap="flat" cmpd="sng" algn="ctr">
-          <a:solidFill>
-            <a:schemeClr val="accent1">
-              <a:hueOff val="0"/>
-              <a:satOff val="0"/>
-              <a:lumOff val="0"/>
-              <a:alphaOff val="0"/>
-            </a:schemeClr>
-          </a:solidFill>
-          <a:prstDash val="solid"/>
-        </a:ln>
-        <a:effectLst/>
-      </dsp:spPr>
-      <dsp:style>
-        <a:lnRef idx="2">
-          <a:scrgbClr r="0" g="0" b="0"/>
-        </a:lnRef>
-        <a:fillRef idx="1">
-          <a:scrgbClr r="0" g="0" b="0"/>
-        </a:fillRef>
-        <a:effectRef idx="0">
-          <a:scrgbClr r="0" g="0" b="0"/>
-        </a:effectRef>
-        <a:fontRef idx="minor">
-          <a:schemeClr val="lt1"/>
-        </a:fontRef>
-      </dsp:style>
-      <dsp:txBody>
-        <a:bodyPr spcFirstLastPara="0" vert="horz" wrap="square" lIns="13970" tIns="13970" rIns="13970" bIns="13970" numCol="1" spcCol="1270" anchor="ctr" anchorCtr="0">
-          <a:noAutofit/>
-        </a:bodyPr>
-        <a:lstStyle/>
-        <a:p>
-          <a:pPr lvl="0" algn="ctr" defTabSz="977900">
-            <a:lnSpc>
-              <a:spcPct val="90000"/>
-            </a:lnSpc>
-            <a:spcBef>
-              <a:spcPct val="0"/>
-            </a:spcBef>
-            <a:spcAft>
-              <a:spcPct val="35000"/>
-            </a:spcAft>
-          </a:pPr>
-          <a:r>
-            <a:rPr lang="zh-CN" altLang="en-US" sz="2200" kern="1200" dirty="0" smtClean="0"/>
-            <a:t>制单</a:t>
-          </a:r>
-          <a:endParaRPr lang="zh-CN" altLang="en-US" sz="2200" kern="1200" dirty="0"/>
-        </a:p>
-      </dsp:txBody>
-      <dsp:txXfrm rot="-5400000">
-        <a:off x="1" y="573596"/>
-        <a:ext cx="1146297" cy="491270"/>
-      </dsp:txXfrm>
-    </dsp:sp>
-    <dsp:sp modelId="{2DC0E148-8729-4B3C-BB97-8DC8E3E4A764}">
-      <dsp:nvSpPr>
-        <dsp:cNvPr id="0" name=""/>
-        <dsp:cNvSpPr/>
-      </dsp:nvSpPr>
-      <dsp:spPr>
-        <a:xfrm rot="5400000">
-          <a:off x="4155739" y="-3008994"/>
-          <a:ext cx="1064418" cy="7083302"/>
-        </a:xfrm>
-        <a:prstGeom prst="round2SameRect">
-          <a:avLst/>
-        </a:prstGeom>
-        <a:solidFill>
-          <a:schemeClr val="lt1">
-            <a:alpha val="90000"/>
-            <a:hueOff val="0"/>
-            <a:satOff val="0"/>
-            <a:lumOff val="0"/>
-            <a:alphaOff val="0"/>
-          </a:schemeClr>
-        </a:solidFill>
-        <a:ln w="25400" cap="flat" cmpd="sng" algn="ctr">
-          <a:solidFill>
-            <a:schemeClr val="accent1">
-              <a:hueOff val="0"/>
-              <a:satOff val="0"/>
-              <a:lumOff val="0"/>
-              <a:alphaOff val="0"/>
-            </a:schemeClr>
-          </a:solidFill>
-          <a:prstDash val="solid"/>
-        </a:ln>
-        <a:effectLst/>
-      </dsp:spPr>
-      <dsp:style>
-        <a:lnRef idx="2">
-          <a:scrgbClr r="0" g="0" b="0"/>
-        </a:lnRef>
-        <a:fillRef idx="1">
-          <a:scrgbClr r="0" g="0" b="0"/>
-        </a:fillRef>
-        <a:effectRef idx="0">
-          <a:scrgbClr r="0" g="0" b="0"/>
-        </a:effectRef>
-        <a:fontRef idx="minor"/>
-      </dsp:style>
-      <dsp:txBody>
-        <a:bodyPr spcFirstLastPara="0" vert="horz" wrap="square" lIns="149352" tIns="13335" rIns="13335" bIns="13335" numCol="1" spcCol="1270" anchor="ctr" anchorCtr="0">
-          <a:noAutofit/>
-        </a:bodyPr>
-        <a:lstStyle/>
-        <a:p>
-          <a:pPr marL="228600" lvl="1" indent="-228600" algn="l" defTabSz="933450">
-            <a:lnSpc>
-              <a:spcPct val="90000"/>
-            </a:lnSpc>
-            <a:spcBef>
-              <a:spcPct val="0"/>
-            </a:spcBef>
-            <a:spcAft>
-              <a:spcPct val="15000"/>
-            </a:spcAft>
-            <a:buChar char="••"/>
-          </a:pPr>
-          <a:r>
-            <a:rPr lang="en-US" altLang="zh-CN" sz="2100" kern="1200" dirty="0" smtClean="0"/>
-            <a:t>【</a:t>
-          </a:r>
-          <a:r>
-            <a:rPr lang="zh-CN" altLang="en-US" sz="2100" kern="1200" dirty="0" smtClean="0"/>
-            <a:t>发货单是一种特殊的付款申请</a:t>
-          </a:r>
-          <a:r>
-            <a:rPr lang="en-US" altLang="zh-CN" sz="2100" kern="1200" dirty="0" smtClean="0"/>
-            <a:t>】</a:t>
-          </a:r>
-          <a:endParaRPr lang="zh-CN" altLang="en-US" sz="2100" kern="1200" dirty="0"/>
-        </a:p>
-        <a:p>
-          <a:pPr marL="228600" lvl="1" indent="-228600" algn="l" defTabSz="933450">
-            <a:lnSpc>
-              <a:spcPct val="90000"/>
-            </a:lnSpc>
-            <a:spcBef>
-              <a:spcPct val="0"/>
-            </a:spcBef>
-            <a:spcAft>
-              <a:spcPct val="15000"/>
-            </a:spcAft>
-            <a:buChar char="••"/>
-          </a:pPr>
-          <a:r>
-            <a:rPr lang="zh-CN" altLang="en-US" sz="2100" b="1" kern="1200" dirty="0" smtClean="0"/>
-            <a:t>编辑</a:t>
-          </a:r>
-          <a:r>
-            <a:rPr lang="zh-CN" altLang="en-US" sz="2100" kern="1200" dirty="0" smtClean="0"/>
-            <a:t>（申请者）；删除（申请者）；申请对单（申请者）</a:t>
-          </a:r>
-          <a:endParaRPr lang="zh-CN" altLang="en-US" sz="2100" kern="1200" dirty="0"/>
-        </a:p>
-      </dsp:txBody>
-      <dsp:txXfrm rot="-5400000">
-        <a:off x="1146298" y="52408"/>
-        <a:ext cx="7031341" cy="960496"/>
-      </dsp:txXfrm>
-    </dsp:sp>
-    <dsp:sp modelId="{0B7CDB1D-A607-43C4-BFFA-966742DF3D20}">
-      <dsp:nvSpPr>
-        <dsp:cNvPr id="0" name=""/>
-        <dsp:cNvSpPr/>
-      </dsp:nvSpPr>
-      <dsp:spPr>
-        <a:xfrm rot="5400000">
-          <a:off x="-245635" y="1689832"/>
-          <a:ext cx="1637567" cy="1146297"/>
-        </a:xfrm>
-        <a:prstGeom prst="chevron">
-          <a:avLst/>
-        </a:prstGeom>
-        <a:solidFill>
-          <a:schemeClr val="accent1">
-            <a:hueOff val="0"/>
-            <a:satOff val="0"/>
-            <a:lumOff val="0"/>
-            <a:alphaOff val="0"/>
-          </a:schemeClr>
-        </a:solidFill>
-        <a:ln w="25400" cap="flat" cmpd="sng" algn="ctr">
-          <a:solidFill>
-            <a:schemeClr val="accent1">
-              <a:hueOff val="0"/>
-              <a:satOff val="0"/>
-              <a:lumOff val="0"/>
-              <a:alphaOff val="0"/>
-            </a:schemeClr>
-          </a:solidFill>
-          <a:prstDash val="solid"/>
-        </a:ln>
-        <a:effectLst/>
-      </dsp:spPr>
-      <dsp:style>
-        <a:lnRef idx="2">
-          <a:scrgbClr r="0" g="0" b="0"/>
-        </a:lnRef>
-        <a:fillRef idx="1">
-          <a:scrgbClr r="0" g="0" b="0"/>
-        </a:fillRef>
-        <a:effectRef idx="0">
-          <a:scrgbClr r="0" g="0" b="0"/>
-        </a:effectRef>
-        <a:fontRef idx="minor">
-          <a:schemeClr val="lt1"/>
-        </a:fontRef>
-      </dsp:style>
-      <dsp:txBody>
-        <a:bodyPr spcFirstLastPara="0" vert="horz" wrap="square" lIns="13970" tIns="13970" rIns="13970" bIns="13970" numCol="1" spcCol="1270" anchor="ctr" anchorCtr="0">
-          <a:noAutofit/>
-        </a:bodyPr>
-        <a:lstStyle/>
-        <a:p>
-          <a:pPr lvl="0" algn="ctr" defTabSz="977900">
-            <a:lnSpc>
-              <a:spcPct val="90000"/>
-            </a:lnSpc>
-            <a:spcBef>
-              <a:spcPct val="0"/>
-            </a:spcBef>
-            <a:spcAft>
-              <a:spcPct val="35000"/>
-            </a:spcAft>
-          </a:pPr>
-          <a:r>
-            <a:rPr lang="zh-CN" altLang="en-US" sz="2200" kern="1200" dirty="0" smtClean="0"/>
-            <a:t>申请对单</a:t>
-          </a:r>
-          <a:endParaRPr lang="zh-CN" altLang="en-US" sz="2200" kern="1200" dirty="0"/>
-        </a:p>
-      </dsp:txBody>
-      <dsp:txXfrm rot="-5400000">
-        <a:off x="1" y="2017346"/>
-        <a:ext cx="1146297" cy="491270"/>
-      </dsp:txXfrm>
-    </dsp:sp>
-    <dsp:sp modelId="{9DB632C1-77EB-49F1-98DD-69708217FB50}">
-      <dsp:nvSpPr>
-        <dsp:cNvPr id="0" name=""/>
-        <dsp:cNvSpPr/>
-      </dsp:nvSpPr>
-      <dsp:spPr>
-        <a:xfrm rot="5400000">
-          <a:off x="4155739" y="-1565244"/>
-          <a:ext cx="1064418" cy="7083302"/>
-        </a:xfrm>
-        <a:prstGeom prst="round2SameRect">
-          <a:avLst/>
-        </a:prstGeom>
-        <a:solidFill>
-          <a:schemeClr val="lt1">
-            <a:alpha val="90000"/>
-            <a:hueOff val="0"/>
-            <a:satOff val="0"/>
-            <a:lumOff val="0"/>
-            <a:alphaOff val="0"/>
-          </a:schemeClr>
-        </a:solidFill>
-        <a:ln w="25400" cap="flat" cmpd="sng" algn="ctr">
-          <a:solidFill>
-            <a:schemeClr val="accent1">
-              <a:hueOff val="0"/>
-              <a:satOff val="0"/>
-              <a:lumOff val="0"/>
-              <a:alphaOff val="0"/>
-            </a:schemeClr>
-          </a:solidFill>
-          <a:prstDash val="solid"/>
-        </a:ln>
-        <a:effectLst/>
-      </dsp:spPr>
-      <dsp:style>
-        <a:lnRef idx="2">
-          <a:scrgbClr r="0" g="0" b="0"/>
-        </a:lnRef>
-        <a:fillRef idx="1">
-          <a:scrgbClr r="0" g="0" b="0"/>
-        </a:fillRef>
-        <a:effectRef idx="0">
-          <a:scrgbClr r="0" g="0" b="0"/>
-        </a:effectRef>
-        <a:fontRef idx="minor"/>
-      </dsp:style>
-      <dsp:txBody>
-        <a:bodyPr spcFirstLastPara="0" vert="horz" wrap="square" lIns="149352" tIns="13335" rIns="13335" bIns="13335" numCol="1" spcCol="1270" anchor="ctr" anchorCtr="0">
-          <a:noAutofit/>
-        </a:bodyPr>
-        <a:lstStyle/>
-        <a:p>
-          <a:pPr marL="228600" lvl="1" indent="-228600" algn="l" defTabSz="933450">
-            <a:lnSpc>
-              <a:spcPct val="90000"/>
-            </a:lnSpc>
-            <a:spcBef>
-              <a:spcPct val="0"/>
-            </a:spcBef>
-            <a:spcAft>
-              <a:spcPct val="15000"/>
-            </a:spcAft>
-            <a:buChar char="••"/>
-          </a:pPr>
-          <a:r>
-            <a:rPr lang="zh-CN" altLang="en-US" sz="2100" kern="1200" dirty="0" smtClean="0"/>
-            <a:t>回退（申请者）；对单（非申请者，成为审核者</a:t>
-          </a:r>
-          <a:r>
-            <a:rPr lang="en-US" altLang="zh-CN" sz="2100" kern="1200" dirty="0" smtClean="0"/>
-            <a:t>/</a:t>
-          </a:r>
-          <a:r>
-            <a:rPr lang="zh-CN" altLang="en-US" sz="2100" kern="1200" dirty="0" smtClean="0"/>
-            <a:t>对单者）</a:t>
-          </a:r>
-          <a:endParaRPr lang="zh-CN" altLang="en-US" sz="2100" kern="1200" dirty="0"/>
-        </a:p>
-      </dsp:txBody>
-      <dsp:txXfrm rot="-5400000">
-        <a:off x="1146298" y="1496158"/>
-        <a:ext cx="7031341" cy="960496"/>
-      </dsp:txXfrm>
-    </dsp:sp>
-    <dsp:sp modelId="{C44D64A3-4424-4FCE-B5EE-C4DADEBC8A39}">
-      <dsp:nvSpPr>
-        <dsp:cNvPr id="0" name=""/>
-        <dsp:cNvSpPr/>
-      </dsp:nvSpPr>
-      <dsp:spPr>
-        <a:xfrm rot="5400000">
-          <a:off x="-245635" y="3133582"/>
-          <a:ext cx="1637567" cy="1146297"/>
-        </a:xfrm>
-        <a:prstGeom prst="chevron">
-          <a:avLst/>
-        </a:prstGeom>
-        <a:solidFill>
-          <a:schemeClr val="accent1">
-            <a:hueOff val="0"/>
-            <a:satOff val="0"/>
-            <a:lumOff val="0"/>
-            <a:alphaOff val="0"/>
-          </a:schemeClr>
-        </a:solidFill>
-        <a:ln w="25400" cap="flat" cmpd="sng" algn="ctr">
-          <a:solidFill>
-            <a:schemeClr val="accent1">
-              <a:hueOff val="0"/>
-              <a:satOff val="0"/>
-              <a:lumOff val="0"/>
-              <a:alphaOff val="0"/>
-            </a:schemeClr>
-          </a:solidFill>
-          <a:prstDash val="solid"/>
-        </a:ln>
-        <a:effectLst/>
-      </dsp:spPr>
-      <dsp:style>
-        <a:lnRef idx="2">
-          <a:scrgbClr r="0" g="0" b="0"/>
-        </a:lnRef>
-        <a:fillRef idx="1">
-          <a:scrgbClr r="0" g="0" b="0"/>
-        </a:fillRef>
-        <a:effectRef idx="0">
-          <a:scrgbClr r="0" g="0" b="0"/>
-        </a:effectRef>
-        <a:fontRef idx="minor">
-          <a:schemeClr val="lt1"/>
-        </a:fontRef>
-      </dsp:style>
-      <dsp:txBody>
-        <a:bodyPr spcFirstLastPara="0" vert="horz" wrap="square" lIns="13970" tIns="13970" rIns="13970" bIns="13970" numCol="1" spcCol="1270" anchor="ctr" anchorCtr="0">
-          <a:noAutofit/>
-        </a:bodyPr>
-        <a:lstStyle/>
-        <a:p>
-          <a:pPr lvl="0" algn="ctr" defTabSz="977900">
-            <a:lnSpc>
-              <a:spcPct val="90000"/>
-            </a:lnSpc>
-            <a:spcBef>
-              <a:spcPct val="0"/>
-            </a:spcBef>
-            <a:spcAft>
-              <a:spcPct val="35000"/>
-            </a:spcAft>
-          </a:pPr>
-          <a:r>
-            <a:rPr lang="zh-CN" altLang="en-US" sz="2200" kern="1200" dirty="0" smtClean="0"/>
-            <a:t>对单</a:t>
-          </a:r>
-          <a:endParaRPr lang="zh-CN" altLang="en-US" sz="2200" kern="1200" dirty="0"/>
-        </a:p>
-      </dsp:txBody>
-      <dsp:txXfrm rot="-5400000">
-        <a:off x="1" y="3461096"/>
-        <a:ext cx="1146297" cy="491270"/>
-      </dsp:txXfrm>
-    </dsp:sp>
-    <dsp:sp modelId="{669B75D0-9CBB-4862-9606-FA40159A5949}">
-      <dsp:nvSpPr>
-        <dsp:cNvPr id="0" name=""/>
-        <dsp:cNvSpPr/>
-      </dsp:nvSpPr>
-      <dsp:spPr>
-        <a:xfrm rot="5400000">
-          <a:off x="4155739" y="-121494"/>
-          <a:ext cx="1064418" cy="7083302"/>
-        </a:xfrm>
-        <a:prstGeom prst="round2SameRect">
-          <a:avLst/>
-        </a:prstGeom>
-        <a:solidFill>
-          <a:schemeClr val="lt1">
-            <a:alpha val="90000"/>
-            <a:hueOff val="0"/>
-            <a:satOff val="0"/>
-            <a:lumOff val="0"/>
-            <a:alphaOff val="0"/>
-          </a:schemeClr>
-        </a:solidFill>
-        <a:ln w="25400" cap="flat" cmpd="sng" algn="ctr">
-          <a:solidFill>
-            <a:schemeClr val="accent1">
-              <a:hueOff val="0"/>
-              <a:satOff val="0"/>
-              <a:lumOff val="0"/>
-              <a:alphaOff val="0"/>
-            </a:schemeClr>
-          </a:solidFill>
-          <a:prstDash val="solid"/>
-        </a:ln>
-        <a:effectLst/>
-      </dsp:spPr>
-      <dsp:style>
-        <a:lnRef idx="2">
-          <a:scrgbClr r="0" g="0" b="0"/>
-        </a:lnRef>
-        <a:fillRef idx="1">
-          <a:scrgbClr r="0" g="0" b="0"/>
-        </a:fillRef>
-        <a:effectRef idx="0">
-          <a:scrgbClr r="0" g="0" b="0"/>
-        </a:effectRef>
-        <a:fontRef idx="minor"/>
-      </dsp:style>
-      <dsp:txBody>
-        <a:bodyPr spcFirstLastPara="0" vert="horz" wrap="square" lIns="149352" tIns="13335" rIns="13335" bIns="13335" numCol="1" spcCol="1270" anchor="ctr" anchorCtr="0">
-          <a:noAutofit/>
-        </a:bodyPr>
-        <a:lstStyle/>
-        <a:p>
-          <a:pPr marL="228600" lvl="1" indent="-228600" algn="l" defTabSz="933450">
-            <a:lnSpc>
-              <a:spcPct val="90000"/>
-            </a:lnSpc>
-            <a:spcBef>
-              <a:spcPct val="0"/>
-            </a:spcBef>
-            <a:spcAft>
-              <a:spcPct val="15000"/>
-            </a:spcAft>
-            <a:buChar char="••"/>
-          </a:pPr>
-          <a:r>
-            <a:rPr lang="en-US" altLang="zh-CN" sz="2100" kern="1200" dirty="0" smtClean="0"/>
-            <a:t>【</a:t>
-          </a:r>
-          <a:r>
-            <a:rPr lang="zh-CN" altLang="en-US" sz="2100" kern="1200" dirty="0" smtClean="0"/>
-            <a:t>对单后就可以“记账”</a:t>
-          </a:r>
-          <a:r>
-            <a:rPr lang="en-US" altLang="zh-CN" sz="2100" kern="1200" dirty="0" smtClean="0"/>
-            <a:t>-&gt;</a:t>
-          </a:r>
-          <a:r>
-            <a:rPr lang="zh-CN" altLang="en-US" sz="2100" kern="1200" dirty="0" smtClean="0"/>
-            <a:t>“付款”</a:t>
-          </a:r>
-          <a:r>
-            <a:rPr lang="en-US" altLang="zh-CN" sz="2100" kern="1200" dirty="0" smtClean="0"/>
-            <a:t>】</a:t>
-          </a:r>
-          <a:endParaRPr lang="zh-CN" altLang="en-US" sz="2100" kern="1200" dirty="0"/>
-        </a:p>
-        <a:p>
-          <a:pPr marL="228600" lvl="1" indent="-228600" algn="l" defTabSz="933450">
-            <a:lnSpc>
-              <a:spcPct val="90000"/>
-            </a:lnSpc>
-            <a:spcBef>
-              <a:spcPct val="0"/>
-            </a:spcBef>
-            <a:spcAft>
-              <a:spcPct val="15000"/>
-            </a:spcAft>
-            <a:buChar char="••"/>
-          </a:pPr>
-          <a:r>
-            <a:rPr lang="zh-CN" altLang="en-US" sz="2100" kern="1200" dirty="0" smtClean="0"/>
-            <a:t>回退（审核者，必须还没记账）</a:t>
-          </a:r>
-          <a:endParaRPr lang="zh-CN" altLang="en-US" sz="2100" kern="1200" dirty="0"/>
-        </a:p>
-      </dsp:txBody>
-      <dsp:txXfrm rot="-5400000">
-        <a:off x="1146298" y="2939908"/>
-        <a:ext cx="7031341" cy="960496"/>
-      </dsp:txXfrm>
-    </dsp:sp>
   </dsp:spTree>
 </dsp:drawing>
 </file>
@@ -19907,815 +19386,6 @@
       <dsp:cNvGrpSpPr/>
     </dsp:nvGrpSpPr>
     <dsp:grpSpPr/>
-    <dsp:sp modelId="{32E6BCD8-92F3-4764-B820-CE8BC1D8EF32}">
-      <dsp:nvSpPr>
-        <dsp:cNvPr id="0" name=""/>
-        <dsp:cNvSpPr/>
-      </dsp:nvSpPr>
-      <dsp:spPr>
-        <a:xfrm rot="5400000">
-          <a:off x="-149834" y="152032"/>
-          <a:ext cx="998894" cy="699225"/>
-        </a:xfrm>
-        <a:prstGeom prst="chevron">
-          <a:avLst/>
-        </a:prstGeom>
-        <a:solidFill>
-          <a:schemeClr val="accent1">
-            <a:hueOff val="0"/>
-            <a:satOff val="0"/>
-            <a:lumOff val="0"/>
-            <a:alphaOff val="0"/>
-          </a:schemeClr>
-        </a:solidFill>
-        <a:ln w="25400" cap="flat" cmpd="sng" algn="ctr">
-          <a:solidFill>
-            <a:schemeClr val="accent1">
-              <a:hueOff val="0"/>
-              <a:satOff val="0"/>
-              <a:lumOff val="0"/>
-              <a:alphaOff val="0"/>
-            </a:schemeClr>
-          </a:solidFill>
-          <a:prstDash val="solid"/>
-        </a:ln>
-        <a:effectLst/>
-      </dsp:spPr>
-      <dsp:style>
-        <a:lnRef idx="2">
-          <a:scrgbClr r="0" g="0" b="0"/>
-        </a:lnRef>
-        <a:fillRef idx="1">
-          <a:scrgbClr r="0" g="0" b="0"/>
-        </a:fillRef>
-        <a:effectRef idx="0">
-          <a:scrgbClr r="0" g="0" b="0"/>
-        </a:effectRef>
-        <a:fontRef idx="minor">
-          <a:schemeClr val="lt1"/>
-        </a:fontRef>
-      </dsp:style>
-      <dsp:txBody>
-        <a:bodyPr spcFirstLastPara="0" vert="horz" wrap="square" lIns="8255" tIns="8255" rIns="8255" bIns="8255" numCol="1" spcCol="1270" anchor="ctr" anchorCtr="0">
-          <a:noAutofit/>
-        </a:bodyPr>
-        <a:lstStyle/>
-        <a:p>
-          <a:pPr lvl="0" algn="ctr" defTabSz="577850">
-            <a:lnSpc>
-              <a:spcPct val="90000"/>
-            </a:lnSpc>
-            <a:spcBef>
-              <a:spcPct val="0"/>
-            </a:spcBef>
-            <a:spcAft>
-              <a:spcPct val="35000"/>
-            </a:spcAft>
-          </a:pPr>
-          <a:r>
-            <a:rPr lang="zh-CN" altLang="en-US" sz="1300" kern="1200" dirty="0" smtClean="0"/>
-            <a:t>记账</a:t>
-          </a:r>
-          <a:endParaRPr lang="zh-CN" altLang="en-US" sz="1300" kern="1200" dirty="0"/>
-        </a:p>
-      </dsp:txBody>
-      <dsp:txXfrm rot="-5400000">
-        <a:off x="1" y="351811"/>
-        <a:ext cx="699225" cy="299669"/>
-      </dsp:txXfrm>
-    </dsp:sp>
-    <dsp:sp modelId="{3C3E10EF-9096-4B3F-99FA-E832CFB72811}">
-      <dsp:nvSpPr>
-        <dsp:cNvPr id="0" name=""/>
-        <dsp:cNvSpPr/>
-      </dsp:nvSpPr>
-      <dsp:spPr>
-        <a:xfrm rot="5400000">
-          <a:off x="4139772" y="-3438347"/>
-          <a:ext cx="649281" cy="7530374"/>
-        </a:xfrm>
-        <a:prstGeom prst="round2SameRect">
-          <a:avLst/>
-        </a:prstGeom>
-        <a:solidFill>
-          <a:schemeClr val="lt1">
-            <a:alpha val="90000"/>
-            <a:hueOff val="0"/>
-            <a:satOff val="0"/>
-            <a:lumOff val="0"/>
-            <a:alphaOff val="0"/>
-          </a:schemeClr>
-        </a:solidFill>
-        <a:ln w="25400" cap="flat" cmpd="sng" algn="ctr">
-          <a:solidFill>
-            <a:schemeClr val="accent1">
-              <a:hueOff val="0"/>
-              <a:satOff val="0"/>
-              <a:lumOff val="0"/>
-              <a:alphaOff val="0"/>
-            </a:schemeClr>
-          </a:solidFill>
-          <a:prstDash val="solid"/>
-        </a:ln>
-        <a:effectLst/>
-      </dsp:spPr>
-      <dsp:style>
-        <a:lnRef idx="2">
-          <a:scrgbClr r="0" g="0" b="0"/>
-        </a:lnRef>
-        <a:fillRef idx="1">
-          <a:scrgbClr r="0" g="0" b="0"/>
-        </a:fillRef>
-        <a:effectRef idx="0">
-          <a:scrgbClr r="0" g="0" b="0"/>
-        </a:effectRef>
-        <a:fontRef idx="minor"/>
-      </dsp:style>
-      <dsp:txBody>
-        <a:bodyPr spcFirstLastPara="0" vert="horz" wrap="square" lIns="113792" tIns="10160" rIns="10160" bIns="10160" numCol="1" spcCol="1270" anchor="ctr" anchorCtr="0">
-          <a:noAutofit/>
-        </a:bodyPr>
-        <a:lstStyle/>
-        <a:p>
-          <a:pPr marL="171450" lvl="1" indent="-171450" algn="l" defTabSz="711200">
-            <a:lnSpc>
-              <a:spcPct val="90000"/>
-            </a:lnSpc>
-            <a:spcBef>
-              <a:spcPct val="0"/>
-            </a:spcBef>
-            <a:spcAft>
-              <a:spcPct val="15000"/>
-            </a:spcAft>
-            <a:buChar char="••"/>
-          </a:pPr>
-          <a:r>
-            <a:rPr lang="en-US" altLang="zh-CN" sz="1600" kern="1200" dirty="0" smtClean="0"/>
-            <a:t>【</a:t>
-          </a:r>
-          <a:r>
-            <a:rPr lang="zh-CN" altLang="en-US" sz="1600" kern="1200" dirty="0" smtClean="0"/>
-            <a:t>记账人可以凭空建一个流水账，也可以利用已对单的付款申请</a:t>
-          </a:r>
-          <a:r>
-            <a:rPr lang="en-US" altLang="zh-CN" sz="1600" kern="1200" dirty="0" smtClean="0"/>
-            <a:t>/</a:t>
-          </a:r>
-          <a:r>
-            <a:rPr lang="zh-CN" altLang="en-US" sz="1600" kern="1200" smtClean="0"/>
-            <a:t>发货单建流水账</a:t>
-          </a:r>
-          <a:r>
-            <a:rPr lang="en-US" altLang="zh-CN" sz="1600" kern="1200" dirty="0" smtClean="0"/>
-            <a:t>】</a:t>
-          </a:r>
-          <a:endParaRPr lang="zh-CN" altLang="en-US" sz="1600" kern="1200" dirty="0"/>
-        </a:p>
-        <a:p>
-          <a:pPr marL="171450" lvl="1" indent="-171450" algn="l" defTabSz="711200">
-            <a:lnSpc>
-              <a:spcPct val="90000"/>
-            </a:lnSpc>
-            <a:spcBef>
-              <a:spcPct val="0"/>
-            </a:spcBef>
-            <a:spcAft>
-              <a:spcPct val="15000"/>
-            </a:spcAft>
-            <a:buChar char="••"/>
-          </a:pPr>
-          <a:r>
-            <a:rPr lang="zh-CN" altLang="en-US" sz="1600" b="1" kern="1200" dirty="0" smtClean="0"/>
-            <a:t>编辑</a:t>
-          </a:r>
-          <a:r>
-            <a:rPr lang="zh-CN" altLang="en-US" sz="1600" kern="1200" dirty="0" smtClean="0"/>
-            <a:t>（记账人）；删除（记账人）；付款（记账人）</a:t>
-          </a:r>
-          <a:endParaRPr lang="zh-CN" altLang="en-US" sz="1600" kern="1200" dirty="0"/>
-        </a:p>
-      </dsp:txBody>
-      <dsp:txXfrm rot="-5400000">
-        <a:off x="699226" y="33894"/>
-        <a:ext cx="7498679" cy="585891"/>
-      </dsp:txXfrm>
-    </dsp:sp>
-    <dsp:sp modelId="{4C83529C-A06C-4C56-8900-0000620EFC79}">
-      <dsp:nvSpPr>
-        <dsp:cNvPr id="0" name=""/>
-        <dsp:cNvSpPr/>
-      </dsp:nvSpPr>
-      <dsp:spPr>
-        <a:xfrm rot="5400000">
-          <a:off x="-149834" y="1032700"/>
-          <a:ext cx="998894" cy="699225"/>
-        </a:xfrm>
-        <a:prstGeom prst="chevron">
-          <a:avLst/>
-        </a:prstGeom>
-        <a:solidFill>
-          <a:schemeClr val="accent1">
-            <a:hueOff val="0"/>
-            <a:satOff val="0"/>
-            <a:lumOff val="0"/>
-            <a:alphaOff val="0"/>
-          </a:schemeClr>
-        </a:solidFill>
-        <a:ln w="25400" cap="flat" cmpd="sng" algn="ctr">
-          <a:solidFill>
-            <a:schemeClr val="accent1">
-              <a:hueOff val="0"/>
-              <a:satOff val="0"/>
-              <a:lumOff val="0"/>
-              <a:alphaOff val="0"/>
-            </a:schemeClr>
-          </a:solidFill>
-          <a:prstDash val="solid"/>
-        </a:ln>
-        <a:effectLst/>
-      </dsp:spPr>
-      <dsp:style>
-        <a:lnRef idx="2">
-          <a:scrgbClr r="0" g="0" b="0"/>
-        </a:lnRef>
-        <a:fillRef idx="1">
-          <a:scrgbClr r="0" g="0" b="0"/>
-        </a:fillRef>
-        <a:effectRef idx="0">
-          <a:scrgbClr r="0" g="0" b="0"/>
-        </a:effectRef>
-        <a:fontRef idx="minor">
-          <a:schemeClr val="lt1"/>
-        </a:fontRef>
-      </dsp:style>
-      <dsp:txBody>
-        <a:bodyPr spcFirstLastPara="0" vert="horz" wrap="square" lIns="8255" tIns="8255" rIns="8255" bIns="8255" numCol="1" spcCol="1270" anchor="ctr" anchorCtr="0">
-          <a:noAutofit/>
-        </a:bodyPr>
-        <a:lstStyle/>
-        <a:p>
-          <a:pPr lvl="0" algn="ctr" defTabSz="577850">
-            <a:lnSpc>
-              <a:spcPct val="90000"/>
-            </a:lnSpc>
-            <a:spcBef>
-              <a:spcPct val="0"/>
-            </a:spcBef>
-            <a:spcAft>
-              <a:spcPct val="35000"/>
-            </a:spcAft>
-          </a:pPr>
-          <a:r>
-            <a:rPr lang="zh-CN" altLang="en-US" sz="1300" kern="1200" dirty="0" smtClean="0"/>
-            <a:t>付款</a:t>
-          </a:r>
-          <a:endParaRPr lang="zh-CN" altLang="en-US" sz="1300" kern="1200" dirty="0"/>
-        </a:p>
-      </dsp:txBody>
-      <dsp:txXfrm rot="-5400000">
-        <a:off x="1" y="1232479"/>
-        <a:ext cx="699225" cy="299669"/>
-      </dsp:txXfrm>
-    </dsp:sp>
-    <dsp:sp modelId="{1B5FE930-2177-4193-8B43-7D245A7F8895}">
-      <dsp:nvSpPr>
-        <dsp:cNvPr id="0" name=""/>
-        <dsp:cNvSpPr/>
-      </dsp:nvSpPr>
-      <dsp:spPr>
-        <a:xfrm rot="5400000">
-          <a:off x="4151783" y="-2545668"/>
-          <a:ext cx="649281" cy="7506352"/>
-        </a:xfrm>
-        <a:prstGeom prst="round2SameRect">
-          <a:avLst/>
-        </a:prstGeom>
-        <a:solidFill>
-          <a:schemeClr val="lt1">
-            <a:alpha val="90000"/>
-            <a:hueOff val="0"/>
-            <a:satOff val="0"/>
-            <a:lumOff val="0"/>
-            <a:alphaOff val="0"/>
-          </a:schemeClr>
-        </a:solidFill>
-        <a:ln w="25400" cap="flat" cmpd="sng" algn="ctr">
-          <a:solidFill>
-            <a:schemeClr val="accent1">
-              <a:hueOff val="0"/>
-              <a:satOff val="0"/>
-              <a:lumOff val="0"/>
-              <a:alphaOff val="0"/>
-            </a:schemeClr>
-          </a:solidFill>
-          <a:prstDash val="solid"/>
-        </a:ln>
-        <a:effectLst/>
-      </dsp:spPr>
-      <dsp:style>
-        <a:lnRef idx="2">
-          <a:scrgbClr r="0" g="0" b="0"/>
-        </a:lnRef>
-        <a:fillRef idx="1">
-          <a:scrgbClr r="0" g="0" b="0"/>
-        </a:fillRef>
-        <a:effectRef idx="0">
-          <a:scrgbClr r="0" g="0" b="0"/>
-        </a:effectRef>
-        <a:fontRef idx="minor"/>
-      </dsp:style>
-      <dsp:txBody>
-        <a:bodyPr spcFirstLastPara="0" vert="horz" wrap="square" lIns="113792" tIns="10160" rIns="10160" bIns="10160" numCol="1" spcCol="1270" anchor="ctr" anchorCtr="0">
-          <a:noAutofit/>
-        </a:bodyPr>
-        <a:lstStyle/>
-        <a:p>
-          <a:pPr marL="171450" lvl="1" indent="-171450" algn="l" defTabSz="711200">
-            <a:lnSpc>
-              <a:spcPct val="90000"/>
-            </a:lnSpc>
-            <a:spcBef>
-              <a:spcPct val="0"/>
-            </a:spcBef>
-            <a:spcAft>
-              <a:spcPct val="15000"/>
-            </a:spcAft>
-            <a:buChar char="••"/>
-          </a:pPr>
-          <a:r>
-            <a:rPr lang="zh-CN" altLang="en-US" sz="1600" kern="1200" dirty="0" smtClean="0"/>
-            <a:t>作废（记账人，一旦标识为付款就不能删除，只能作废留档）；申请复核（记账人）</a:t>
-          </a:r>
-          <a:endParaRPr lang="zh-CN" altLang="en-US" sz="1600" kern="1200" dirty="0"/>
-        </a:p>
-      </dsp:txBody>
-      <dsp:txXfrm rot="-5400000">
-        <a:off x="723248" y="914562"/>
-        <a:ext cx="7474657" cy="585891"/>
-      </dsp:txXfrm>
-    </dsp:sp>
-    <dsp:sp modelId="{52757299-E38A-466D-A95F-DE2097AA7EBF}">
-      <dsp:nvSpPr>
-        <dsp:cNvPr id="0" name=""/>
-        <dsp:cNvSpPr/>
-      </dsp:nvSpPr>
-      <dsp:spPr>
-        <a:xfrm rot="5400000">
-          <a:off x="2905699" y="1762615"/>
-          <a:ext cx="998894" cy="699225"/>
-        </a:xfrm>
-        <a:prstGeom prst="chevron">
-          <a:avLst/>
-        </a:prstGeom>
-        <a:solidFill>
-          <a:schemeClr val="accent1">
-            <a:hueOff val="0"/>
-            <a:satOff val="0"/>
-            <a:lumOff val="0"/>
-            <a:alphaOff val="0"/>
-          </a:schemeClr>
-        </a:solidFill>
-        <a:ln w="25400" cap="flat" cmpd="sng" algn="ctr">
-          <a:solidFill>
-            <a:schemeClr val="accent1">
-              <a:hueOff val="0"/>
-              <a:satOff val="0"/>
-              <a:lumOff val="0"/>
-              <a:alphaOff val="0"/>
-            </a:schemeClr>
-          </a:solidFill>
-          <a:prstDash val="solid"/>
-        </a:ln>
-        <a:effectLst/>
-      </dsp:spPr>
-      <dsp:style>
-        <a:lnRef idx="2">
-          <a:scrgbClr r="0" g="0" b="0"/>
-        </a:lnRef>
-        <a:fillRef idx="1">
-          <a:scrgbClr r="0" g="0" b="0"/>
-        </a:fillRef>
-        <a:effectRef idx="0">
-          <a:scrgbClr r="0" g="0" b="0"/>
-        </a:effectRef>
-        <a:fontRef idx="minor">
-          <a:schemeClr val="lt1"/>
-        </a:fontRef>
-      </dsp:style>
-      <dsp:txBody>
-        <a:bodyPr spcFirstLastPara="0" vert="horz" wrap="square" lIns="8255" tIns="8255" rIns="8255" bIns="8255" numCol="1" spcCol="1270" anchor="ctr" anchorCtr="0">
-          <a:noAutofit/>
-        </a:bodyPr>
-        <a:lstStyle/>
-        <a:p>
-          <a:pPr lvl="0" algn="ctr" defTabSz="577850">
-            <a:lnSpc>
-              <a:spcPct val="90000"/>
-            </a:lnSpc>
-            <a:spcBef>
-              <a:spcPct val="0"/>
-            </a:spcBef>
-            <a:spcAft>
-              <a:spcPct val="35000"/>
-            </a:spcAft>
-          </a:pPr>
-          <a:r>
-            <a:rPr lang="zh-CN" altLang="en-US" sz="1300" kern="1200" dirty="0" smtClean="0"/>
-            <a:t>作废</a:t>
-          </a:r>
-          <a:endParaRPr lang="zh-CN" altLang="en-US" sz="1300" kern="1200" dirty="0"/>
-        </a:p>
-      </dsp:txBody>
-      <dsp:txXfrm rot="-5400000">
-        <a:off x="3055534" y="1962394"/>
-        <a:ext cx="699225" cy="299669"/>
-      </dsp:txXfrm>
-    </dsp:sp>
-    <dsp:sp modelId="{4B25B2FD-61FC-4767-82D8-E4AA1074323B}">
-      <dsp:nvSpPr>
-        <dsp:cNvPr id="0" name=""/>
-        <dsp:cNvSpPr/>
-      </dsp:nvSpPr>
-      <dsp:spPr>
-        <a:xfrm rot="5400000">
-          <a:off x="5672780" y="-284418"/>
-          <a:ext cx="649281" cy="4443673"/>
-        </a:xfrm>
-        <a:prstGeom prst="round2SameRect">
-          <a:avLst/>
-        </a:prstGeom>
-        <a:solidFill>
-          <a:schemeClr val="lt1">
-            <a:alpha val="90000"/>
-            <a:hueOff val="0"/>
-            <a:satOff val="0"/>
-            <a:lumOff val="0"/>
-            <a:alphaOff val="0"/>
-          </a:schemeClr>
-        </a:solidFill>
-        <a:ln w="25400" cap="flat" cmpd="sng" algn="ctr">
-          <a:solidFill>
-            <a:schemeClr val="accent1">
-              <a:hueOff val="0"/>
-              <a:satOff val="0"/>
-              <a:lumOff val="0"/>
-              <a:alphaOff val="0"/>
-            </a:schemeClr>
-          </a:solidFill>
-          <a:prstDash val="solid"/>
-        </a:ln>
-        <a:effectLst/>
-      </dsp:spPr>
-      <dsp:style>
-        <a:lnRef idx="2">
-          <a:scrgbClr r="0" g="0" b="0"/>
-        </a:lnRef>
-        <a:fillRef idx="1">
-          <a:scrgbClr r="0" g="0" b="0"/>
-        </a:fillRef>
-        <a:effectRef idx="0">
-          <a:scrgbClr r="0" g="0" b="0"/>
-        </a:effectRef>
-        <a:fontRef idx="minor"/>
-      </dsp:style>
-      <dsp:txBody>
-        <a:bodyPr spcFirstLastPara="0" vert="horz" wrap="square" lIns="113792" tIns="10160" rIns="10160" bIns="10160" numCol="1" spcCol="1270" anchor="ctr" anchorCtr="0">
-          <a:noAutofit/>
-        </a:bodyPr>
-        <a:lstStyle/>
-        <a:p>
-          <a:pPr marL="171450" lvl="1" indent="-171450" algn="l" defTabSz="711200">
-            <a:lnSpc>
-              <a:spcPct val="90000"/>
-            </a:lnSpc>
-            <a:spcBef>
-              <a:spcPct val="0"/>
-            </a:spcBef>
-            <a:spcAft>
-              <a:spcPct val="15000"/>
-            </a:spcAft>
-            <a:buChar char="••"/>
-          </a:pPr>
-          <a:r>
-            <a:rPr lang="zh-CN" altLang="en-US" sz="1600" kern="1200" dirty="0" smtClean="0"/>
-            <a:t>回退（记账人）；申请复核（记账人）</a:t>
-          </a:r>
-          <a:endParaRPr lang="zh-CN" altLang="en-US" sz="1600" kern="1200" dirty="0"/>
-        </a:p>
-      </dsp:txBody>
-      <dsp:txXfrm rot="-5400000">
-        <a:off x="3775585" y="1644472"/>
-        <a:ext cx="4411978" cy="585891"/>
-      </dsp:txXfrm>
-    </dsp:sp>
-    <dsp:sp modelId="{D3EC24C2-9B3F-4B51-BB81-3C93556D8FE5}">
-      <dsp:nvSpPr>
-        <dsp:cNvPr id="0" name=""/>
-        <dsp:cNvSpPr/>
-      </dsp:nvSpPr>
-      <dsp:spPr>
-        <a:xfrm rot="5400000">
-          <a:off x="-149834" y="2794036"/>
-          <a:ext cx="998894" cy="699225"/>
-        </a:xfrm>
-        <a:prstGeom prst="chevron">
-          <a:avLst/>
-        </a:prstGeom>
-        <a:solidFill>
-          <a:schemeClr val="accent1">
-            <a:hueOff val="0"/>
-            <a:satOff val="0"/>
-            <a:lumOff val="0"/>
-            <a:alphaOff val="0"/>
-          </a:schemeClr>
-        </a:solidFill>
-        <a:ln w="25400" cap="flat" cmpd="sng" algn="ctr">
-          <a:solidFill>
-            <a:schemeClr val="accent1">
-              <a:hueOff val="0"/>
-              <a:satOff val="0"/>
-              <a:lumOff val="0"/>
-              <a:alphaOff val="0"/>
-            </a:schemeClr>
-          </a:solidFill>
-          <a:prstDash val="solid"/>
-        </a:ln>
-        <a:effectLst/>
-      </dsp:spPr>
-      <dsp:style>
-        <a:lnRef idx="2">
-          <a:scrgbClr r="0" g="0" b="0"/>
-        </a:lnRef>
-        <a:fillRef idx="1">
-          <a:scrgbClr r="0" g="0" b="0"/>
-        </a:fillRef>
-        <a:effectRef idx="0">
-          <a:scrgbClr r="0" g="0" b="0"/>
-        </a:effectRef>
-        <a:fontRef idx="minor">
-          <a:schemeClr val="lt1"/>
-        </a:fontRef>
-      </dsp:style>
-      <dsp:txBody>
-        <a:bodyPr spcFirstLastPara="0" vert="horz" wrap="square" lIns="8255" tIns="8255" rIns="8255" bIns="8255" numCol="1" spcCol="1270" anchor="ctr" anchorCtr="0">
-          <a:noAutofit/>
-        </a:bodyPr>
-        <a:lstStyle/>
-        <a:p>
-          <a:pPr lvl="0" algn="ctr" defTabSz="577850">
-            <a:lnSpc>
-              <a:spcPct val="90000"/>
-            </a:lnSpc>
-            <a:spcBef>
-              <a:spcPct val="0"/>
-            </a:spcBef>
-            <a:spcAft>
-              <a:spcPct val="35000"/>
-            </a:spcAft>
-          </a:pPr>
-          <a:r>
-            <a:rPr lang="zh-CN" altLang="en-US" sz="1300" kern="1200" dirty="0" smtClean="0"/>
-            <a:t>申请复核</a:t>
-          </a:r>
-          <a:endParaRPr lang="zh-CN" altLang="en-US" sz="1300" kern="1200" dirty="0"/>
-        </a:p>
-      </dsp:txBody>
-      <dsp:txXfrm rot="-5400000">
-        <a:off x="1" y="2993815"/>
-        <a:ext cx="699225" cy="299669"/>
-      </dsp:txXfrm>
-    </dsp:sp>
-    <dsp:sp modelId="{F8989132-3A6C-4C13-AC2B-34B37273F107}">
-      <dsp:nvSpPr>
-        <dsp:cNvPr id="0" name=""/>
-        <dsp:cNvSpPr/>
-      </dsp:nvSpPr>
-      <dsp:spPr>
-        <a:xfrm rot="5400000">
-          <a:off x="4139772" y="-796344"/>
-          <a:ext cx="649281" cy="7530374"/>
-        </a:xfrm>
-        <a:prstGeom prst="round2SameRect">
-          <a:avLst/>
-        </a:prstGeom>
-        <a:solidFill>
-          <a:schemeClr val="lt1">
-            <a:alpha val="90000"/>
-            <a:hueOff val="0"/>
-            <a:satOff val="0"/>
-            <a:lumOff val="0"/>
-            <a:alphaOff val="0"/>
-          </a:schemeClr>
-        </a:solidFill>
-        <a:ln w="25400" cap="flat" cmpd="sng" algn="ctr">
-          <a:solidFill>
-            <a:schemeClr val="accent1">
-              <a:hueOff val="0"/>
-              <a:satOff val="0"/>
-              <a:lumOff val="0"/>
-              <a:alphaOff val="0"/>
-            </a:schemeClr>
-          </a:solidFill>
-          <a:prstDash val="solid"/>
-        </a:ln>
-        <a:effectLst/>
-      </dsp:spPr>
-      <dsp:style>
-        <a:lnRef idx="2">
-          <a:scrgbClr r="0" g="0" b="0"/>
-        </a:lnRef>
-        <a:fillRef idx="1">
-          <a:scrgbClr r="0" g="0" b="0"/>
-        </a:fillRef>
-        <a:effectRef idx="0">
-          <a:scrgbClr r="0" g="0" b="0"/>
-        </a:effectRef>
-        <a:fontRef idx="minor"/>
-      </dsp:style>
-      <dsp:txBody>
-        <a:bodyPr spcFirstLastPara="0" vert="horz" wrap="square" lIns="113792" tIns="10160" rIns="10160" bIns="10160" numCol="1" spcCol="1270" anchor="ctr" anchorCtr="0">
-          <a:noAutofit/>
-        </a:bodyPr>
-        <a:lstStyle/>
-        <a:p>
-          <a:pPr marL="171450" lvl="1" indent="-171450" algn="l" defTabSz="711200">
-            <a:lnSpc>
-              <a:spcPct val="90000"/>
-            </a:lnSpc>
-            <a:spcBef>
-              <a:spcPct val="0"/>
-            </a:spcBef>
-            <a:spcAft>
-              <a:spcPct val="15000"/>
-            </a:spcAft>
-            <a:buChar char="••"/>
-          </a:pPr>
-          <a:r>
-            <a:rPr lang="zh-CN" altLang="en-US" sz="1600" kern="1200" dirty="0" smtClean="0"/>
-            <a:t>回退（记账人）；复核（非记账人，成为复核者）</a:t>
-          </a:r>
-          <a:endParaRPr lang="zh-CN" altLang="en-US" sz="1600" kern="1200" dirty="0"/>
-        </a:p>
-      </dsp:txBody>
-      <dsp:txXfrm rot="-5400000">
-        <a:off x="699226" y="2675897"/>
-        <a:ext cx="7498679" cy="585891"/>
-      </dsp:txXfrm>
-    </dsp:sp>
-    <dsp:sp modelId="{E89E8863-1C46-4C81-B1A6-ED2534F36967}">
-      <dsp:nvSpPr>
-        <dsp:cNvPr id="0" name=""/>
-        <dsp:cNvSpPr/>
-      </dsp:nvSpPr>
-      <dsp:spPr>
-        <a:xfrm rot="5400000">
-          <a:off x="-149834" y="3674704"/>
-          <a:ext cx="998894" cy="699225"/>
-        </a:xfrm>
-        <a:prstGeom prst="chevron">
-          <a:avLst/>
-        </a:prstGeom>
-        <a:solidFill>
-          <a:schemeClr val="accent1">
-            <a:hueOff val="0"/>
-            <a:satOff val="0"/>
-            <a:lumOff val="0"/>
-            <a:alphaOff val="0"/>
-          </a:schemeClr>
-        </a:solidFill>
-        <a:ln w="25400" cap="flat" cmpd="sng" algn="ctr">
-          <a:solidFill>
-            <a:schemeClr val="accent1">
-              <a:hueOff val="0"/>
-              <a:satOff val="0"/>
-              <a:lumOff val="0"/>
-              <a:alphaOff val="0"/>
-            </a:schemeClr>
-          </a:solidFill>
-          <a:prstDash val="solid"/>
-        </a:ln>
-        <a:effectLst/>
-      </dsp:spPr>
-      <dsp:style>
-        <a:lnRef idx="2">
-          <a:scrgbClr r="0" g="0" b="0"/>
-        </a:lnRef>
-        <a:fillRef idx="1">
-          <a:scrgbClr r="0" g="0" b="0"/>
-        </a:fillRef>
-        <a:effectRef idx="0">
-          <a:scrgbClr r="0" g="0" b="0"/>
-        </a:effectRef>
-        <a:fontRef idx="minor">
-          <a:schemeClr val="lt1"/>
-        </a:fontRef>
-      </dsp:style>
-      <dsp:txBody>
-        <a:bodyPr spcFirstLastPara="0" vert="horz" wrap="square" lIns="8255" tIns="8255" rIns="8255" bIns="8255" numCol="1" spcCol="1270" anchor="ctr" anchorCtr="0">
-          <a:noAutofit/>
-        </a:bodyPr>
-        <a:lstStyle/>
-        <a:p>
-          <a:pPr lvl="0" algn="ctr" defTabSz="577850">
-            <a:lnSpc>
-              <a:spcPct val="90000"/>
-            </a:lnSpc>
-            <a:spcBef>
-              <a:spcPct val="0"/>
-            </a:spcBef>
-            <a:spcAft>
-              <a:spcPct val="35000"/>
-            </a:spcAft>
-          </a:pPr>
-          <a:r>
-            <a:rPr lang="zh-CN" altLang="en-US" sz="1300" kern="1200" dirty="0" smtClean="0"/>
-            <a:t>复核</a:t>
-          </a:r>
-          <a:endParaRPr lang="zh-CN" altLang="en-US" sz="1300" kern="1200" dirty="0"/>
-        </a:p>
-      </dsp:txBody>
-      <dsp:txXfrm rot="-5400000">
-        <a:off x="1" y="3874483"/>
-        <a:ext cx="699225" cy="299669"/>
-      </dsp:txXfrm>
-    </dsp:sp>
-    <dsp:sp modelId="{84C8FA36-86FB-4863-A646-57E581B5197C}">
-      <dsp:nvSpPr>
-        <dsp:cNvPr id="0" name=""/>
-        <dsp:cNvSpPr/>
-      </dsp:nvSpPr>
-      <dsp:spPr>
-        <a:xfrm rot="5400000">
-          <a:off x="4139772" y="84323"/>
-          <a:ext cx="649281" cy="7530374"/>
-        </a:xfrm>
-        <a:prstGeom prst="round2SameRect">
-          <a:avLst/>
-        </a:prstGeom>
-        <a:solidFill>
-          <a:schemeClr val="lt1">
-            <a:alpha val="90000"/>
-            <a:hueOff val="0"/>
-            <a:satOff val="0"/>
-            <a:lumOff val="0"/>
-            <a:alphaOff val="0"/>
-          </a:schemeClr>
-        </a:solidFill>
-        <a:ln w="25400" cap="flat" cmpd="sng" algn="ctr">
-          <a:solidFill>
-            <a:schemeClr val="accent1">
-              <a:hueOff val="0"/>
-              <a:satOff val="0"/>
-              <a:lumOff val="0"/>
-              <a:alphaOff val="0"/>
-            </a:schemeClr>
-          </a:solidFill>
-          <a:prstDash val="solid"/>
-        </a:ln>
-        <a:effectLst/>
-      </dsp:spPr>
-      <dsp:style>
-        <a:lnRef idx="2">
-          <a:scrgbClr r="0" g="0" b="0"/>
-        </a:lnRef>
-        <a:fillRef idx="1">
-          <a:scrgbClr r="0" g="0" b="0"/>
-        </a:fillRef>
-        <a:effectRef idx="0">
-          <a:scrgbClr r="0" g="0" b="0"/>
-        </a:effectRef>
-        <a:fontRef idx="minor"/>
-      </dsp:style>
-      <dsp:txBody>
-        <a:bodyPr spcFirstLastPara="0" vert="horz" wrap="square" lIns="113792" tIns="10160" rIns="10160" bIns="10160" numCol="1" spcCol="1270" anchor="ctr" anchorCtr="0">
-          <a:noAutofit/>
-        </a:bodyPr>
-        <a:lstStyle/>
-        <a:p>
-          <a:pPr marL="171450" lvl="1" indent="-171450" algn="l" defTabSz="711200">
-            <a:lnSpc>
-              <a:spcPct val="90000"/>
-            </a:lnSpc>
-            <a:spcBef>
-              <a:spcPct val="0"/>
-            </a:spcBef>
-            <a:spcAft>
-              <a:spcPct val="15000"/>
-            </a:spcAft>
-            <a:buChar char="••"/>
-          </a:pPr>
-          <a:r>
-            <a:rPr lang="zh-CN" altLang="en-US" sz="1600" kern="1200" dirty="0" smtClean="0"/>
-            <a:t>回退（复核者）</a:t>
-          </a:r>
-          <a:endParaRPr lang="zh-CN" altLang="en-US" sz="1600" kern="1200" dirty="0"/>
-        </a:p>
-      </dsp:txBody>
-      <dsp:txXfrm rot="-5400000">
-        <a:off x="699226" y="3556565"/>
-        <a:ext cx="7498679" cy="585891"/>
-      </dsp:txXfrm>
-    </dsp:sp>
   </dsp:spTree>
 </dsp:drawing>
 </file>
@@ -20728,1447 +19398,6 @@
       <dsp:cNvGrpSpPr/>
     </dsp:nvGrpSpPr>
     <dsp:grpSpPr/>
-    <dsp:sp modelId="{009E070A-47A1-41C4-B94B-886439E5C1B2}">
-      <dsp:nvSpPr>
-        <dsp:cNvPr id="0" name=""/>
-        <dsp:cNvSpPr/>
-      </dsp:nvSpPr>
-      <dsp:spPr>
-        <a:xfrm rot="5400000">
-          <a:off x="-92036" y="94518"/>
-          <a:ext cx="613577" cy="429504"/>
-        </a:xfrm>
-        <a:prstGeom prst="chevron">
-          <a:avLst/>
-        </a:prstGeom>
-        <a:solidFill>
-          <a:schemeClr val="accent1">
-            <a:hueOff val="0"/>
-            <a:satOff val="0"/>
-            <a:lumOff val="0"/>
-            <a:alphaOff val="0"/>
-          </a:schemeClr>
-        </a:solidFill>
-        <a:ln w="25400" cap="flat" cmpd="sng" algn="ctr">
-          <a:solidFill>
-            <a:schemeClr val="accent1">
-              <a:hueOff val="0"/>
-              <a:satOff val="0"/>
-              <a:lumOff val="0"/>
-              <a:alphaOff val="0"/>
-            </a:schemeClr>
-          </a:solidFill>
-          <a:prstDash val="solid"/>
-        </a:ln>
-        <a:effectLst/>
-      </dsp:spPr>
-      <dsp:style>
-        <a:lnRef idx="2">
-          <a:scrgbClr r="0" g="0" b="0"/>
-        </a:lnRef>
-        <a:fillRef idx="1">
-          <a:scrgbClr r="0" g="0" b="0"/>
-        </a:fillRef>
-        <a:effectRef idx="0">
-          <a:scrgbClr r="0" g="0" b="0"/>
-        </a:effectRef>
-        <a:fontRef idx="minor">
-          <a:schemeClr val="lt1"/>
-        </a:fontRef>
-      </dsp:style>
-      <dsp:txBody>
-        <a:bodyPr spcFirstLastPara="0" vert="horz" wrap="square" lIns="5080" tIns="5080" rIns="5080" bIns="5080" numCol="1" spcCol="1270" anchor="ctr" anchorCtr="0">
-          <a:noAutofit/>
-        </a:bodyPr>
-        <a:lstStyle/>
-        <a:p>
-          <a:pPr lvl="0" algn="ctr" defTabSz="355600">
-            <a:lnSpc>
-              <a:spcPct val="90000"/>
-            </a:lnSpc>
-            <a:spcBef>
-              <a:spcPct val="0"/>
-            </a:spcBef>
-            <a:spcAft>
-              <a:spcPct val="35000"/>
-            </a:spcAft>
-          </a:pPr>
-          <a:r>
-            <a:rPr lang="zh-CN" altLang="en-US" sz="800" kern="1200" dirty="0" smtClean="0"/>
-            <a:t>新建</a:t>
-          </a:r>
-          <a:endParaRPr lang="zh-CN" altLang="en-US" sz="800" kern="1200" dirty="0"/>
-        </a:p>
-      </dsp:txBody>
-      <dsp:txXfrm rot="-5400000">
-        <a:off x="1" y="217233"/>
-        <a:ext cx="429504" cy="184073"/>
-      </dsp:txXfrm>
-    </dsp:sp>
-    <dsp:sp modelId="{A6509E48-B66D-4B65-9C8B-D77F627E59E9}">
-      <dsp:nvSpPr>
-        <dsp:cNvPr id="0" name=""/>
-        <dsp:cNvSpPr/>
-      </dsp:nvSpPr>
-      <dsp:spPr>
-        <a:xfrm rot="5400000">
-          <a:off x="4130139" y="-3698153"/>
-          <a:ext cx="398825" cy="7800095"/>
-        </a:xfrm>
-        <a:prstGeom prst="round2SameRect">
-          <a:avLst/>
-        </a:prstGeom>
-        <a:solidFill>
-          <a:schemeClr val="lt1">
-            <a:alpha val="90000"/>
-            <a:hueOff val="0"/>
-            <a:satOff val="0"/>
-            <a:lumOff val="0"/>
-            <a:alphaOff val="0"/>
-          </a:schemeClr>
-        </a:solidFill>
-        <a:ln w="25400" cap="flat" cmpd="sng" algn="ctr">
-          <a:solidFill>
-            <a:schemeClr val="accent1">
-              <a:hueOff val="0"/>
-              <a:satOff val="0"/>
-              <a:lumOff val="0"/>
-              <a:alphaOff val="0"/>
-            </a:schemeClr>
-          </a:solidFill>
-          <a:prstDash val="solid"/>
-        </a:ln>
-        <a:effectLst/>
-      </dsp:spPr>
-      <dsp:style>
-        <a:lnRef idx="2">
-          <a:scrgbClr r="0" g="0" b="0"/>
-        </a:lnRef>
-        <a:fillRef idx="1">
-          <a:scrgbClr r="0" g="0" b="0"/>
-        </a:fillRef>
-        <a:effectRef idx="0">
-          <a:scrgbClr r="0" g="0" b="0"/>
-        </a:effectRef>
-        <a:fontRef idx="minor"/>
-      </dsp:style>
-      <dsp:txBody>
-        <a:bodyPr spcFirstLastPara="0" vert="horz" wrap="square" lIns="71120" tIns="6350" rIns="6350" bIns="6350" numCol="1" spcCol="1270" anchor="ctr" anchorCtr="0">
-          <a:noAutofit/>
-        </a:bodyPr>
-        <a:lstStyle/>
-        <a:p>
-          <a:pPr marL="57150" lvl="1" indent="-57150" algn="l" defTabSz="444500">
-            <a:lnSpc>
-              <a:spcPct val="90000"/>
-            </a:lnSpc>
-            <a:spcBef>
-              <a:spcPct val="0"/>
-            </a:spcBef>
-            <a:spcAft>
-              <a:spcPct val="15000"/>
-            </a:spcAft>
-            <a:buChar char="••"/>
-          </a:pPr>
-          <a:r>
-            <a:rPr lang="en-US" altLang="zh-CN" sz="1000" kern="1200" dirty="0" smtClean="0"/>
-            <a:t>【</a:t>
-          </a:r>
-          <a:r>
-            <a:rPr lang="zh-CN" altLang="en-US" sz="1000" kern="1200" dirty="0" smtClean="0"/>
-            <a:t>新增退税跟单记录的人就是跟单员</a:t>
-          </a:r>
-          <a:r>
-            <a:rPr lang="en-US" altLang="zh-CN" sz="1000" kern="1200" dirty="0" smtClean="0"/>
-            <a:t>】</a:t>
-          </a:r>
-          <a:endParaRPr lang="zh-CN" altLang="en-US" sz="1000" kern="1200" dirty="0"/>
-        </a:p>
-        <a:p>
-          <a:pPr marL="57150" lvl="1" indent="-57150" algn="l" defTabSz="444500">
-            <a:lnSpc>
-              <a:spcPct val="90000"/>
-            </a:lnSpc>
-            <a:spcBef>
-              <a:spcPct val="0"/>
-            </a:spcBef>
-            <a:spcAft>
-              <a:spcPct val="15000"/>
-            </a:spcAft>
-            <a:buChar char="••"/>
-          </a:pPr>
-          <a:r>
-            <a:rPr lang="zh-CN" altLang="en-US" sz="1000" kern="1200" dirty="0" smtClean="0"/>
-            <a:t>打印（任何</a:t>
-          </a:r>
-          <a:r>
-            <a:rPr lang="zh-CN" altLang="en-US" sz="1000" kern="1200" dirty="0" smtClean="0"/>
-            <a:t>人，任何时候）</a:t>
-          </a:r>
-          <a:r>
-            <a:rPr lang="zh-CN" altLang="en-US" sz="1000" kern="1200" dirty="0" smtClean="0"/>
-            <a:t>；接管（非跟单</a:t>
-          </a:r>
-          <a:r>
-            <a:rPr lang="zh-CN" altLang="en-US" sz="1000" kern="1200" dirty="0" smtClean="0"/>
-            <a:t>员，任何时候，</a:t>
-          </a:r>
-          <a:r>
-            <a:rPr lang="zh-CN" altLang="en-US" sz="1000" kern="1200" dirty="0" smtClean="0"/>
-            <a:t>接管后成为心得跟单员）；删除（跟单</a:t>
-          </a:r>
-          <a:r>
-            <a:rPr lang="zh-CN" altLang="en-US" sz="1000" kern="1200" dirty="0" smtClean="0"/>
-            <a:t>员，任何时候）</a:t>
-          </a:r>
-          <a:r>
-            <a:rPr lang="zh-CN" altLang="en-US" sz="1000" kern="1200" dirty="0" smtClean="0"/>
-            <a:t>；装柜（跟单员）；</a:t>
-          </a:r>
-          <a:endParaRPr lang="zh-CN" altLang="en-US" sz="1000" kern="1200" dirty="0"/>
-        </a:p>
-      </dsp:txBody>
-      <dsp:txXfrm rot="-5400000">
-        <a:off x="429505" y="21950"/>
-        <a:ext cx="7780626" cy="359887"/>
-      </dsp:txXfrm>
-    </dsp:sp>
-    <dsp:sp modelId="{E284E8A5-AD12-4071-A7B0-62C5F687E4AE}">
-      <dsp:nvSpPr>
-        <dsp:cNvPr id="0" name=""/>
-        <dsp:cNvSpPr/>
-      </dsp:nvSpPr>
-      <dsp:spPr>
-        <a:xfrm rot="5400000">
-          <a:off x="-92036" y="642377"/>
-          <a:ext cx="613577" cy="429504"/>
-        </a:xfrm>
-        <a:prstGeom prst="chevron">
-          <a:avLst/>
-        </a:prstGeom>
-        <a:solidFill>
-          <a:schemeClr val="accent1">
-            <a:hueOff val="0"/>
-            <a:satOff val="0"/>
-            <a:lumOff val="0"/>
-            <a:alphaOff val="0"/>
-          </a:schemeClr>
-        </a:solidFill>
-        <a:ln w="25400" cap="flat" cmpd="sng" algn="ctr">
-          <a:solidFill>
-            <a:schemeClr val="accent1">
-              <a:hueOff val="0"/>
-              <a:satOff val="0"/>
-              <a:lumOff val="0"/>
-              <a:alphaOff val="0"/>
-            </a:schemeClr>
-          </a:solidFill>
-          <a:prstDash val="solid"/>
-        </a:ln>
-        <a:effectLst/>
-      </dsp:spPr>
-      <dsp:style>
-        <a:lnRef idx="2">
-          <a:scrgbClr r="0" g="0" b="0"/>
-        </a:lnRef>
-        <a:fillRef idx="1">
-          <a:scrgbClr r="0" g="0" b="0"/>
-        </a:fillRef>
-        <a:effectRef idx="0">
-          <a:scrgbClr r="0" g="0" b="0"/>
-        </a:effectRef>
-        <a:fontRef idx="minor">
-          <a:schemeClr val="lt1"/>
-        </a:fontRef>
-      </dsp:style>
-      <dsp:txBody>
-        <a:bodyPr spcFirstLastPara="0" vert="horz" wrap="square" lIns="5080" tIns="5080" rIns="5080" bIns="5080" numCol="1" spcCol="1270" anchor="ctr" anchorCtr="0">
-          <a:noAutofit/>
-        </a:bodyPr>
-        <a:lstStyle/>
-        <a:p>
-          <a:pPr lvl="0" algn="ctr" defTabSz="355600">
-            <a:lnSpc>
-              <a:spcPct val="90000"/>
-            </a:lnSpc>
-            <a:spcBef>
-              <a:spcPct val="0"/>
-            </a:spcBef>
-            <a:spcAft>
-              <a:spcPct val="35000"/>
-            </a:spcAft>
-          </a:pPr>
-          <a:r>
-            <a:rPr lang="zh-CN" altLang="en-US" sz="800" kern="1200" dirty="0" smtClean="0"/>
-            <a:t>装柜</a:t>
-          </a:r>
-          <a:endParaRPr lang="zh-CN" altLang="en-US" sz="800" kern="1200" dirty="0"/>
-        </a:p>
-      </dsp:txBody>
-      <dsp:txXfrm rot="-5400000">
-        <a:off x="1" y="765092"/>
-        <a:ext cx="429504" cy="184073"/>
-      </dsp:txXfrm>
-    </dsp:sp>
-    <dsp:sp modelId="{65E4D32F-3998-4336-892F-E340B60BB964}">
-      <dsp:nvSpPr>
-        <dsp:cNvPr id="0" name=""/>
-        <dsp:cNvSpPr/>
-      </dsp:nvSpPr>
-      <dsp:spPr>
-        <a:xfrm rot="5400000">
-          <a:off x="4130139" y="-3150293"/>
-          <a:ext cx="398825" cy="7800095"/>
-        </a:xfrm>
-        <a:prstGeom prst="round2SameRect">
-          <a:avLst/>
-        </a:prstGeom>
-        <a:solidFill>
-          <a:schemeClr val="lt1">
-            <a:alpha val="90000"/>
-            <a:hueOff val="0"/>
-            <a:satOff val="0"/>
-            <a:lumOff val="0"/>
-            <a:alphaOff val="0"/>
-          </a:schemeClr>
-        </a:solidFill>
-        <a:ln w="25400" cap="flat" cmpd="sng" algn="ctr">
-          <a:solidFill>
-            <a:schemeClr val="accent1">
-              <a:hueOff val="0"/>
-              <a:satOff val="0"/>
-              <a:lumOff val="0"/>
-              <a:alphaOff val="0"/>
-            </a:schemeClr>
-          </a:solidFill>
-          <a:prstDash val="solid"/>
-        </a:ln>
-        <a:effectLst/>
-      </dsp:spPr>
-      <dsp:style>
-        <a:lnRef idx="2">
-          <a:scrgbClr r="0" g="0" b="0"/>
-        </a:lnRef>
-        <a:fillRef idx="1">
-          <a:scrgbClr r="0" g="0" b="0"/>
-        </a:fillRef>
-        <a:effectRef idx="0">
-          <a:scrgbClr r="0" g="0" b="0"/>
-        </a:effectRef>
-        <a:fontRef idx="minor"/>
-      </dsp:style>
-      <dsp:txBody>
-        <a:bodyPr spcFirstLastPara="0" vert="horz" wrap="square" lIns="71120" tIns="6350" rIns="6350" bIns="6350" numCol="1" spcCol="1270" anchor="ctr" anchorCtr="0">
-          <a:noAutofit/>
-        </a:bodyPr>
-        <a:lstStyle/>
-        <a:p>
-          <a:pPr marL="57150" lvl="1" indent="-57150" algn="l" defTabSz="444500">
-            <a:lnSpc>
-              <a:spcPct val="90000"/>
-            </a:lnSpc>
-            <a:spcBef>
-              <a:spcPct val="0"/>
-            </a:spcBef>
-            <a:spcAft>
-              <a:spcPct val="15000"/>
-            </a:spcAft>
-            <a:buChar char="••"/>
-          </a:pPr>
-          <a:r>
-            <a:rPr lang="zh-CN" altLang="en-US" sz="1000" kern="1200" dirty="0" smtClean="0"/>
-            <a:t>回退（跟单员）；报关（跟单员）</a:t>
-          </a:r>
-          <a:endParaRPr lang="zh-CN" altLang="en-US" sz="1000" kern="1200" dirty="0"/>
-        </a:p>
-      </dsp:txBody>
-      <dsp:txXfrm rot="-5400000">
-        <a:off x="429505" y="569810"/>
-        <a:ext cx="7780626" cy="359887"/>
-      </dsp:txXfrm>
-    </dsp:sp>
-    <dsp:sp modelId="{9F3F7AA4-18A1-4EE3-8FCF-3E6445E4D4F8}">
-      <dsp:nvSpPr>
-        <dsp:cNvPr id="0" name=""/>
-        <dsp:cNvSpPr/>
-      </dsp:nvSpPr>
-      <dsp:spPr>
-        <a:xfrm rot="5400000">
-          <a:off x="-92036" y="1190237"/>
-          <a:ext cx="613577" cy="429504"/>
-        </a:xfrm>
-        <a:prstGeom prst="chevron">
-          <a:avLst/>
-        </a:prstGeom>
-        <a:solidFill>
-          <a:schemeClr val="accent1">
-            <a:hueOff val="0"/>
-            <a:satOff val="0"/>
-            <a:lumOff val="0"/>
-            <a:alphaOff val="0"/>
-          </a:schemeClr>
-        </a:solidFill>
-        <a:ln w="25400" cap="flat" cmpd="sng" algn="ctr">
-          <a:solidFill>
-            <a:schemeClr val="accent1">
-              <a:hueOff val="0"/>
-              <a:satOff val="0"/>
-              <a:lumOff val="0"/>
-              <a:alphaOff val="0"/>
-            </a:schemeClr>
-          </a:solidFill>
-          <a:prstDash val="solid"/>
-        </a:ln>
-        <a:effectLst/>
-      </dsp:spPr>
-      <dsp:style>
-        <a:lnRef idx="2">
-          <a:scrgbClr r="0" g="0" b="0"/>
-        </a:lnRef>
-        <a:fillRef idx="1">
-          <a:scrgbClr r="0" g="0" b="0"/>
-        </a:fillRef>
-        <a:effectRef idx="0">
-          <a:scrgbClr r="0" g="0" b="0"/>
-        </a:effectRef>
-        <a:fontRef idx="minor">
-          <a:schemeClr val="lt1"/>
-        </a:fontRef>
-      </dsp:style>
-      <dsp:txBody>
-        <a:bodyPr spcFirstLastPara="0" vert="horz" wrap="square" lIns="5080" tIns="5080" rIns="5080" bIns="5080" numCol="1" spcCol="1270" anchor="ctr" anchorCtr="0">
-          <a:noAutofit/>
-        </a:bodyPr>
-        <a:lstStyle/>
-        <a:p>
-          <a:pPr lvl="0" algn="ctr" defTabSz="355600">
-            <a:lnSpc>
-              <a:spcPct val="90000"/>
-            </a:lnSpc>
-            <a:spcBef>
-              <a:spcPct val="0"/>
-            </a:spcBef>
-            <a:spcAft>
-              <a:spcPct val="35000"/>
-            </a:spcAft>
-          </a:pPr>
-          <a:r>
-            <a:rPr lang="zh-CN" altLang="en-US" sz="800" kern="1200" dirty="0" smtClean="0"/>
-            <a:t>报关</a:t>
-          </a:r>
-          <a:endParaRPr lang="zh-CN" altLang="en-US" sz="800" kern="1200" dirty="0"/>
-        </a:p>
-      </dsp:txBody>
-      <dsp:txXfrm rot="-5400000">
-        <a:off x="1" y="1312952"/>
-        <a:ext cx="429504" cy="184073"/>
-      </dsp:txXfrm>
-    </dsp:sp>
-    <dsp:sp modelId="{63AFB0B7-D5F5-447F-9D54-9A686396910C}">
-      <dsp:nvSpPr>
-        <dsp:cNvPr id="0" name=""/>
-        <dsp:cNvSpPr/>
-      </dsp:nvSpPr>
-      <dsp:spPr>
-        <a:xfrm rot="5400000">
-          <a:off x="4130139" y="-2602434"/>
-          <a:ext cx="398825" cy="7800095"/>
-        </a:xfrm>
-        <a:prstGeom prst="round2SameRect">
-          <a:avLst/>
-        </a:prstGeom>
-        <a:solidFill>
-          <a:schemeClr val="lt1">
-            <a:alpha val="90000"/>
-            <a:hueOff val="0"/>
-            <a:satOff val="0"/>
-            <a:lumOff val="0"/>
-            <a:alphaOff val="0"/>
-          </a:schemeClr>
-        </a:solidFill>
-        <a:ln w="25400" cap="flat" cmpd="sng" algn="ctr">
-          <a:solidFill>
-            <a:schemeClr val="accent1">
-              <a:hueOff val="0"/>
-              <a:satOff val="0"/>
-              <a:lumOff val="0"/>
-              <a:alphaOff val="0"/>
-            </a:schemeClr>
-          </a:solidFill>
-          <a:prstDash val="solid"/>
-        </a:ln>
-        <a:effectLst/>
-      </dsp:spPr>
-      <dsp:style>
-        <a:lnRef idx="2">
-          <a:scrgbClr r="0" g="0" b="0"/>
-        </a:lnRef>
-        <a:fillRef idx="1">
-          <a:scrgbClr r="0" g="0" b="0"/>
-        </a:fillRef>
-        <a:effectRef idx="0">
-          <a:scrgbClr r="0" g="0" b="0"/>
-        </a:effectRef>
-        <a:fontRef idx="minor"/>
-      </dsp:style>
-      <dsp:txBody>
-        <a:bodyPr spcFirstLastPara="0" vert="horz" wrap="square" lIns="71120" tIns="6350" rIns="6350" bIns="6350" numCol="1" spcCol="1270" anchor="ctr" anchorCtr="0">
-          <a:noAutofit/>
-        </a:bodyPr>
-        <a:lstStyle/>
-        <a:p>
-          <a:pPr marL="57150" lvl="1" indent="-57150" algn="l" defTabSz="444500">
-            <a:lnSpc>
-              <a:spcPct val="90000"/>
-            </a:lnSpc>
-            <a:spcBef>
-              <a:spcPct val="0"/>
-            </a:spcBef>
-            <a:spcAft>
-              <a:spcPct val="15000"/>
-            </a:spcAft>
-            <a:buChar char="••"/>
-          </a:pPr>
-          <a:r>
-            <a:rPr lang="zh-CN" altLang="en-US" sz="1000" kern="1200" dirty="0" smtClean="0"/>
-            <a:t>回退（跟单员）；付款（跟单员）</a:t>
-          </a:r>
-          <a:endParaRPr lang="zh-CN" altLang="en-US" sz="1000" kern="1200" dirty="0"/>
-        </a:p>
-      </dsp:txBody>
-      <dsp:txXfrm rot="-5400000">
-        <a:off x="429505" y="1117669"/>
-        <a:ext cx="7780626" cy="359887"/>
-      </dsp:txXfrm>
-    </dsp:sp>
-    <dsp:sp modelId="{BC7FD5D9-4DA2-4CE5-A7A2-702C387A4374}">
-      <dsp:nvSpPr>
-        <dsp:cNvPr id="0" name=""/>
-        <dsp:cNvSpPr/>
-      </dsp:nvSpPr>
-      <dsp:spPr>
-        <a:xfrm rot="5400000">
-          <a:off x="-92036" y="1738097"/>
-          <a:ext cx="613577" cy="429504"/>
-        </a:xfrm>
-        <a:prstGeom prst="chevron">
-          <a:avLst/>
-        </a:prstGeom>
-        <a:solidFill>
-          <a:schemeClr val="accent1">
-            <a:hueOff val="0"/>
-            <a:satOff val="0"/>
-            <a:lumOff val="0"/>
-            <a:alphaOff val="0"/>
-          </a:schemeClr>
-        </a:solidFill>
-        <a:ln w="25400" cap="flat" cmpd="sng" algn="ctr">
-          <a:solidFill>
-            <a:schemeClr val="accent1">
-              <a:hueOff val="0"/>
-              <a:satOff val="0"/>
-              <a:lumOff val="0"/>
-              <a:alphaOff val="0"/>
-            </a:schemeClr>
-          </a:solidFill>
-          <a:prstDash val="solid"/>
-        </a:ln>
-        <a:effectLst/>
-      </dsp:spPr>
-      <dsp:style>
-        <a:lnRef idx="2">
-          <a:scrgbClr r="0" g="0" b="0"/>
-        </a:lnRef>
-        <a:fillRef idx="1">
-          <a:scrgbClr r="0" g="0" b="0"/>
-        </a:fillRef>
-        <a:effectRef idx="0">
-          <a:scrgbClr r="0" g="0" b="0"/>
-        </a:effectRef>
-        <a:fontRef idx="minor">
-          <a:schemeClr val="lt1"/>
-        </a:fontRef>
-      </dsp:style>
-      <dsp:txBody>
-        <a:bodyPr spcFirstLastPara="0" vert="horz" wrap="square" lIns="5080" tIns="5080" rIns="5080" bIns="5080" numCol="1" spcCol="1270" anchor="ctr" anchorCtr="0">
-          <a:noAutofit/>
-        </a:bodyPr>
-        <a:lstStyle/>
-        <a:p>
-          <a:pPr lvl="0" algn="ctr" defTabSz="355600">
-            <a:lnSpc>
-              <a:spcPct val="90000"/>
-            </a:lnSpc>
-            <a:spcBef>
-              <a:spcPct val="0"/>
-            </a:spcBef>
-            <a:spcAft>
-              <a:spcPct val="35000"/>
-            </a:spcAft>
-          </a:pPr>
-          <a:r>
-            <a:rPr lang="zh-CN" altLang="en-US" sz="800" kern="1200" dirty="0" smtClean="0"/>
-            <a:t>付款</a:t>
-          </a:r>
-          <a:endParaRPr lang="zh-CN" altLang="en-US" sz="800" kern="1200" dirty="0"/>
-        </a:p>
-      </dsp:txBody>
-      <dsp:txXfrm rot="-5400000">
-        <a:off x="1" y="1860812"/>
-        <a:ext cx="429504" cy="184073"/>
-      </dsp:txXfrm>
-    </dsp:sp>
-    <dsp:sp modelId="{BD55DAE0-7CAE-4077-A15B-7BE42E24AC66}">
-      <dsp:nvSpPr>
-        <dsp:cNvPr id="0" name=""/>
-        <dsp:cNvSpPr/>
-      </dsp:nvSpPr>
-      <dsp:spPr>
-        <a:xfrm rot="5400000">
-          <a:off x="4130139" y="-2054574"/>
-          <a:ext cx="398825" cy="7800095"/>
-        </a:xfrm>
-        <a:prstGeom prst="round2SameRect">
-          <a:avLst/>
-        </a:prstGeom>
-        <a:solidFill>
-          <a:schemeClr val="lt1">
-            <a:alpha val="90000"/>
-            <a:hueOff val="0"/>
-            <a:satOff val="0"/>
-            <a:lumOff val="0"/>
-            <a:alphaOff val="0"/>
-          </a:schemeClr>
-        </a:solidFill>
-        <a:ln w="25400" cap="flat" cmpd="sng" algn="ctr">
-          <a:solidFill>
-            <a:schemeClr val="accent1">
-              <a:hueOff val="0"/>
-              <a:satOff val="0"/>
-              <a:lumOff val="0"/>
-              <a:alphaOff val="0"/>
-            </a:schemeClr>
-          </a:solidFill>
-          <a:prstDash val="solid"/>
-        </a:ln>
-        <a:effectLst/>
-      </dsp:spPr>
-      <dsp:style>
-        <a:lnRef idx="2">
-          <a:scrgbClr r="0" g="0" b="0"/>
-        </a:lnRef>
-        <a:fillRef idx="1">
-          <a:scrgbClr r="0" g="0" b="0"/>
-        </a:fillRef>
-        <a:effectRef idx="0">
-          <a:scrgbClr r="0" g="0" b="0"/>
-        </a:effectRef>
-        <a:fontRef idx="minor"/>
-      </dsp:style>
-      <dsp:txBody>
-        <a:bodyPr spcFirstLastPara="0" vert="horz" wrap="square" lIns="71120" tIns="6350" rIns="6350" bIns="6350" numCol="1" spcCol="1270" anchor="ctr" anchorCtr="0">
-          <a:noAutofit/>
-        </a:bodyPr>
-        <a:lstStyle/>
-        <a:p>
-          <a:pPr marL="57150" lvl="1" indent="-57150" algn="l" defTabSz="444500">
-            <a:lnSpc>
-              <a:spcPct val="90000"/>
-            </a:lnSpc>
-            <a:spcBef>
-              <a:spcPct val="0"/>
-            </a:spcBef>
-            <a:spcAft>
-              <a:spcPct val="15000"/>
-            </a:spcAft>
-            <a:buChar char="••"/>
-          </a:pPr>
-          <a:r>
-            <a:rPr lang="zh-CN" altLang="en-US" sz="1000" kern="1200" dirty="0" smtClean="0"/>
-            <a:t>回退（跟单员）；开票（跟单员）</a:t>
-          </a:r>
-          <a:endParaRPr lang="zh-CN" altLang="en-US" sz="1000" kern="1200" dirty="0"/>
-        </a:p>
-      </dsp:txBody>
-      <dsp:txXfrm rot="-5400000">
-        <a:off x="429505" y="1665529"/>
-        <a:ext cx="7780626" cy="359887"/>
-      </dsp:txXfrm>
-    </dsp:sp>
-    <dsp:sp modelId="{C29C2A9F-9CBD-4B0F-9DB2-07C64D616A93}">
-      <dsp:nvSpPr>
-        <dsp:cNvPr id="0" name=""/>
-        <dsp:cNvSpPr/>
-      </dsp:nvSpPr>
-      <dsp:spPr>
-        <a:xfrm rot="5400000">
-          <a:off x="-92036" y="2285957"/>
-          <a:ext cx="613577" cy="429504"/>
-        </a:xfrm>
-        <a:prstGeom prst="chevron">
-          <a:avLst/>
-        </a:prstGeom>
-        <a:solidFill>
-          <a:schemeClr val="accent1">
-            <a:hueOff val="0"/>
-            <a:satOff val="0"/>
-            <a:lumOff val="0"/>
-            <a:alphaOff val="0"/>
-          </a:schemeClr>
-        </a:solidFill>
-        <a:ln w="25400" cap="flat" cmpd="sng" algn="ctr">
-          <a:solidFill>
-            <a:schemeClr val="accent1">
-              <a:hueOff val="0"/>
-              <a:satOff val="0"/>
-              <a:lumOff val="0"/>
-              <a:alphaOff val="0"/>
-            </a:schemeClr>
-          </a:solidFill>
-          <a:prstDash val="solid"/>
-        </a:ln>
-        <a:effectLst/>
-      </dsp:spPr>
-      <dsp:style>
-        <a:lnRef idx="2">
-          <a:scrgbClr r="0" g="0" b="0"/>
-        </a:lnRef>
-        <a:fillRef idx="1">
-          <a:scrgbClr r="0" g="0" b="0"/>
-        </a:fillRef>
-        <a:effectRef idx="0">
-          <a:scrgbClr r="0" g="0" b="0"/>
-        </a:effectRef>
-        <a:fontRef idx="minor">
-          <a:schemeClr val="lt1"/>
-        </a:fontRef>
-      </dsp:style>
-      <dsp:txBody>
-        <a:bodyPr spcFirstLastPara="0" vert="horz" wrap="square" lIns="5080" tIns="5080" rIns="5080" bIns="5080" numCol="1" spcCol="1270" anchor="ctr" anchorCtr="0">
-          <a:noAutofit/>
-        </a:bodyPr>
-        <a:lstStyle/>
-        <a:p>
-          <a:pPr lvl="0" algn="ctr" defTabSz="355600">
-            <a:lnSpc>
-              <a:spcPct val="90000"/>
-            </a:lnSpc>
-            <a:spcBef>
-              <a:spcPct val="0"/>
-            </a:spcBef>
-            <a:spcAft>
-              <a:spcPct val="35000"/>
-            </a:spcAft>
-          </a:pPr>
-          <a:r>
-            <a:rPr lang="zh-CN" altLang="en-US" sz="800" kern="1200" dirty="0" smtClean="0"/>
-            <a:t>开票</a:t>
-          </a:r>
-          <a:endParaRPr lang="zh-CN" altLang="en-US" sz="800" kern="1200" dirty="0"/>
-        </a:p>
-      </dsp:txBody>
-      <dsp:txXfrm rot="-5400000">
-        <a:off x="1" y="2408672"/>
-        <a:ext cx="429504" cy="184073"/>
-      </dsp:txXfrm>
-    </dsp:sp>
-    <dsp:sp modelId="{6D98C85C-A2CB-4E93-AC94-09003318A808}">
-      <dsp:nvSpPr>
-        <dsp:cNvPr id="0" name=""/>
-        <dsp:cNvSpPr/>
-      </dsp:nvSpPr>
-      <dsp:spPr>
-        <a:xfrm rot="5400000">
-          <a:off x="4130139" y="-1506714"/>
-          <a:ext cx="398825" cy="7800095"/>
-        </a:xfrm>
-        <a:prstGeom prst="round2SameRect">
-          <a:avLst/>
-        </a:prstGeom>
-        <a:solidFill>
-          <a:schemeClr val="lt1">
-            <a:alpha val="90000"/>
-            <a:hueOff val="0"/>
-            <a:satOff val="0"/>
-            <a:lumOff val="0"/>
-            <a:alphaOff val="0"/>
-          </a:schemeClr>
-        </a:solidFill>
-        <a:ln w="25400" cap="flat" cmpd="sng" algn="ctr">
-          <a:solidFill>
-            <a:schemeClr val="accent1">
-              <a:hueOff val="0"/>
-              <a:satOff val="0"/>
-              <a:lumOff val="0"/>
-              <a:alphaOff val="0"/>
-            </a:schemeClr>
-          </a:solidFill>
-          <a:prstDash val="solid"/>
-        </a:ln>
-        <a:effectLst/>
-      </dsp:spPr>
-      <dsp:style>
-        <a:lnRef idx="2">
-          <a:scrgbClr r="0" g="0" b="0"/>
-        </a:lnRef>
-        <a:fillRef idx="1">
-          <a:scrgbClr r="0" g="0" b="0"/>
-        </a:fillRef>
-        <a:effectRef idx="0">
-          <a:scrgbClr r="0" g="0" b="0"/>
-        </a:effectRef>
-        <a:fontRef idx="minor"/>
-      </dsp:style>
-      <dsp:txBody>
-        <a:bodyPr spcFirstLastPara="0" vert="horz" wrap="square" lIns="71120" tIns="6350" rIns="6350" bIns="6350" numCol="1" spcCol="1270" anchor="ctr" anchorCtr="0">
-          <a:noAutofit/>
-        </a:bodyPr>
-        <a:lstStyle/>
-        <a:p>
-          <a:pPr marL="57150" lvl="1" indent="-57150" algn="l" defTabSz="444500">
-            <a:lnSpc>
-              <a:spcPct val="90000"/>
-            </a:lnSpc>
-            <a:spcBef>
-              <a:spcPct val="0"/>
-            </a:spcBef>
-            <a:spcAft>
-              <a:spcPct val="15000"/>
-            </a:spcAft>
-            <a:buChar char="••"/>
-          </a:pPr>
-          <a:r>
-            <a:rPr lang="zh-CN" altLang="en-US" sz="1000" kern="1200" dirty="0" smtClean="0"/>
-            <a:t>回退（跟单员）；单证（跟单员）</a:t>
-          </a:r>
-          <a:endParaRPr lang="zh-CN" altLang="en-US" sz="1000" kern="1200" dirty="0"/>
-        </a:p>
-      </dsp:txBody>
-      <dsp:txXfrm rot="-5400000">
-        <a:off x="429505" y="2213389"/>
-        <a:ext cx="7780626" cy="359887"/>
-      </dsp:txXfrm>
-    </dsp:sp>
-    <dsp:sp modelId="{E71141CD-1F6C-4761-A498-79D58F085AF2}">
-      <dsp:nvSpPr>
-        <dsp:cNvPr id="0" name=""/>
-        <dsp:cNvSpPr/>
-      </dsp:nvSpPr>
-      <dsp:spPr>
-        <a:xfrm rot="5400000">
-          <a:off x="-92036" y="2833817"/>
-          <a:ext cx="613577" cy="429504"/>
-        </a:xfrm>
-        <a:prstGeom prst="chevron">
-          <a:avLst/>
-        </a:prstGeom>
-        <a:solidFill>
-          <a:schemeClr val="accent1">
-            <a:hueOff val="0"/>
-            <a:satOff val="0"/>
-            <a:lumOff val="0"/>
-            <a:alphaOff val="0"/>
-          </a:schemeClr>
-        </a:solidFill>
-        <a:ln w="25400" cap="flat" cmpd="sng" algn="ctr">
-          <a:solidFill>
-            <a:schemeClr val="accent1">
-              <a:hueOff val="0"/>
-              <a:satOff val="0"/>
-              <a:lumOff val="0"/>
-              <a:alphaOff val="0"/>
-            </a:schemeClr>
-          </a:solidFill>
-          <a:prstDash val="solid"/>
-        </a:ln>
-        <a:effectLst/>
-      </dsp:spPr>
-      <dsp:style>
-        <a:lnRef idx="2">
-          <a:scrgbClr r="0" g="0" b="0"/>
-        </a:lnRef>
-        <a:fillRef idx="1">
-          <a:scrgbClr r="0" g="0" b="0"/>
-        </a:fillRef>
-        <a:effectRef idx="0">
-          <a:scrgbClr r="0" g="0" b="0"/>
-        </a:effectRef>
-        <a:fontRef idx="minor">
-          <a:schemeClr val="lt1"/>
-        </a:fontRef>
-      </dsp:style>
-      <dsp:txBody>
-        <a:bodyPr spcFirstLastPara="0" vert="horz" wrap="square" lIns="5080" tIns="5080" rIns="5080" bIns="5080" numCol="1" spcCol="1270" anchor="ctr" anchorCtr="0">
-          <a:noAutofit/>
-        </a:bodyPr>
-        <a:lstStyle/>
-        <a:p>
-          <a:pPr lvl="0" algn="ctr" defTabSz="355600">
-            <a:lnSpc>
-              <a:spcPct val="90000"/>
-            </a:lnSpc>
-            <a:spcBef>
-              <a:spcPct val="0"/>
-            </a:spcBef>
-            <a:spcAft>
-              <a:spcPct val="35000"/>
-            </a:spcAft>
-          </a:pPr>
-          <a:r>
-            <a:rPr lang="zh-CN" altLang="en-US" sz="800" kern="1200" dirty="0" smtClean="0"/>
-            <a:t>单证</a:t>
-          </a:r>
-          <a:endParaRPr lang="zh-CN" altLang="en-US" sz="800" kern="1200" dirty="0"/>
-        </a:p>
-      </dsp:txBody>
-      <dsp:txXfrm rot="-5400000">
-        <a:off x="1" y="2956532"/>
-        <a:ext cx="429504" cy="184073"/>
-      </dsp:txXfrm>
-    </dsp:sp>
-    <dsp:sp modelId="{14C80A3F-2C42-4BCB-93E7-9791362E1304}">
-      <dsp:nvSpPr>
-        <dsp:cNvPr id="0" name=""/>
-        <dsp:cNvSpPr/>
-      </dsp:nvSpPr>
-      <dsp:spPr>
-        <a:xfrm rot="5400000">
-          <a:off x="4130139" y="-958854"/>
-          <a:ext cx="398825" cy="7800095"/>
-        </a:xfrm>
-        <a:prstGeom prst="round2SameRect">
-          <a:avLst/>
-        </a:prstGeom>
-        <a:solidFill>
-          <a:schemeClr val="lt1">
-            <a:alpha val="90000"/>
-            <a:hueOff val="0"/>
-            <a:satOff val="0"/>
-            <a:lumOff val="0"/>
-            <a:alphaOff val="0"/>
-          </a:schemeClr>
-        </a:solidFill>
-        <a:ln w="25400" cap="flat" cmpd="sng" algn="ctr">
-          <a:solidFill>
-            <a:schemeClr val="accent1">
-              <a:hueOff val="0"/>
-              <a:satOff val="0"/>
-              <a:lumOff val="0"/>
-              <a:alphaOff val="0"/>
-            </a:schemeClr>
-          </a:solidFill>
-          <a:prstDash val="solid"/>
-        </a:ln>
-        <a:effectLst/>
-      </dsp:spPr>
-      <dsp:style>
-        <a:lnRef idx="2">
-          <a:scrgbClr r="0" g="0" b="0"/>
-        </a:lnRef>
-        <a:fillRef idx="1">
-          <a:scrgbClr r="0" g="0" b="0"/>
-        </a:fillRef>
-        <a:effectRef idx="0">
-          <a:scrgbClr r="0" g="0" b="0"/>
-        </a:effectRef>
-        <a:fontRef idx="minor"/>
-      </dsp:style>
-      <dsp:txBody>
-        <a:bodyPr spcFirstLastPara="0" vert="horz" wrap="square" lIns="71120" tIns="6350" rIns="6350" bIns="6350" numCol="1" spcCol="1270" anchor="ctr" anchorCtr="0">
-          <a:noAutofit/>
-        </a:bodyPr>
-        <a:lstStyle/>
-        <a:p>
-          <a:pPr marL="57150" lvl="1" indent="-57150" algn="l" defTabSz="444500">
-            <a:lnSpc>
-              <a:spcPct val="90000"/>
-            </a:lnSpc>
-            <a:spcBef>
-              <a:spcPct val="0"/>
-            </a:spcBef>
-            <a:spcAft>
-              <a:spcPct val="15000"/>
-            </a:spcAft>
-            <a:buChar char="••"/>
-          </a:pPr>
-          <a:r>
-            <a:rPr lang="zh-CN" altLang="en-US" sz="1000" kern="1200" dirty="0" smtClean="0"/>
-            <a:t>回退（跟单员）；单证（跟单员）</a:t>
-          </a:r>
-          <a:endParaRPr lang="zh-CN" altLang="en-US" sz="1000" kern="1200" dirty="0"/>
-        </a:p>
-      </dsp:txBody>
-      <dsp:txXfrm rot="-5400000">
-        <a:off x="429505" y="2761249"/>
-        <a:ext cx="7780626" cy="359887"/>
-      </dsp:txXfrm>
-    </dsp:sp>
-    <dsp:sp modelId="{F55C312B-ACA9-4E9E-8625-D48408CFDE88}">
-      <dsp:nvSpPr>
-        <dsp:cNvPr id="0" name=""/>
-        <dsp:cNvSpPr/>
-      </dsp:nvSpPr>
-      <dsp:spPr>
-        <a:xfrm rot="5400000">
-          <a:off x="-92036" y="3381677"/>
-          <a:ext cx="613577" cy="429504"/>
-        </a:xfrm>
-        <a:prstGeom prst="chevron">
-          <a:avLst/>
-        </a:prstGeom>
-        <a:solidFill>
-          <a:schemeClr val="accent1">
-            <a:hueOff val="0"/>
-            <a:satOff val="0"/>
-            <a:lumOff val="0"/>
-            <a:alphaOff val="0"/>
-          </a:schemeClr>
-        </a:solidFill>
-        <a:ln w="25400" cap="flat" cmpd="sng" algn="ctr">
-          <a:solidFill>
-            <a:schemeClr val="accent1">
-              <a:hueOff val="0"/>
-              <a:satOff val="0"/>
-              <a:lumOff val="0"/>
-              <a:alphaOff val="0"/>
-            </a:schemeClr>
-          </a:solidFill>
-          <a:prstDash val="solid"/>
-        </a:ln>
-        <a:effectLst/>
-      </dsp:spPr>
-      <dsp:style>
-        <a:lnRef idx="2">
-          <a:scrgbClr r="0" g="0" b="0"/>
-        </a:lnRef>
-        <a:fillRef idx="1">
-          <a:scrgbClr r="0" g="0" b="0"/>
-        </a:fillRef>
-        <a:effectRef idx="0">
-          <a:scrgbClr r="0" g="0" b="0"/>
-        </a:effectRef>
-        <a:fontRef idx="minor">
-          <a:schemeClr val="lt1"/>
-        </a:fontRef>
-      </dsp:style>
-      <dsp:txBody>
-        <a:bodyPr spcFirstLastPara="0" vert="horz" wrap="square" lIns="5080" tIns="5080" rIns="5080" bIns="5080" numCol="1" spcCol="1270" anchor="ctr" anchorCtr="0">
-          <a:noAutofit/>
-        </a:bodyPr>
-        <a:lstStyle/>
-        <a:p>
-          <a:pPr lvl="0" algn="ctr" defTabSz="355600">
-            <a:lnSpc>
-              <a:spcPct val="90000"/>
-            </a:lnSpc>
-            <a:spcBef>
-              <a:spcPct val="0"/>
-            </a:spcBef>
-            <a:spcAft>
-              <a:spcPct val="35000"/>
-            </a:spcAft>
-          </a:pPr>
-          <a:r>
-            <a:rPr lang="zh-CN" altLang="en-US" sz="800" kern="1200" dirty="0" smtClean="0"/>
-            <a:t>退税</a:t>
-          </a:r>
-          <a:endParaRPr lang="en-US" altLang="zh-CN" sz="800" kern="1200" dirty="0" smtClean="0"/>
-        </a:p>
-      </dsp:txBody>
-      <dsp:txXfrm rot="-5400000">
-        <a:off x="1" y="3504392"/>
-        <a:ext cx="429504" cy="184073"/>
-      </dsp:txXfrm>
-    </dsp:sp>
-    <dsp:sp modelId="{66B05533-6758-498E-A071-F252D9D6F048}">
-      <dsp:nvSpPr>
-        <dsp:cNvPr id="0" name=""/>
-        <dsp:cNvSpPr/>
-      </dsp:nvSpPr>
-      <dsp:spPr>
-        <a:xfrm rot="5400000">
-          <a:off x="4130139" y="-410994"/>
-          <a:ext cx="398825" cy="7800095"/>
-        </a:xfrm>
-        <a:prstGeom prst="round2SameRect">
-          <a:avLst/>
-        </a:prstGeom>
-        <a:solidFill>
-          <a:schemeClr val="lt1">
-            <a:alpha val="90000"/>
-            <a:hueOff val="0"/>
-            <a:satOff val="0"/>
-            <a:lumOff val="0"/>
-            <a:alphaOff val="0"/>
-          </a:schemeClr>
-        </a:solidFill>
-        <a:ln w="25400" cap="flat" cmpd="sng" algn="ctr">
-          <a:solidFill>
-            <a:schemeClr val="accent1">
-              <a:hueOff val="0"/>
-              <a:satOff val="0"/>
-              <a:lumOff val="0"/>
-              <a:alphaOff val="0"/>
-            </a:schemeClr>
-          </a:solidFill>
-          <a:prstDash val="solid"/>
-        </a:ln>
-        <a:effectLst/>
-      </dsp:spPr>
-      <dsp:style>
-        <a:lnRef idx="2">
-          <a:scrgbClr r="0" g="0" b="0"/>
-        </a:lnRef>
-        <a:fillRef idx="1">
-          <a:scrgbClr r="0" g="0" b="0"/>
-        </a:fillRef>
-        <a:effectRef idx="0">
-          <a:scrgbClr r="0" g="0" b="0"/>
-        </a:effectRef>
-        <a:fontRef idx="minor"/>
-      </dsp:style>
-      <dsp:txBody>
-        <a:bodyPr spcFirstLastPara="0" vert="horz" wrap="square" lIns="71120" tIns="6350" rIns="6350" bIns="6350" numCol="1" spcCol="1270" anchor="ctr" anchorCtr="0">
-          <a:noAutofit/>
-        </a:bodyPr>
-        <a:lstStyle/>
-        <a:p>
-          <a:pPr marL="57150" lvl="1" indent="-57150" algn="l" defTabSz="444500">
-            <a:lnSpc>
-              <a:spcPct val="90000"/>
-            </a:lnSpc>
-            <a:spcBef>
-              <a:spcPct val="0"/>
-            </a:spcBef>
-            <a:spcAft>
-              <a:spcPct val="15000"/>
-            </a:spcAft>
-            <a:buChar char="••"/>
-          </a:pPr>
-          <a:r>
-            <a:rPr lang="zh-CN" altLang="en-US" sz="1000" kern="1200" dirty="0" smtClean="0"/>
-            <a:t>回退（跟单员）；申请复核（跟单员）</a:t>
-          </a:r>
-          <a:endParaRPr lang="en-US" altLang="zh-CN" sz="1000" kern="1200" dirty="0" smtClean="0"/>
-        </a:p>
-      </dsp:txBody>
-      <dsp:txXfrm rot="-5400000">
-        <a:off x="429505" y="3309109"/>
-        <a:ext cx="7780626" cy="359887"/>
-      </dsp:txXfrm>
-    </dsp:sp>
-    <dsp:sp modelId="{86BAFD9F-8B03-41F8-830F-8685E2A78AAF}">
-      <dsp:nvSpPr>
-        <dsp:cNvPr id="0" name=""/>
-        <dsp:cNvSpPr/>
-      </dsp:nvSpPr>
-      <dsp:spPr>
-        <a:xfrm rot="5400000">
-          <a:off x="-92036" y="3929536"/>
-          <a:ext cx="613577" cy="429504"/>
-        </a:xfrm>
-        <a:prstGeom prst="chevron">
-          <a:avLst/>
-        </a:prstGeom>
-        <a:solidFill>
-          <a:schemeClr val="accent1">
-            <a:hueOff val="0"/>
-            <a:satOff val="0"/>
-            <a:lumOff val="0"/>
-            <a:alphaOff val="0"/>
-          </a:schemeClr>
-        </a:solidFill>
-        <a:ln w="25400" cap="flat" cmpd="sng" algn="ctr">
-          <a:solidFill>
-            <a:schemeClr val="accent1">
-              <a:hueOff val="0"/>
-              <a:satOff val="0"/>
-              <a:lumOff val="0"/>
-              <a:alphaOff val="0"/>
-            </a:schemeClr>
-          </a:solidFill>
-          <a:prstDash val="solid"/>
-        </a:ln>
-        <a:effectLst/>
-      </dsp:spPr>
-      <dsp:style>
-        <a:lnRef idx="2">
-          <a:scrgbClr r="0" g="0" b="0"/>
-        </a:lnRef>
-        <a:fillRef idx="1">
-          <a:scrgbClr r="0" g="0" b="0"/>
-        </a:fillRef>
-        <a:effectRef idx="0">
-          <a:scrgbClr r="0" g="0" b="0"/>
-        </a:effectRef>
-        <a:fontRef idx="minor">
-          <a:schemeClr val="lt1"/>
-        </a:fontRef>
-      </dsp:style>
-      <dsp:txBody>
-        <a:bodyPr spcFirstLastPara="0" vert="horz" wrap="square" lIns="5080" tIns="5080" rIns="5080" bIns="5080" numCol="1" spcCol="1270" anchor="ctr" anchorCtr="0">
-          <a:noAutofit/>
-        </a:bodyPr>
-        <a:lstStyle/>
-        <a:p>
-          <a:pPr lvl="0" algn="ctr" defTabSz="355600">
-            <a:lnSpc>
-              <a:spcPct val="90000"/>
-            </a:lnSpc>
-            <a:spcBef>
-              <a:spcPct val="0"/>
-            </a:spcBef>
-            <a:spcAft>
-              <a:spcPct val="35000"/>
-            </a:spcAft>
-          </a:pPr>
-          <a:r>
-            <a:rPr lang="zh-CN" altLang="en-US" sz="800" kern="1200" dirty="0" smtClean="0"/>
-            <a:t>申请复核</a:t>
-          </a:r>
-          <a:endParaRPr lang="en-US" altLang="zh-CN" sz="800" kern="1200" dirty="0" smtClean="0"/>
-        </a:p>
-      </dsp:txBody>
-      <dsp:txXfrm rot="-5400000">
-        <a:off x="1" y="4052251"/>
-        <a:ext cx="429504" cy="184073"/>
-      </dsp:txXfrm>
-    </dsp:sp>
-    <dsp:sp modelId="{257CD411-368F-4D68-8051-AC7754C8CF28}">
-      <dsp:nvSpPr>
-        <dsp:cNvPr id="0" name=""/>
-        <dsp:cNvSpPr/>
-      </dsp:nvSpPr>
-      <dsp:spPr>
-        <a:xfrm rot="5400000">
-          <a:off x="4130139" y="136865"/>
-          <a:ext cx="398825" cy="7800095"/>
-        </a:xfrm>
-        <a:prstGeom prst="round2SameRect">
-          <a:avLst/>
-        </a:prstGeom>
-        <a:solidFill>
-          <a:schemeClr val="lt1">
-            <a:alpha val="90000"/>
-            <a:hueOff val="0"/>
-            <a:satOff val="0"/>
-            <a:lumOff val="0"/>
-            <a:alphaOff val="0"/>
-          </a:schemeClr>
-        </a:solidFill>
-        <a:ln w="25400" cap="flat" cmpd="sng" algn="ctr">
-          <a:solidFill>
-            <a:schemeClr val="accent1">
-              <a:hueOff val="0"/>
-              <a:satOff val="0"/>
-              <a:lumOff val="0"/>
-              <a:alphaOff val="0"/>
-            </a:schemeClr>
-          </a:solidFill>
-          <a:prstDash val="solid"/>
-        </a:ln>
-        <a:effectLst/>
-      </dsp:spPr>
-      <dsp:style>
-        <a:lnRef idx="2">
-          <a:scrgbClr r="0" g="0" b="0"/>
-        </a:lnRef>
-        <a:fillRef idx="1">
-          <a:scrgbClr r="0" g="0" b="0"/>
-        </a:fillRef>
-        <a:effectRef idx="0">
-          <a:scrgbClr r="0" g="0" b="0"/>
-        </a:effectRef>
-        <a:fontRef idx="minor"/>
-      </dsp:style>
-      <dsp:txBody>
-        <a:bodyPr spcFirstLastPara="0" vert="horz" wrap="square" lIns="71120" tIns="6350" rIns="6350" bIns="6350" numCol="1" spcCol="1270" anchor="ctr" anchorCtr="0">
-          <a:noAutofit/>
-        </a:bodyPr>
-        <a:lstStyle/>
-        <a:p>
-          <a:pPr marL="57150" lvl="1" indent="-57150" algn="l" defTabSz="444500">
-            <a:lnSpc>
-              <a:spcPct val="90000"/>
-            </a:lnSpc>
-            <a:spcBef>
-              <a:spcPct val="0"/>
-            </a:spcBef>
-            <a:spcAft>
-              <a:spcPct val="15000"/>
-            </a:spcAft>
-            <a:buChar char="••"/>
-          </a:pPr>
-          <a:r>
-            <a:rPr lang="zh-CN" altLang="en-US" sz="1000" kern="1200" dirty="0" smtClean="0"/>
-            <a:t>回退（跟单员）；复核（非跟</a:t>
-          </a:r>
-          <a:r>
-            <a:rPr lang="zh-CN" altLang="en-US" sz="1000" kern="1200" smtClean="0"/>
-            <a:t>单员，成为复核者）</a:t>
-          </a:r>
-          <a:endParaRPr lang="en-US" altLang="zh-CN" sz="1000" kern="1200" dirty="0" smtClean="0"/>
-        </a:p>
-      </dsp:txBody>
-      <dsp:txXfrm rot="-5400000">
-        <a:off x="429505" y="3856969"/>
-        <a:ext cx="7780626" cy="359887"/>
-      </dsp:txXfrm>
-    </dsp:sp>
-    <dsp:sp modelId="{4372671D-ED5F-4986-AC52-B071D5E73239}">
-      <dsp:nvSpPr>
-        <dsp:cNvPr id="0" name=""/>
-        <dsp:cNvSpPr/>
-      </dsp:nvSpPr>
-      <dsp:spPr>
-        <a:xfrm rot="5400000">
-          <a:off x="-92036" y="4477396"/>
-          <a:ext cx="613577" cy="429504"/>
-        </a:xfrm>
-        <a:prstGeom prst="chevron">
-          <a:avLst/>
-        </a:prstGeom>
-        <a:solidFill>
-          <a:schemeClr val="accent1">
-            <a:hueOff val="0"/>
-            <a:satOff val="0"/>
-            <a:lumOff val="0"/>
-            <a:alphaOff val="0"/>
-          </a:schemeClr>
-        </a:solidFill>
-        <a:ln w="25400" cap="flat" cmpd="sng" algn="ctr">
-          <a:solidFill>
-            <a:schemeClr val="accent1">
-              <a:hueOff val="0"/>
-              <a:satOff val="0"/>
-              <a:lumOff val="0"/>
-              <a:alphaOff val="0"/>
-            </a:schemeClr>
-          </a:solidFill>
-          <a:prstDash val="solid"/>
-        </a:ln>
-        <a:effectLst/>
-      </dsp:spPr>
-      <dsp:style>
-        <a:lnRef idx="2">
-          <a:scrgbClr r="0" g="0" b="0"/>
-        </a:lnRef>
-        <a:fillRef idx="1">
-          <a:scrgbClr r="0" g="0" b="0"/>
-        </a:fillRef>
-        <a:effectRef idx="0">
-          <a:scrgbClr r="0" g="0" b="0"/>
-        </a:effectRef>
-        <a:fontRef idx="minor">
-          <a:schemeClr val="lt1"/>
-        </a:fontRef>
-      </dsp:style>
-      <dsp:txBody>
-        <a:bodyPr spcFirstLastPara="0" vert="horz" wrap="square" lIns="5080" tIns="5080" rIns="5080" bIns="5080" numCol="1" spcCol="1270" anchor="ctr" anchorCtr="0">
-          <a:noAutofit/>
-        </a:bodyPr>
-        <a:lstStyle/>
-        <a:p>
-          <a:pPr lvl="0" algn="ctr" defTabSz="355600">
-            <a:lnSpc>
-              <a:spcPct val="90000"/>
-            </a:lnSpc>
-            <a:spcBef>
-              <a:spcPct val="0"/>
-            </a:spcBef>
-            <a:spcAft>
-              <a:spcPct val="35000"/>
-            </a:spcAft>
-          </a:pPr>
-          <a:r>
-            <a:rPr lang="zh-CN" altLang="en-US" sz="800" kern="1200" dirty="0" smtClean="0"/>
-            <a:t>复核</a:t>
-          </a:r>
-          <a:endParaRPr lang="en-US" altLang="zh-CN" sz="800" kern="1200" dirty="0" smtClean="0"/>
-        </a:p>
-      </dsp:txBody>
-      <dsp:txXfrm rot="-5400000">
-        <a:off x="1" y="4600111"/>
-        <a:ext cx="429504" cy="184073"/>
-      </dsp:txXfrm>
-    </dsp:sp>
-    <dsp:sp modelId="{244885EE-6946-48BE-8A4C-BBEEF8FD6BAC}">
-      <dsp:nvSpPr>
-        <dsp:cNvPr id="0" name=""/>
-        <dsp:cNvSpPr/>
-      </dsp:nvSpPr>
-      <dsp:spPr>
-        <a:xfrm rot="5400000">
-          <a:off x="4130139" y="684724"/>
-          <a:ext cx="398825" cy="7800095"/>
-        </a:xfrm>
-        <a:prstGeom prst="round2SameRect">
-          <a:avLst/>
-        </a:prstGeom>
-        <a:solidFill>
-          <a:schemeClr val="lt1">
-            <a:alpha val="90000"/>
-            <a:hueOff val="0"/>
-            <a:satOff val="0"/>
-            <a:lumOff val="0"/>
-            <a:alphaOff val="0"/>
-          </a:schemeClr>
-        </a:solidFill>
-        <a:ln w="25400" cap="flat" cmpd="sng" algn="ctr">
-          <a:solidFill>
-            <a:schemeClr val="accent1">
-              <a:hueOff val="0"/>
-              <a:satOff val="0"/>
-              <a:lumOff val="0"/>
-              <a:alphaOff val="0"/>
-            </a:schemeClr>
-          </a:solidFill>
-          <a:prstDash val="solid"/>
-        </a:ln>
-        <a:effectLst/>
-      </dsp:spPr>
-      <dsp:style>
-        <a:lnRef idx="2">
-          <a:scrgbClr r="0" g="0" b="0"/>
-        </a:lnRef>
-        <a:fillRef idx="1">
-          <a:scrgbClr r="0" g="0" b="0"/>
-        </a:fillRef>
-        <a:effectRef idx="0">
-          <a:scrgbClr r="0" g="0" b="0"/>
-        </a:effectRef>
-        <a:fontRef idx="minor"/>
-      </dsp:style>
-      <dsp:txBody>
-        <a:bodyPr spcFirstLastPara="0" vert="horz" wrap="square" lIns="71120" tIns="6350" rIns="6350" bIns="6350" numCol="1" spcCol="1270" anchor="ctr" anchorCtr="0">
-          <a:noAutofit/>
-        </a:bodyPr>
-        <a:lstStyle/>
-        <a:p>
-          <a:pPr marL="57150" lvl="1" indent="-57150" algn="l" defTabSz="444500">
-            <a:lnSpc>
-              <a:spcPct val="90000"/>
-            </a:lnSpc>
-            <a:spcBef>
-              <a:spcPct val="0"/>
-            </a:spcBef>
-            <a:spcAft>
-              <a:spcPct val="15000"/>
-            </a:spcAft>
-            <a:buChar char="••"/>
-          </a:pPr>
-          <a:r>
-            <a:rPr lang="zh-CN" altLang="en-US" sz="1000" kern="1200" dirty="0" smtClean="0"/>
-            <a:t>回退（复核者）</a:t>
-          </a:r>
-          <a:endParaRPr lang="zh-CN" altLang="en-US" sz="1000" kern="1200" dirty="0"/>
-        </a:p>
-      </dsp:txBody>
-      <dsp:txXfrm rot="-5400000">
-        <a:off x="429505" y="4404828"/>
-        <a:ext cx="7780626" cy="359887"/>
-      </dsp:txXfrm>
-    </dsp:sp>
   </dsp:spTree>
 </dsp:drawing>
 </file>
@@ -35794,7 +33023,7 @@
             <p:ph idx="1"/>
             <p:extLst>
               <p:ext uri="{D42A27DB-BD31-4B8C-83A1-F6EECF244321}">
-                <p14:modId xmlns:p14="http://schemas.microsoft.com/office/powerpoint/2010/main" val="172643717"/>
+                <p14:modId xmlns:p14="http://schemas.microsoft.com/office/powerpoint/2010/main" val="3943582458"/>
               </p:ext>
             </p:extLst>
           </p:nvPr>

--- a/doc/tutorial.pptx
+++ b/doc/tutorial.pptx
@@ -7107,8 +7107,8 @@
     <dgm:cxn modelId="{2AB7D8C3-E2F8-40E2-8690-01EB856363A5}" type="presOf" srcId="{AB707915-4579-4876-A6A8-BF52F6922E34}" destId="{EB2188EA-21FD-4E21-8B77-663033184100}" srcOrd="0" destOrd="0" presId="urn:microsoft.com/office/officeart/2005/8/layout/chevron2"/>
     <dgm:cxn modelId="{F8BB70A3-4E5A-40BA-92FF-C1DD088CC098}" type="presOf" srcId="{BCFD7239-FE60-424E-B5D2-96379E32742B}" destId="{48C36DD9-9D64-4302-A1CF-A1B8309E318D}" srcOrd="0" destOrd="0" presId="urn:microsoft.com/office/officeart/2005/8/layout/chevron2"/>
     <dgm:cxn modelId="{1028A925-6FDE-47BC-B55F-41B864B4D543}" type="presOf" srcId="{DE8F6E21-E250-4610-A26D-69B23A1FBA8C}" destId="{B0194D2B-484D-4AB9-95B3-3798B0099C21}" srcOrd="0" destOrd="0" presId="urn:microsoft.com/office/officeart/2005/8/layout/chevron2"/>
+    <dgm:cxn modelId="{E4AF6278-0C73-4787-B88A-711A8F7F13A5}" srcId="{E6E004F6-333A-4BA5-BBD9-DDCD41139EAB}" destId="{BCFD7239-FE60-424E-B5D2-96379E32742B}" srcOrd="0" destOrd="0" parTransId="{FF8FD578-54C6-40E8-BC1A-37EF03C730D2}" sibTransId="{9B5D6224-F1BD-49E6-965B-6CC5E9E8A6C6}"/>
     <dgm:cxn modelId="{10F30824-D48C-4589-BC7A-A786FFF37E44}" type="presOf" srcId="{9B777975-4348-428E-98F6-CEFC98C2ED18}" destId="{0052FE27-F551-4019-87BE-6DE8669F0DF9}" srcOrd="0" destOrd="1" presId="urn:microsoft.com/office/officeart/2005/8/layout/chevron2"/>
-    <dgm:cxn modelId="{E4AF6278-0C73-4787-B88A-711A8F7F13A5}" srcId="{E6E004F6-333A-4BA5-BBD9-DDCD41139EAB}" destId="{BCFD7239-FE60-424E-B5D2-96379E32742B}" srcOrd="0" destOrd="0" parTransId="{FF8FD578-54C6-40E8-BC1A-37EF03C730D2}" sibTransId="{9B5D6224-F1BD-49E6-965B-6CC5E9E8A6C6}"/>
     <dgm:cxn modelId="{DC863983-8EC7-4BBA-8F7B-7BB25A2A031C}" srcId="{F18FF395-B0F3-4406-8BA1-8ED5F355A308}" destId="{E6E004F6-333A-4BA5-BBD9-DDCD41139EAB}" srcOrd="3" destOrd="0" parTransId="{2F9C1E59-B1D7-43AA-A1D6-1610716FEFEB}" sibTransId="{2F976D21-E2FA-4439-A171-F641E21D2B30}"/>
     <dgm:cxn modelId="{93DB9D1E-593A-489E-B4EA-C2F7FDE6F71F}" srcId="{32632890-6EEB-451E-81F9-2BBBF20ECD9F}" destId="{9B777975-4348-428E-98F6-CEFC98C2ED18}" srcOrd="1" destOrd="0" parTransId="{3DF5A87E-61AE-443E-B875-9E5A31E73EE4}" sibTransId="{455D06C7-3AE0-4F76-8E35-A8EE0111B1C4}"/>
     <dgm:cxn modelId="{8FDE559B-5010-488B-9392-DDA69750C5F9}" type="presOf" srcId="{E6E004F6-333A-4BA5-BBD9-DDCD41139EAB}" destId="{71771BB5-0F35-469D-91FA-2E2F78B97B94}" srcOrd="0" destOrd="0" presId="urn:microsoft.com/office/officeart/2005/8/layout/chevron2"/>
@@ -7212,7 +7212,11 @@
           </a:r>
           <a:r>
             <a:rPr lang="zh-CN" altLang="en-US" dirty="0" smtClean="0"/>
-            <a:t>；申请审核；（原稿录单员）</a:t>
+            <a:t>；申请审核；（原稿录单员</a:t>
+          </a:r>
+          <a:r>
+            <a:rPr lang="zh-CN" altLang="en-US" dirty="0" smtClean="0"/>
+            <a:t>） （此环节在原稿界面操作）</a:t>
           </a:r>
           <a:endParaRPr lang="zh-CN" altLang="en-US" dirty="0"/>
         </a:p>
@@ -7286,7 +7290,15 @@
         <a:p>
           <a:r>
             <a:rPr lang="zh-CN" altLang="en-US" dirty="0" smtClean="0"/>
-            <a:t>审核（非录单员）；取消申请（录单员）</a:t>
+            <a:t>审核（非录单员）；取消申请（录单员</a:t>
+          </a:r>
+          <a:r>
+            <a:rPr lang="zh-CN" altLang="en-US" dirty="0" smtClean="0"/>
+            <a:t>） （此环节在原稿界面</a:t>
+          </a:r>
+          <a:r>
+            <a:rPr lang="zh-CN" altLang="en-US" smtClean="0"/>
+            <a:t>操作）</a:t>
           </a:r>
           <a:endParaRPr lang="zh-CN" altLang="en-US" dirty="0"/>
         </a:p>
@@ -7360,11 +7372,7 @@
         <a:p>
           <a:r>
             <a:rPr lang="zh-CN" altLang="en-US" dirty="0" smtClean="0"/>
-            <a:t>回退（审核者）；接</a:t>
-          </a:r>
-          <a:r>
-            <a:rPr lang="zh-CN" altLang="en-US" dirty="0" smtClean="0"/>
-            <a:t>单（任何人，接单后成为该订单跟单员）</a:t>
+            <a:t>回退（审核者）；接单（任何人，接单后成为该订单跟单员）</a:t>
           </a:r>
           <a:endParaRPr lang="zh-CN" altLang="en-US" dirty="0"/>
         </a:p>
@@ -7782,11 +7790,7 @@
           </a:r>
           <a:r>
             <a:rPr lang="zh-CN" altLang="en-US" dirty="0" smtClean="0"/>
-            <a:t>（跟单员）；作废（跟单</a:t>
-          </a:r>
-          <a:r>
-            <a:rPr lang="zh-CN" altLang="en-US" dirty="0" smtClean="0"/>
-            <a:t>员，接单后只能作废留档，不给回退删除</a:t>
+            <a:t>（跟单员）；作废（跟单员，接单后只能作废留档，不给回退删除</a:t>
           </a:r>
           <a:r>
             <a:rPr lang="zh-CN" altLang="en-US" smtClean="0"/>
@@ -8179,7 +8183,7 @@
       </dgm:t>
     </dgm:pt>
     <dgm:pt modelId="{326C7F85-F1AE-457E-818B-0F8EAA722DD8}" type="pres">
-      <dgm:prSet presAssocID="{86ED3EBD-F20C-4C74-80DB-62D5B9504B23}" presName="descendantText" presStyleLbl="alignAcc1" presStyleIdx="0" presStyleCnt="11">
+      <dgm:prSet presAssocID="{86ED3EBD-F20C-4C74-80DB-62D5B9504B23}" presName="descendantText" presStyleLbl="alignAcc1" presStyleIdx="0" presStyleCnt="11" custLinFactNeighborX="655">
         <dgm:presLayoutVars>
           <dgm:bulletEnabled val="1"/>
         </dgm:presLayoutVars>
@@ -10670,31 +10674,31 @@
     </dgm:pt>
   </dgm:ptLst>
   <dgm:cxnLst>
+    <dgm:cxn modelId="{BB7ABA04-579C-467F-852F-C15EA00E069F}" type="presOf" srcId="{C14127EF-FC86-47C8-A266-ECB18877C3D9}" destId="{B25104A7-E592-4ECD-926D-4B5A292CC1D5}" srcOrd="0" destOrd="0" presId="urn:microsoft.com/office/officeart/2005/8/layout/chevron2"/>
+    <dgm:cxn modelId="{05064A24-7C37-4BC3-85D6-BABE28F6C659}" type="presOf" srcId="{EAB5D4E0-7E9D-499D-97D3-E139ADC86A64}" destId="{1F909F06-D28D-429A-ABEF-5C8283DDFA80}" srcOrd="0" destOrd="0" presId="urn:microsoft.com/office/officeart/2005/8/layout/chevron2"/>
+    <dgm:cxn modelId="{D97B3DCE-7665-445B-B4C3-97A3EDD81448}" type="presOf" srcId="{AC9E086F-0037-44FE-AD32-14391612C5D5}" destId="{6A12659E-4049-40B0-A82B-62D93C016E5C}" srcOrd="0" destOrd="0" presId="urn:microsoft.com/office/officeart/2005/8/layout/chevron2"/>
+    <dgm:cxn modelId="{533233E3-C9C1-481B-B616-158FC5401AF4}" srcId="{3F614790-E554-4C73-8332-3413796C200B}" destId="{AC9E086F-0037-44FE-AD32-14391612C5D5}" srcOrd="0" destOrd="0" parTransId="{686F1AFF-D7C4-465C-92BA-FE6EC6FFDD45}" sibTransId="{C4C56ECC-A3D2-48E6-A233-1FB624D99972}"/>
+    <dgm:cxn modelId="{C24769F0-51AE-453B-9E71-11B7EEA92DCD}" type="presOf" srcId="{2E1491F7-DCAF-4B1C-88BA-3C453F1F3E3D}" destId="{709F1C77-85F7-457C-ADD7-6752FAA1029D}" srcOrd="0" destOrd="1" presId="urn:microsoft.com/office/officeart/2005/8/layout/chevron2"/>
     <dgm:cxn modelId="{F9CEEB67-2B74-43C7-8F02-C15E2E4E0515}" type="presOf" srcId="{3F614790-E554-4C73-8332-3413796C200B}" destId="{1BB1B437-47C9-41D3-996C-513DFC6C7F98}" srcOrd="0" destOrd="0" presId="urn:microsoft.com/office/officeart/2005/8/layout/chevron2"/>
+    <dgm:cxn modelId="{A952A09A-1205-4D17-8F25-110EA6181DD0}" srcId="{C14127EF-FC86-47C8-A266-ECB18877C3D9}" destId="{787B2082-DF38-4748-9B68-475093E0287F}" srcOrd="0" destOrd="0" parTransId="{FC37A69D-9C96-4987-9913-47D94F9A5BCC}" sibTransId="{2132F94F-6A4B-4CE2-84C1-688983F8D671}"/>
+    <dgm:cxn modelId="{B6168F4F-39B4-4064-BB5C-3E4068C21DC7}" srcId="{68624F5D-D86D-449F-98D3-2461FA13224D}" destId="{45EDB43C-950A-45AF-ADE2-ADC0A81554A1}" srcOrd="0" destOrd="0" parTransId="{38E8099D-06D2-40D8-8F0C-3ECCE3DAF634}" sibTransId="{C91CDA42-2DA6-45E8-834F-C25FC2DD4574}"/>
+    <dgm:cxn modelId="{73F51E12-D247-4781-9D4B-05B2C18353E2}" srcId="{68624F5D-D86D-449F-98D3-2461FA13224D}" destId="{E94C213C-304D-474F-9E1B-D3C77B113299}" srcOrd="1" destOrd="0" parTransId="{E94793C5-FF16-4436-8F75-BA6CA226D98E}" sibTransId="{0B999FCB-D107-4344-8608-F76757DDA9CA}"/>
+    <dgm:cxn modelId="{233D5B6C-7A1C-4A2D-AD46-3312406E1EE4}" type="presOf" srcId="{B2915DB2-E831-4D35-AAF1-E917000878BE}" destId="{A52DB8C0-1325-490B-9B49-327DA3039BDE}" srcOrd="0" destOrd="0" presId="urn:microsoft.com/office/officeart/2005/8/layout/chevron2"/>
+    <dgm:cxn modelId="{393F326D-A3AB-4208-AA35-2DFEEA51C58F}" srcId="{EAB5D4E0-7E9D-499D-97D3-E139ADC86A64}" destId="{C14127EF-FC86-47C8-A266-ECB18877C3D9}" srcOrd="4" destOrd="0" parTransId="{288B731D-1DDB-4EC1-B6AE-AB6F45CAA91F}" sibTransId="{BF61DE85-97EF-4540-B747-0BE68C21E965}"/>
+    <dgm:cxn modelId="{6EE70952-7F0A-45ED-AAC5-FEA79A942D9A}" srcId="{B2915DB2-E831-4D35-AAF1-E917000878BE}" destId="{2E1491F7-DCAF-4B1C-88BA-3C453F1F3E3D}" srcOrd="1" destOrd="0" parTransId="{DFE7AE88-672E-46DB-A44C-98C35E6CFA00}" sibTransId="{3D3D3C06-FD74-4ED9-B021-F2F45FC95AA0}"/>
+    <dgm:cxn modelId="{670A1AAB-02E3-414E-B8C7-D4886B8AEFCA}" srcId="{EAB5D4E0-7E9D-499D-97D3-E139ADC86A64}" destId="{B2915DB2-E831-4D35-AAF1-E917000878BE}" srcOrd="3" destOrd="0" parTransId="{6740B595-0744-42DA-9784-B0E43EC843F8}" sibTransId="{239C45AB-64A1-4047-8893-F0055CDCE8F4}"/>
     <dgm:cxn modelId="{EEA7E37D-A261-4A40-940C-576B9B657E74}" srcId="{EAB5D4E0-7E9D-499D-97D3-E139ADC86A64}" destId="{3F614790-E554-4C73-8332-3413796C200B}" srcOrd="1" destOrd="0" parTransId="{29BC913A-BA0E-4C44-95DC-C28590B29F45}" sibTransId="{0C1CE421-98F2-4842-BEC0-C109F9577E85}"/>
-    <dgm:cxn modelId="{BB7ABA04-579C-467F-852F-C15EA00E069F}" type="presOf" srcId="{C14127EF-FC86-47C8-A266-ECB18877C3D9}" destId="{B25104A7-E592-4ECD-926D-4B5A292CC1D5}" srcOrd="0" destOrd="0" presId="urn:microsoft.com/office/officeart/2005/8/layout/chevron2"/>
-    <dgm:cxn modelId="{A952A09A-1205-4D17-8F25-110EA6181DD0}" srcId="{C14127EF-FC86-47C8-A266-ECB18877C3D9}" destId="{787B2082-DF38-4748-9B68-475093E0287F}" srcOrd="0" destOrd="0" parTransId="{FC37A69D-9C96-4987-9913-47D94F9A5BCC}" sibTransId="{2132F94F-6A4B-4CE2-84C1-688983F8D671}"/>
-    <dgm:cxn modelId="{393F326D-A3AB-4208-AA35-2DFEEA51C58F}" srcId="{EAB5D4E0-7E9D-499D-97D3-E139ADC86A64}" destId="{C14127EF-FC86-47C8-A266-ECB18877C3D9}" srcOrd="4" destOrd="0" parTransId="{288B731D-1DDB-4EC1-B6AE-AB6F45CAA91F}" sibTransId="{BF61DE85-97EF-4540-B747-0BE68C21E965}"/>
-    <dgm:cxn modelId="{608719B7-6372-4FD6-B587-3ACE14905863}" srcId="{EAB5D4E0-7E9D-499D-97D3-E139ADC86A64}" destId="{DA41303E-606F-4899-AF6C-CCD56BFB9AFB}" srcOrd="2" destOrd="0" parTransId="{1F78CEFB-1953-4DA0-8883-3A8A1D171E74}" sibTransId="{C092D03C-5219-40CF-8871-5F2272F03A12}"/>
-    <dgm:cxn modelId="{6EE70952-7F0A-45ED-AAC5-FEA79A942D9A}" srcId="{B2915DB2-E831-4D35-AAF1-E917000878BE}" destId="{2E1491F7-DCAF-4B1C-88BA-3C453F1F3E3D}" srcOrd="1" destOrd="0" parTransId="{DFE7AE88-672E-46DB-A44C-98C35E6CFA00}" sibTransId="{3D3D3C06-FD74-4ED9-B021-F2F45FC95AA0}"/>
-    <dgm:cxn modelId="{C24769F0-51AE-453B-9E71-11B7EEA92DCD}" type="presOf" srcId="{2E1491F7-DCAF-4B1C-88BA-3C453F1F3E3D}" destId="{709F1C77-85F7-457C-ADD7-6752FAA1029D}" srcOrd="0" destOrd="1" presId="urn:microsoft.com/office/officeart/2005/8/layout/chevron2"/>
+    <dgm:cxn modelId="{E8CDCF65-9B0B-4D09-B45F-CEB4FB622E50}" type="presOf" srcId="{DA41303E-606F-4899-AF6C-CCD56BFB9AFB}" destId="{133D7222-1B47-439C-8354-228D24479B12}" srcOrd="0" destOrd="0" presId="urn:microsoft.com/office/officeart/2005/8/layout/chevron2"/>
+    <dgm:cxn modelId="{72AEDAA5-730E-477A-BA03-F6B0444C467D}" type="presOf" srcId="{1C2BAB06-EF78-4378-BFC1-8418651D94BE}" destId="{709F1C77-85F7-457C-ADD7-6752FAA1029D}" srcOrd="0" destOrd="0" presId="urn:microsoft.com/office/officeart/2005/8/layout/chevron2"/>
+    <dgm:cxn modelId="{7D60D6D5-E5B3-4A3B-B616-F0DEEDE60404}" type="presOf" srcId="{45EDB43C-950A-45AF-ADE2-ADC0A81554A1}" destId="{D4A129DC-634D-4286-BC19-FE8E5E7A6AF8}" srcOrd="0" destOrd="0" presId="urn:microsoft.com/office/officeart/2005/8/layout/chevron2"/>
+    <dgm:cxn modelId="{C4530A27-91A9-468D-8F29-3B377C2864A7}" type="presOf" srcId="{787B2082-DF38-4748-9B68-475093E0287F}" destId="{3BFC4BC2-6BAE-448E-B04D-22B0F0A2B070}" srcOrd="0" destOrd="0" presId="urn:microsoft.com/office/officeart/2005/8/layout/chevron2"/>
     <dgm:cxn modelId="{CDD74F16-D67F-45E8-9A45-68F754314560}" srcId="{EAB5D4E0-7E9D-499D-97D3-E139ADC86A64}" destId="{68624F5D-D86D-449F-98D3-2461FA13224D}" srcOrd="0" destOrd="0" parTransId="{DC3A0623-50CB-4EF2-B4A7-8DB4E8047B0A}" sibTransId="{B97904DF-819C-43B4-8046-84343143B52E}"/>
-    <dgm:cxn modelId="{09270CE7-E529-49A1-956F-6E6D45819EC2}" srcId="{B2915DB2-E831-4D35-AAF1-E917000878BE}" destId="{1C2BAB06-EF78-4378-BFC1-8418651D94BE}" srcOrd="0" destOrd="0" parTransId="{4662C404-2F79-4D1F-A774-C919CF6F87D4}" sibTransId="{03386B1A-0FCA-4C52-BD34-6B0647406FB2}"/>
-    <dgm:cxn modelId="{72AEDAA5-730E-477A-BA03-F6B0444C467D}" type="presOf" srcId="{1C2BAB06-EF78-4378-BFC1-8418651D94BE}" destId="{709F1C77-85F7-457C-ADD7-6752FAA1029D}" srcOrd="0" destOrd="0" presId="urn:microsoft.com/office/officeart/2005/8/layout/chevron2"/>
-    <dgm:cxn modelId="{D4021D95-C97B-45F3-BDBA-504EA953CC8C}" type="presOf" srcId="{53917ACD-0FB9-4280-9893-B540614B492D}" destId="{AAE7DB65-B58A-4C95-BCDF-C6E06F96A67A}" srcOrd="0" destOrd="0" presId="urn:microsoft.com/office/officeart/2005/8/layout/chevron2"/>
-    <dgm:cxn modelId="{17B7A219-EE51-47F2-9F11-207D78BA1E48}" srcId="{DA41303E-606F-4899-AF6C-CCD56BFB9AFB}" destId="{53917ACD-0FB9-4280-9893-B540614B492D}" srcOrd="0" destOrd="0" parTransId="{DFC684AF-E941-44AB-A9D3-ACC2B1A4FF91}" sibTransId="{4514923D-C495-4451-81F1-7B1899074BA6}"/>
-    <dgm:cxn modelId="{C4530A27-91A9-468D-8F29-3B377C2864A7}" type="presOf" srcId="{787B2082-DF38-4748-9B68-475093E0287F}" destId="{3BFC4BC2-6BAE-448E-B04D-22B0F0A2B070}" srcOrd="0" destOrd="0" presId="urn:microsoft.com/office/officeart/2005/8/layout/chevron2"/>
-    <dgm:cxn modelId="{73F51E12-D247-4781-9D4B-05B2C18353E2}" srcId="{68624F5D-D86D-449F-98D3-2461FA13224D}" destId="{E94C213C-304D-474F-9E1B-D3C77B113299}" srcOrd="1" destOrd="0" parTransId="{E94793C5-FF16-4436-8F75-BA6CA226D98E}" sibTransId="{0B999FCB-D107-4344-8608-F76757DDA9CA}"/>
-    <dgm:cxn modelId="{B6168F4F-39B4-4064-BB5C-3E4068C21DC7}" srcId="{68624F5D-D86D-449F-98D3-2461FA13224D}" destId="{45EDB43C-950A-45AF-ADE2-ADC0A81554A1}" srcOrd="0" destOrd="0" parTransId="{38E8099D-06D2-40D8-8F0C-3ECCE3DAF634}" sibTransId="{C91CDA42-2DA6-45E8-834F-C25FC2DD4574}"/>
-    <dgm:cxn modelId="{7D60D6D5-E5B3-4A3B-B616-F0DEEDE60404}" type="presOf" srcId="{45EDB43C-950A-45AF-ADE2-ADC0A81554A1}" destId="{D4A129DC-634D-4286-BC19-FE8E5E7A6AF8}" srcOrd="0" destOrd="0" presId="urn:microsoft.com/office/officeart/2005/8/layout/chevron2"/>
-    <dgm:cxn modelId="{E8CDCF65-9B0B-4D09-B45F-CEB4FB622E50}" type="presOf" srcId="{DA41303E-606F-4899-AF6C-CCD56BFB9AFB}" destId="{133D7222-1B47-439C-8354-228D24479B12}" srcOrd="0" destOrd="0" presId="urn:microsoft.com/office/officeart/2005/8/layout/chevron2"/>
-    <dgm:cxn modelId="{05064A24-7C37-4BC3-85D6-BABE28F6C659}" type="presOf" srcId="{EAB5D4E0-7E9D-499D-97D3-E139ADC86A64}" destId="{1F909F06-D28D-429A-ABEF-5C8283DDFA80}" srcOrd="0" destOrd="0" presId="urn:microsoft.com/office/officeart/2005/8/layout/chevron2"/>
-    <dgm:cxn modelId="{233D5B6C-7A1C-4A2D-AD46-3312406E1EE4}" type="presOf" srcId="{B2915DB2-E831-4D35-AAF1-E917000878BE}" destId="{A52DB8C0-1325-490B-9B49-327DA3039BDE}" srcOrd="0" destOrd="0" presId="urn:microsoft.com/office/officeart/2005/8/layout/chevron2"/>
     <dgm:cxn modelId="{319DCE79-1B47-4116-A55B-4FF1F9F39107}" type="presOf" srcId="{E94C213C-304D-474F-9E1B-D3C77B113299}" destId="{D4A129DC-634D-4286-BC19-FE8E5E7A6AF8}" srcOrd="0" destOrd="1" presId="urn:microsoft.com/office/officeart/2005/8/layout/chevron2"/>
     <dgm:cxn modelId="{EA8E8434-392B-4B1C-99F4-FB1A57AE05EA}" type="presOf" srcId="{68624F5D-D86D-449F-98D3-2461FA13224D}" destId="{D83F8BF7-AF5C-4ED4-B6F7-056DF2902C90}" srcOrd="0" destOrd="0" presId="urn:microsoft.com/office/officeart/2005/8/layout/chevron2"/>
-    <dgm:cxn modelId="{670A1AAB-02E3-414E-B8C7-D4886B8AEFCA}" srcId="{EAB5D4E0-7E9D-499D-97D3-E139ADC86A64}" destId="{B2915DB2-E831-4D35-AAF1-E917000878BE}" srcOrd="3" destOrd="0" parTransId="{6740B595-0744-42DA-9784-B0E43EC843F8}" sibTransId="{239C45AB-64A1-4047-8893-F0055CDCE8F4}"/>
-    <dgm:cxn modelId="{D97B3DCE-7665-445B-B4C3-97A3EDD81448}" type="presOf" srcId="{AC9E086F-0037-44FE-AD32-14391612C5D5}" destId="{6A12659E-4049-40B0-A82B-62D93C016E5C}" srcOrd="0" destOrd="0" presId="urn:microsoft.com/office/officeart/2005/8/layout/chevron2"/>
-    <dgm:cxn modelId="{533233E3-C9C1-481B-B616-158FC5401AF4}" srcId="{3F614790-E554-4C73-8332-3413796C200B}" destId="{AC9E086F-0037-44FE-AD32-14391612C5D5}" srcOrd="0" destOrd="0" parTransId="{686F1AFF-D7C4-465C-92BA-FE6EC6FFDD45}" sibTransId="{C4C56ECC-A3D2-48E6-A233-1FB624D99972}"/>
+    <dgm:cxn modelId="{09270CE7-E529-49A1-956F-6E6D45819EC2}" srcId="{B2915DB2-E831-4D35-AAF1-E917000878BE}" destId="{1C2BAB06-EF78-4378-BFC1-8418651D94BE}" srcOrd="0" destOrd="0" parTransId="{4662C404-2F79-4D1F-A774-C919CF6F87D4}" sibTransId="{03386B1A-0FCA-4C52-BD34-6B0647406FB2}"/>
+    <dgm:cxn modelId="{17B7A219-EE51-47F2-9F11-207D78BA1E48}" srcId="{DA41303E-606F-4899-AF6C-CCD56BFB9AFB}" destId="{53917ACD-0FB9-4280-9893-B540614B492D}" srcOrd="0" destOrd="0" parTransId="{DFC684AF-E941-44AB-A9D3-ACC2B1A4FF91}" sibTransId="{4514923D-C495-4451-81F1-7B1899074BA6}"/>
+    <dgm:cxn modelId="{608719B7-6372-4FD6-B587-3ACE14905863}" srcId="{EAB5D4E0-7E9D-499D-97D3-E139ADC86A64}" destId="{DA41303E-606F-4899-AF6C-CCD56BFB9AFB}" srcOrd="2" destOrd="0" parTransId="{1F78CEFB-1953-4DA0-8883-3A8A1D171E74}" sibTransId="{C092D03C-5219-40CF-8871-5F2272F03A12}"/>
+    <dgm:cxn modelId="{D4021D95-C97B-45F3-BDBA-504EA953CC8C}" type="presOf" srcId="{53917ACD-0FB9-4280-9893-B540614B492D}" destId="{AAE7DB65-B58A-4C95-BCDF-C6E06F96A67A}" srcOrd="0" destOrd="0" presId="urn:microsoft.com/office/officeart/2005/8/layout/chevron2"/>
     <dgm:cxn modelId="{82CC7534-E78D-4933-8167-4C60F374CAD5}" type="presParOf" srcId="{1F909F06-D28D-429A-ABEF-5C8283DDFA80}" destId="{48D8FC8E-D777-4CDA-9CF4-05A1D06585E4}" srcOrd="0" destOrd="0" presId="urn:microsoft.com/office/officeart/2005/8/layout/chevron2"/>
     <dgm:cxn modelId="{B547F848-51E4-492D-8A27-23B47D8CE50F}" type="presParOf" srcId="{48D8FC8E-D777-4CDA-9CF4-05A1D06585E4}" destId="{D83F8BF7-AF5C-4ED4-B6F7-056DF2902C90}" srcOrd="0" destOrd="0" presId="urn:microsoft.com/office/officeart/2005/8/layout/chevron2"/>
     <dgm:cxn modelId="{24894A77-BFD0-416F-BE65-9BC88336B107}" type="presParOf" srcId="{48D8FC8E-D777-4CDA-9CF4-05A1D06585E4}" destId="{D4A129DC-634D-4286-BC19-FE8E5E7A6AF8}" srcOrd="1" destOrd="0" presId="urn:microsoft.com/office/officeart/2005/8/layout/chevron2"/>
@@ -12366,29 +12370,29 @@
     </dgm:pt>
   </dgm:ptLst>
   <dgm:cxnLst>
+    <dgm:cxn modelId="{AE694855-3771-4DB1-8144-B69721A0F332}" srcId="{D0674D44-7384-49E9-A65A-5043DD444CE8}" destId="{454E8231-F3B5-4FD9-BA18-A896C338DE10}" srcOrd="0" destOrd="0" parTransId="{52DE1628-AEFA-48EB-92B6-578B12E329D9}" sibTransId="{6E49F220-521B-4B77-BE85-AA3902B4037B}"/>
+    <dgm:cxn modelId="{2BF3B321-9718-4540-BE1C-0EFE1A77E530}" srcId="{DBCED77C-8E4C-4706-9C5A-C3853EA44D7D}" destId="{D0674D44-7384-49E9-A65A-5043DD444CE8}" srcOrd="0" destOrd="0" parTransId="{5157E0D8-4254-4973-BCC3-1AE8FCE2A4CC}" sibTransId="{599F895B-8FE5-4629-A17A-DB0DCE7F8C9B}"/>
+    <dgm:cxn modelId="{45EE0CB9-71B0-4E20-9552-08D1FEDF89B1}" srcId="{A3147626-9DB6-43C6-AC44-80411592D7C0}" destId="{310C29DF-64D8-4DF9-B8D5-254C18FAE82B}" srcOrd="0" destOrd="0" parTransId="{7D8B416D-799E-4EF3-A0BE-2F885B36D56B}" sibTransId="{EE7421C0-4B70-4562-8360-DBDE3BB2F576}"/>
+    <dgm:cxn modelId="{F8ED8E4B-D937-4E7A-9CF1-13E2B2FC2D8F}" type="presOf" srcId="{7C2503DE-5E55-4B16-B06C-96DE908EFD2A}" destId="{E89E8863-1C46-4C81-B1A6-ED2534F36967}" srcOrd="0" destOrd="0" presId="urn:microsoft.com/office/officeart/2005/8/layout/chevron2"/>
+    <dgm:cxn modelId="{EB8C57A4-1C84-4DA9-9A0D-56985B601FD9}" type="presOf" srcId="{DBCED77C-8E4C-4706-9C5A-C3853EA44D7D}" destId="{231424EA-CA34-4A18-B02B-467F92279F0F}" srcOrd="0" destOrd="0" presId="urn:microsoft.com/office/officeart/2005/8/layout/chevron2"/>
+    <dgm:cxn modelId="{E7613C24-FFCA-467D-B01D-F551B50FA4C9}" type="presOf" srcId="{A3147626-9DB6-43C6-AC44-80411592D7C0}" destId="{D3EC24C2-9B3F-4B51-BB81-3C93556D8FE5}" srcOrd="0" destOrd="0" presId="urn:microsoft.com/office/officeart/2005/8/layout/chevron2"/>
+    <dgm:cxn modelId="{C69626A2-F576-47AF-8C8C-972BD53530F4}" type="presOf" srcId="{B175259C-965E-40A8-9DB7-A95E3129FB91}" destId="{3C3E10EF-9096-4B3F-99FA-E832CFB72811}" srcOrd="0" destOrd="1" presId="urn:microsoft.com/office/officeart/2005/8/layout/chevron2"/>
+    <dgm:cxn modelId="{8C617EAD-2095-4B12-9F8C-8455053CC893}" type="presOf" srcId="{DD55E30F-1A95-4609-9E4B-E18013B0E67C}" destId="{84C8FA36-86FB-4863-A646-57E581B5197C}" srcOrd="0" destOrd="0" presId="urn:microsoft.com/office/officeart/2005/8/layout/chevron2"/>
     <dgm:cxn modelId="{3ED4CD99-751A-451A-A867-DD2FA2B0FA62}" type="presOf" srcId="{4C38D18C-4D46-4828-ACF9-1482A5CDB1E6}" destId="{4B25B2FD-61FC-4767-82D8-E4AA1074323B}" srcOrd="0" destOrd="0" presId="urn:microsoft.com/office/officeart/2005/8/layout/chevron2"/>
-    <dgm:cxn modelId="{EB8C57A4-1C84-4DA9-9A0D-56985B601FD9}" type="presOf" srcId="{DBCED77C-8E4C-4706-9C5A-C3853EA44D7D}" destId="{231424EA-CA34-4A18-B02B-467F92279F0F}" srcOrd="0" destOrd="0" presId="urn:microsoft.com/office/officeart/2005/8/layout/chevron2"/>
-    <dgm:cxn modelId="{F8ED8E4B-D937-4E7A-9CF1-13E2B2FC2D8F}" type="presOf" srcId="{7C2503DE-5E55-4B16-B06C-96DE908EFD2A}" destId="{E89E8863-1C46-4C81-B1A6-ED2534F36967}" srcOrd="0" destOrd="0" presId="urn:microsoft.com/office/officeart/2005/8/layout/chevron2"/>
+    <dgm:cxn modelId="{FCABCD20-8914-47BC-85E8-49AAFDA8CF37}" srcId="{D0674D44-7384-49E9-A65A-5043DD444CE8}" destId="{B175259C-965E-40A8-9DB7-A95E3129FB91}" srcOrd="1" destOrd="0" parTransId="{E4E806EA-C072-43A1-B3C0-05686691C346}" sibTransId="{C96ACF41-7FED-4B37-89D5-7401395C4769}"/>
+    <dgm:cxn modelId="{5934E398-CA3C-433B-AF90-7BB7D1AC05FD}" srcId="{7C2503DE-5E55-4B16-B06C-96DE908EFD2A}" destId="{DD55E30F-1A95-4609-9E4B-E18013B0E67C}" srcOrd="0" destOrd="0" parTransId="{81C520A6-A51F-46C3-9228-8F7EF01877C9}" sibTransId="{4C202A1F-4E91-4C68-B7EE-D445710675BA}"/>
+    <dgm:cxn modelId="{004E6927-734B-463D-9C25-3378DDA675F1}" srcId="{DBCED77C-8E4C-4706-9C5A-C3853EA44D7D}" destId="{D2BEA61B-0F77-49B1-8733-EE2F1E1A5623}" srcOrd="2" destOrd="0" parTransId="{5831202E-40BF-4FAD-B8C3-8F3273834FCE}" sibTransId="{7BD04CC6-8749-404D-BF79-9D25FBA8B839}"/>
+    <dgm:cxn modelId="{92C65BBD-8D6D-4F50-B0B1-181BA2B8A029}" srcId="{DBCED77C-8E4C-4706-9C5A-C3853EA44D7D}" destId="{A3147626-9DB6-43C6-AC44-80411592D7C0}" srcOrd="3" destOrd="0" parTransId="{4EFD23D8-4D24-45AB-BCB8-DBDE61484242}" sibTransId="{1D1DA405-CA0C-459B-A991-4A44B0CDDF8E}"/>
+    <dgm:cxn modelId="{A6306EAC-EDC8-44AB-A555-9790D9DECF4F}" srcId="{0B968BE0-F111-464E-B4BC-7949288BB1DA}" destId="{9BA7A115-83B1-444E-A906-4DCACC799B0E}" srcOrd="0" destOrd="0" parTransId="{D64C776D-6F14-470F-B79F-6512D75C4218}" sibTransId="{F85F5E16-D160-4A97-A596-85BEF28A2C2A}"/>
+    <dgm:cxn modelId="{E3D657DA-D0EA-43D0-B9E5-842CEEE8729A}" type="presOf" srcId="{454E8231-F3B5-4FD9-BA18-A896C338DE10}" destId="{3C3E10EF-9096-4B3F-99FA-E832CFB72811}" srcOrd="0" destOrd="0" presId="urn:microsoft.com/office/officeart/2005/8/layout/chevron2"/>
+    <dgm:cxn modelId="{6024B2C1-C5FA-43A7-8DCF-7921C4F4990A}" type="presOf" srcId="{310C29DF-64D8-4DF9-B8D5-254C18FAE82B}" destId="{F8989132-3A6C-4C13-AC2B-34B37273F107}" srcOrd="0" destOrd="0" presId="urn:microsoft.com/office/officeart/2005/8/layout/chevron2"/>
+    <dgm:cxn modelId="{EC7E0156-A3B6-4139-BC3D-978FE284DC60}" srcId="{DBCED77C-8E4C-4706-9C5A-C3853EA44D7D}" destId="{7C2503DE-5E55-4B16-B06C-96DE908EFD2A}" srcOrd="4" destOrd="0" parTransId="{B3788178-0DDC-403D-9B07-AC6384FB88C6}" sibTransId="{CA871951-9962-4229-8747-AE10577EA3A7}"/>
+    <dgm:cxn modelId="{C5210316-2482-4AC6-A085-F267E1ED4F6F}" srcId="{DBCED77C-8E4C-4706-9C5A-C3853EA44D7D}" destId="{0B968BE0-F111-464E-B4BC-7949288BB1DA}" srcOrd="1" destOrd="0" parTransId="{E255D180-B828-42C6-8908-5ADF42E9179C}" sibTransId="{3210210F-3ACD-40E8-A230-127D754C287A}"/>
+    <dgm:cxn modelId="{21822F84-8091-49FB-B228-4C998F37CF34}" type="presOf" srcId="{9BA7A115-83B1-444E-A906-4DCACC799B0E}" destId="{1B5FE930-2177-4193-8B43-7D245A7F8895}" srcOrd="0" destOrd="0" presId="urn:microsoft.com/office/officeart/2005/8/layout/chevron2"/>
+    <dgm:cxn modelId="{219DC4C2-1E01-4A22-A518-9003EE4E926B}" type="presOf" srcId="{D0674D44-7384-49E9-A65A-5043DD444CE8}" destId="{32E6BCD8-92F3-4764-B820-CE8BC1D8EF32}" srcOrd="0" destOrd="0" presId="urn:microsoft.com/office/officeart/2005/8/layout/chevron2"/>
+    <dgm:cxn modelId="{CCFAF500-4DEC-447E-A27E-D842A7DBFD52}" type="presOf" srcId="{D2BEA61B-0F77-49B1-8733-EE2F1E1A5623}" destId="{52757299-E38A-466D-A95F-DE2097AA7EBF}" srcOrd="0" destOrd="0" presId="urn:microsoft.com/office/officeart/2005/8/layout/chevron2"/>
     <dgm:cxn modelId="{1E96AD71-5DBE-40DF-97D2-8E8C89286053}" srcId="{D2BEA61B-0F77-49B1-8733-EE2F1E1A5623}" destId="{4C38D18C-4D46-4828-ACF9-1482A5CDB1E6}" srcOrd="0" destOrd="0" parTransId="{1D5FCD33-5432-4A75-97B7-85169D3C0F2B}" sibTransId="{9D1E233D-0070-4E54-A6F6-558E4934BFA0}"/>
-    <dgm:cxn modelId="{004E6927-734B-463D-9C25-3378DDA675F1}" srcId="{DBCED77C-8E4C-4706-9C5A-C3853EA44D7D}" destId="{D2BEA61B-0F77-49B1-8733-EE2F1E1A5623}" srcOrd="2" destOrd="0" parTransId="{5831202E-40BF-4FAD-B8C3-8F3273834FCE}" sibTransId="{7BD04CC6-8749-404D-BF79-9D25FBA8B839}"/>
-    <dgm:cxn modelId="{CCFAF500-4DEC-447E-A27E-D842A7DBFD52}" type="presOf" srcId="{D2BEA61B-0F77-49B1-8733-EE2F1E1A5623}" destId="{52757299-E38A-466D-A95F-DE2097AA7EBF}" srcOrd="0" destOrd="0" presId="urn:microsoft.com/office/officeart/2005/8/layout/chevron2"/>
-    <dgm:cxn modelId="{219DC4C2-1E01-4A22-A518-9003EE4E926B}" type="presOf" srcId="{D0674D44-7384-49E9-A65A-5043DD444CE8}" destId="{32E6BCD8-92F3-4764-B820-CE8BC1D8EF32}" srcOrd="0" destOrd="0" presId="urn:microsoft.com/office/officeart/2005/8/layout/chevron2"/>
-    <dgm:cxn modelId="{21822F84-8091-49FB-B228-4C998F37CF34}" type="presOf" srcId="{9BA7A115-83B1-444E-A906-4DCACC799B0E}" destId="{1B5FE930-2177-4193-8B43-7D245A7F8895}" srcOrd="0" destOrd="0" presId="urn:microsoft.com/office/officeart/2005/8/layout/chevron2"/>
-    <dgm:cxn modelId="{92C65BBD-8D6D-4F50-B0B1-181BA2B8A029}" srcId="{DBCED77C-8E4C-4706-9C5A-C3853EA44D7D}" destId="{A3147626-9DB6-43C6-AC44-80411592D7C0}" srcOrd="3" destOrd="0" parTransId="{4EFD23D8-4D24-45AB-BCB8-DBDE61484242}" sibTransId="{1D1DA405-CA0C-459B-A991-4A44B0CDDF8E}"/>
-    <dgm:cxn modelId="{E7613C24-FFCA-467D-B01D-F551B50FA4C9}" type="presOf" srcId="{A3147626-9DB6-43C6-AC44-80411592D7C0}" destId="{D3EC24C2-9B3F-4B51-BB81-3C93556D8FE5}" srcOrd="0" destOrd="0" presId="urn:microsoft.com/office/officeart/2005/8/layout/chevron2"/>
-    <dgm:cxn modelId="{2BF3B321-9718-4540-BE1C-0EFE1A77E530}" srcId="{DBCED77C-8E4C-4706-9C5A-C3853EA44D7D}" destId="{D0674D44-7384-49E9-A65A-5043DD444CE8}" srcOrd="0" destOrd="0" parTransId="{5157E0D8-4254-4973-BCC3-1AE8FCE2A4CC}" sibTransId="{599F895B-8FE5-4629-A17A-DB0DCE7F8C9B}"/>
-    <dgm:cxn modelId="{EC7E0156-A3B6-4139-BC3D-978FE284DC60}" srcId="{DBCED77C-8E4C-4706-9C5A-C3853EA44D7D}" destId="{7C2503DE-5E55-4B16-B06C-96DE908EFD2A}" srcOrd="4" destOrd="0" parTransId="{B3788178-0DDC-403D-9B07-AC6384FB88C6}" sibTransId="{CA871951-9962-4229-8747-AE10577EA3A7}"/>
-    <dgm:cxn modelId="{E3D657DA-D0EA-43D0-B9E5-842CEEE8729A}" type="presOf" srcId="{454E8231-F3B5-4FD9-BA18-A896C338DE10}" destId="{3C3E10EF-9096-4B3F-99FA-E832CFB72811}" srcOrd="0" destOrd="0" presId="urn:microsoft.com/office/officeart/2005/8/layout/chevron2"/>
-    <dgm:cxn modelId="{5934E398-CA3C-433B-AF90-7BB7D1AC05FD}" srcId="{7C2503DE-5E55-4B16-B06C-96DE908EFD2A}" destId="{DD55E30F-1A95-4609-9E4B-E18013B0E67C}" srcOrd="0" destOrd="0" parTransId="{81C520A6-A51F-46C3-9228-8F7EF01877C9}" sibTransId="{4C202A1F-4E91-4C68-B7EE-D445710675BA}"/>
-    <dgm:cxn modelId="{AE694855-3771-4DB1-8144-B69721A0F332}" srcId="{D0674D44-7384-49E9-A65A-5043DD444CE8}" destId="{454E8231-F3B5-4FD9-BA18-A896C338DE10}" srcOrd="0" destOrd="0" parTransId="{52DE1628-AEFA-48EB-92B6-578B12E329D9}" sibTransId="{6E49F220-521B-4B77-BE85-AA3902B4037B}"/>
-    <dgm:cxn modelId="{FCABCD20-8914-47BC-85E8-49AAFDA8CF37}" srcId="{D0674D44-7384-49E9-A65A-5043DD444CE8}" destId="{B175259C-965E-40A8-9DB7-A95E3129FB91}" srcOrd="1" destOrd="0" parTransId="{E4E806EA-C072-43A1-B3C0-05686691C346}" sibTransId="{C96ACF41-7FED-4B37-89D5-7401395C4769}"/>
-    <dgm:cxn modelId="{C69626A2-F576-47AF-8C8C-972BD53530F4}" type="presOf" srcId="{B175259C-965E-40A8-9DB7-A95E3129FB91}" destId="{3C3E10EF-9096-4B3F-99FA-E832CFB72811}" srcOrd="0" destOrd="1" presId="urn:microsoft.com/office/officeart/2005/8/layout/chevron2"/>
-    <dgm:cxn modelId="{A6306EAC-EDC8-44AB-A555-9790D9DECF4F}" srcId="{0B968BE0-F111-464E-B4BC-7949288BB1DA}" destId="{9BA7A115-83B1-444E-A906-4DCACC799B0E}" srcOrd="0" destOrd="0" parTransId="{D64C776D-6F14-470F-B79F-6512D75C4218}" sibTransId="{F85F5E16-D160-4A97-A596-85BEF28A2C2A}"/>
-    <dgm:cxn modelId="{45EE0CB9-71B0-4E20-9552-08D1FEDF89B1}" srcId="{A3147626-9DB6-43C6-AC44-80411592D7C0}" destId="{310C29DF-64D8-4DF9-B8D5-254C18FAE82B}" srcOrd="0" destOrd="0" parTransId="{7D8B416D-799E-4EF3-A0BE-2F885B36D56B}" sibTransId="{EE7421C0-4B70-4562-8360-DBDE3BB2F576}"/>
-    <dgm:cxn modelId="{6024B2C1-C5FA-43A7-8DCF-7921C4F4990A}" type="presOf" srcId="{310C29DF-64D8-4DF9-B8D5-254C18FAE82B}" destId="{F8989132-3A6C-4C13-AC2B-34B37273F107}" srcOrd="0" destOrd="0" presId="urn:microsoft.com/office/officeart/2005/8/layout/chevron2"/>
     <dgm:cxn modelId="{2494407B-3ABE-4A35-B84E-1EB3E93A4F20}" type="presOf" srcId="{0B968BE0-F111-464E-B4BC-7949288BB1DA}" destId="{4C83529C-A06C-4C56-8900-0000620EFC79}" srcOrd="0" destOrd="0" presId="urn:microsoft.com/office/officeart/2005/8/layout/chevron2"/>
-    <dgm:cxn modelId="{C5210316-2482-4AC6-A085-F267E1ED4F6F}" srcId="{DBCED77C-8E4C-4706-9C5A-C3853EA44D7D}" destId="{0B968BE0-F111-464E-B4BC-7949288BB1DA}" srcOrd="1" destOrd="0" parTransId="{E255D180-B828-42C6-8908-5ADF42E9179C}" sibTransId="{3210210F-3ACD-40E8-A230-127D754C287A}"/>
-    <dgm:cxn modelId="{8C617EAD-2095-4B12-9F8C-8455053CC893}" type="presOf" srcId="{DD55E30F-1A95-4609-9E4B-E18013B0E67C}" destId="{84C8FA36-86FB-4863-A646-57E581B5197C}" srcOrd="0" destOrd="0" presId="urn:microsoft.com/office/officeart/2005/8/layout/chevron2"/>
     <dgm:cxn modelId="{58D951F2-3BD0-450D-9BD0-6358D9A2AFD5}" type="presParOf" srcId="{231424EA-CA34-4A18-B02B-467F92279F0F}" destId="{DA71C15C-DCFF-4D2D-899C-7D0D70D1E27B}" srcOrd="0" destOrd="0" presId="urn:microsoft.com/office/officeart/2005/8/layout/chevron2"/>
     <dgm:cxn modelId="{E6342B10-68D2-487A-93CD-9D7D4E6D97F2}" type="presParOf" srcId="{DA71C15C-DCFF-4D2D-899C-7D0D70D1E27B}" destId="{32E6BCD8-92F3-4764-B820-CE8BC1D8EF32}" srcOrd="0" destOrd="0" presId="urn:microsoft.com/office/officeart/2005/8/layout/chevron2"/>
     <dgm:cxn modelId="{8F1BEA03-2D3B-4DFF-B004-40D6C2CE0190}" type="presParOf" srcId="{DA71C15C-DCFF-4D2D-899C-7D0D70D1E27B}" destId="{3C3E10EF-9096-4B3F-99FA-E832CFB72811}" srcOrd="1" destOrd="0" presId="urn:microsoft.com/office/officeart/2005/8/layout/chevron2"/>
@@ -14834,7 +14838,11 @@
           </a:r>
           <a:r>
             <a:rPr lang="zh-CN" altLang="en-US" sz="900" kern="1200" dirty="0" smtClean="0"/>
-            <a:t>；申请审核；（原稿录单员）</a:t>
+            <a:t>；申请审核；（原稿录单员</a:t>
+          </a:r>
+          <a:r>
+            <a:rPr lang="zh-CN" altLang="en-US" sz="900" kern="1200" dirty="0" smtClean="0"/>
+            <a:t>） （此环节在原稿界面操作）</a:t>
           </a:r>
           <a:endParaRPr lang="zh-CN" altLang="en-US" sz="900" kern="1200" dirty="0"/>
         </a:p>
@@ -14988,7 +14996,15 @@
           </a:pPr>
           <a:r>
             <a:rPr lang="zh-CN" altLang="en-US" sz="900" kern="1200" dirty="0" smtClean="0"/>
-            <a:t>审核（非录单员）；取消申请（录单员）</a:t>
+            <a:t>审核（非录单员）；取消申请（录单员</a:t>
+          </a:r>
+          <a:r>
+            <a:rPr lang="zh-CN" altLang="en-US" sz="900" kern="1200" dirty="0" smtClean="0"/>
+            <a:t>） （此环节在原稿界面</a:t>
+          </a:r>
+          <a:r>
+            <a:rPr lang="zh-CN" altLang="en-US" sz="900" kern="1200" smtClean="0"/>
+            <a:t>操作）</a:t>
           </a:r>
           <a:endParaRPr lang="zh-CN" altLang="en-US" sz="900" kern="1200" dirty="0"/>
         </a:p>
@@ -15142,11 +15158,7 @@
           </a:pPr>
           <a:r>
             <a:rPr lang="zh-CN" altLang="en-US" sz="900" kern="1200" dirty="0" smtClean="0"/>
-            <a:t>回退（审核者）；接</a:t>
-          </a:r>
-          <a:r>
-            <a:rPr lang="zh-CN" altLang="en-US" sz="900" kern="1200" dirty="0" smtClean="0"/>
-            <a:t>单（任何人，接单后成为该订单跟单员）</a:t>
+            <a:t>回退（审核者）；接单（任何人，接单后成为该订单跟单员）</a:t>
           </a:r>
           <a:endParaRPr lang="zh-CN" altLang="en-US" sz="900" kern="1200" dirty="0"/>
         </a:p>
@@ -15304,11 +15316,7 @@
           </a:r>
           <a:r>
             <a:rPr lang="zh-CN" altLang="en-US" sz="900" kern="1200" dirty="0" smtClean="0"/>
-            <a:t>（跟单员）；作废（跟单</a:t>
-          </a:r>
-          <a:r>
-            <a:rPr lang="zh-CN" altLang="en-US" sz="900" kern="1200" dirty="0" smtClean="0"/>
-            <a:t>员，接单后只能作废留档，不给回退删除</a:t>
+            <a:t>（跟单员）；作废（跟单员，接单后只能作废留档，不给回退删除</a:t>
           </a:r>
           <a:r>
             <a:rPr lang="zh-CN" altLang="en-US" sz="900" kern="1200" smtClean="0"/>
@@ -19374,6 +19382,542 @@
       <dsp:cNvGrpSpPr/>
     </dsp:nvGrpSpPr>
     <dsp:grpSpPr/>
+    <dsp:sp modelId="{1A56C11B-120F-44DC-ABBB-2264FB312E10}">
+      <dsp:nvSpPr>
+        <dsp:cNvPr id="0" name=""/>
+        <dsp:cNvSpPr/>
+      </dsp:nvSpPr>
+      <dsp:spPr>
+        <a:xfrm rot="5400000">
+          <a:off x="-245635" y="246082"/>
+          <a:ext cx="1637567" cy="1146297"/>
+        </a:xfrm>
+        <a:prstGeom prst="chevron">
+          <a:avLst/>
+        </a:prstGeom>
+        <a:solidFill>
+          <a:schemeClr val="accent1">
+            <a:hueOff val="0"/>
+            <a:satOff val="0"/>
+            <a:lumOff val="0"/>
+            <a:alphaOff val="0"/>
+          </a:schemeClr>
+        </a:solidFill>
+        <a:ln w="25400" cap="flat" cmpd="sng" algn="ctr">
+          <a:solidFill>
+            <a:schemeClr val="accent1">
+              <a:hueOff val="0"/>
+              <a:satOff val="0"/>
+              <a:lumOff val="0"/>
+              <a:alphaOff val="0"/>
+            </a:schemeClr>
+          </a:solidFill>
+          <a:prstDash val="solid"/>
+        </a:ln>
+        <a:effectLst/>
+      </dsp:spPr>
+      <dsp:style>
+        <a:lnRef idx="2">
+          <a:scrgbClr r="0" g="0" b="0"/>
+        </a:lnRef>
+        <a:fillRef idx="1">
+          <a:scrgbClr r="0" g="0" b="0"/>
+        </a:fillRef>
+        <a:effectRef idx="0">
+          <a:scrgbClr r="0" g="0" b="0"/>
+        </a:effectRef>
+        <a:fontRef idx="minor">
+          <a:schemeClr val="lt1"/>
+        </a:fontRef>
+      </dsp:style>
+      <dsp:txBody>
+        <a:bodyPr spcFirstLastPara="0" vert="horz" wrap="square" lIns="13970" tIns="13970" rIns="13970" bIns="13970" numCol="1" spcCol="1270" anchor="ctr" anchorCtr="0">
+          <a:noAutofit/>
+        </a:bodyPr>
+        <a:lstStyle/>
+        <a:p>
+          <a:pPr lvl="0" algn="ctr" defTabSz="977900">
+            <a:lnSpc>
+              <a:spcPct val="90000"/>
+            </a:lnSpc>
+            <a:spcBef>
+              <a:spcPct val="0"/>
+            </a:spcBef>
+            <a:spcAft>
+              <a:spcPct val="35000"/>
+            </a:spcAft>
+          </a:pPr>
+          <a:r>
+            <a:rPr lang="zh-CN" altLang="en-US" sz="2200" kern="1200" dirty="0" smtClean="0"/>
+            <a:t>制单</a:t>
+          </a:r>
+          <a:endParaRPr lang="zh-CN" altLang="en-US" sz="2200" kern="1200" dirty="0"/>
+        </a:p>
+      </dsp:txBody>
+      <dsp:txXfrm rot="-5400000">
+        <a:off x="1" y="573596"/>
+        <a:ext cx="1146297" cy="491270"/>
+      </dsp:txXfrm>
+    </dsp:sp>
+    <dsp:sp modelId="{2DC0E148-8729-4B3C-BB97-8DC8E3E4A764}">
+      <dsp:nvSpPr>
+        <dsp:cNvPr id="0" name=""/>
+        <dsp:cNvSpPr/>
+      </dsp:nvSpPr>
+      <dsp:spPr>
+        <a:xfrm rot="5400000">
+          <a:off x="4155739" y="-3008994"/>
+          <a:ext cx="1064418" cy="7083302"/>
+        </a:xfrm>
+        <a:prstGeom prst="round2SameRect">
+          <a:avLst/>
+        </a:prstGeom>
+        <a:solidFill>
+          <a:schemeClr val="lt1">
+            <a:alpha val="90000"/>
+            <a:hueOff val="0"/>
+            <a:satOff val="0"/>
+            <a:lumOff val="0"/>
+            <a:alphaOff val="0"/>
+          </a:schemeClr>
+        </a:solidFill>
+        <a:ln w="25400" cap="flat" cmpd="sng" algn="ctr">
+          <a:solidFill>
+            <a:schemeClr val="accent1">
+              <a:hueOff val="0"/>
+              <a:satOff val="0"/>
+              <a:lumOff val="0"/>
+              <a:alphaOff val="0"/>
+            </a:schemeClr>
+          </a:solidFill>
+          <a:prstDash val="solid"/>
+        </a:ln>
+        <a:effectLst/>
+      </dsp:spPr>
+      <dsp:style>
+        <a:lnRef idx="2">
+          <a:scrgbClr r="0" g="0" b="0"/>
+        </a:lnRef>
+        <a:fillRef idx="1">
+          <a:scrgbClr r="0" g="0" b="0"/>
+        </a:fillRef>
+        <a:effectRef idx="0">
+          <a:scrgbClr r="0" g="0" b="0"/>
+        </a:effectRef>
+        <a:fontRef idx="minor"/>
+      </dsp:style>
+      <dsp:txBody>
+        <a:bodyPr spcFirstLastPara="0" vert="horz" wrap="square" lIns="149352" tIns="13335" rIns="13335" bIns="13335" numCol="1" spcCol="1270" anchor="ctr" anchorCtr="0">
+          <a:noAutofit/>
+        </a:bodyPr>
+        <a:lstStyle/>
+        <a:p>
+          <a:pPr marL="228600" lvl="1" indent="-228600" algn="l" defTabSz="933450">
+            <a:lnSpc>
+              <a:spcPct val="90000"/>
+            </a:lnSpc>
+            <a:spcBef>
+              <a:spcPct val="0"/>
+            </a:spcBef>
+            <a:spcAft>
+              <a:spcPct val="15000"/>
+            </a:spcAft>
+            <a:buChar char="••"/>
+          </a:pPr>
+          <a:r>
+            <a:rPr lang="en-US" altLang="zh-CN" sz="2100" kern="1200" dirty="0" smtClean="0"/>
+            <a:t>【</a:t>
+          </a:r>
+          <a:r>
+            <a:rPr lang="zh-CN" altLang="en-US" sz="2100" kern="1200" dirty="0" smtClean="0"/>
+            <a:t>发货单是一种特殊的付款申请</a:t>
+          </a:r>
+          <a:r>
+            <a:rPr lang="en-US" altLang="zh-CN" sz="2100" kern="1200" dirty="0" smtClean="0"/>
+            <a:t>】</a:t>
+          </a:r>
+          <a:endParaRPr lang="zh-CN" altLang="en-US" sz="2100" kern="1200" dirty="0"/>
+        </a:p>
+        <a:p>
+          <a:pPr marL="228600" lvl="1" indent="-228600" algn="l" defTabSz="933450">
+            <a:lnSpc>
+              <a:spcPct val="90000"/>
+            </a:lnSpc>
+            <a:spcBef>
+              <a:spcPct val="0"/>
+            </a:spcBef>
+            <a:spcAft>
+              <a:spcPct val="15000"/>
+            </a:spcAft>
+            <a:buChar char="••"/>
+          </a:pPr>
+          <a:r>
+            <a:rPr lang="zh-CN" altLang="en-US" sz="2100" b="1" kern="1200" dirty="0" smtClean="0"/>
+            <a:t>编辑</a:t>
+          </a:r>
+          <a:r>
+            <a:rPr lang="zh-CN" altLang="en-US" sz="2100" kern="1200" dirty="0" smtClean="0"/>
+            <a:t>（申请者）；删除（申请者）；申请对单（申请者）</a:t>
+          </a:r>
+          <a:endParaRPr lang="zh-CN" altLang="en-US" sz="2100" kern="1200" dirty="0"/>
+        </a:p>
+      </dsp:txBody>
+      <dsp:txXfrm rot="-5400000">
+        <a:off x="1146298" y="52408"/>
+        <a:ext cx="7031341" cy="960496"/>
+      </dsp:txXfrm>
+    </dsp:sp>
+    <dsp:sp modelId="{0B7CDB1D-A607-43C4-BFFA-966742DF3D20}">
+      <dsp:nvSpPr>
+        <dsp:cNvPr id="0" name=""/>
+        <dsp:cNvSpPr/>
+      </dsp:nvSpPr>
+      <dsp:spPr>
+        <a:xfrm rot="5400000">
+          <a:off x="-245635" y="1689832"/>
+          <a:ext cx="1637567" cy="1146297"/>
+        </a:xfrm>
+        <a:prstGeom prst="chevron">
+          <a:avLst/>
+        </a:prstGeom>
+        <a:solidFill>
+          <a:schemeClr val="accent1">
+            <a:hueOff val="0"/>
+            <a:satOff val="0"/>
+            <a:lumOff val="0"/>
+            <a:alphaOff val="0"/>
+          </a:schemeClr>
+        </a:solidFill>
+        <a:ln w="25400" cap="flat" cmpd="sng" algn="ctr">
+          <a:solidFill>
+            <a:schemeClr val="accent1">
+              <a:hueOff val="0"/>
+              <a:satOff val="0"/>
+              <a:lumOff val="0"/>
+              <a:alphaOff val="0"/>
+            </a:schemeClr>
+          </a:solidFill>
+          <a:prstDash val="solid"/>
+        </a:ln>
+        <a:effectLst/>
+      </dsp:spPr>
+      <dsp:style>
+        <a:lnRef idx="2">
+          <a:scrgbClr r="0" g="0" b="0"/>
+        </a:lnRef>
+        <a:fillRef idx="1">
+          <a:scrgbClr r="0" g="0" b="0"/>
+        </a:fillRef>
+        <a:effectRef idx="0">
+          <a:scrgbClr r="0" g="0" b="0"/>
+        </a:effectRef>
+        <a:fontRef idx="minor">
+          <a:schemeClr val="lt1"/>
+        </a:fontRef>
+      </dsp:style>
+      <dsp:txBody>
+        <a:bodyPr spcFirstLastPara="0" vert="horz" wrap="square" lIns="13970" tIns="13970" rIns="13970" bIns="13970" numCol="1" spcCol="1270" anchor="ctr" anchorCtr="0">
+          <a:noAutofit/>
+        </a:bodyPr>
+        <a:lstStyle/>
+        <a:p>
+          <a:pPr lvl="0" algn="ctr" defTabSz="977900">
+            <a:lnSpc>
+              <a:spcPct val="90000"/>
+            </a:lnSpc>
+            <a:spcBef>
+              <a:spcPct val="0"/>
+            </a:spcBef>
+            <a:spcAft>
+              <a:spcPct val="35000"/>
+            </a:spcAft>
+          </a:pPr>
+          <a:r>
+            <a:rPr lang="zh-CN" altLang="en-US" sz="2200" kern="1200" dirty="0" smtClean="0"/>
+            <a:t>申请对单</a:t>
+          </a:r>
+          <a:endParaRPr lang="zh-CN" altLang="en-US" sz="2200" kern="1200" dirty="0"/>
+        </a:p>
+      </dsp:txBody>
+      <dsp:txXfrm rot="-5400000">
+        <a:off x="1" y="2017346"/>
+        <a:ext cx="1146297" cy="491270"/>
+      </dsp:txXfrm>
+    </dsp:sp>
+    <dsp:sp modelId="{9DB632C1-77EB-49F1-98DD-69708217FB50}">
+      <dsp:nvSpPr>
+        <dsp:cNvPr id="0" name=""/>
+        <dsp:cNvSpPr/>
+      </dsp:nvSpPr>
+      <dsp:spPr>
+        <a:xfrm rot="5400000">
+          <a:off x="4155739" y="-1565244"/>
+          <a:ext cx="1064418" cy="7083302"/>
+        </a:xfrm>
+        <a:prstGeom prst="round2SameRect">
+          <a:avLst/>
+        </a:prstGeom>
+        <a:solidFill>
+          <a:schemeClr val="lt1">
+            <a:alpha val="90000"/>
+            <a:hueOff val="0"/>
+            <a:satOff val="0"/>
+            <a:lumOff val="0"/>
+            <a:alphaOff val="0"/>
+          </a:schemeClr>
+        </a:solidFill>
+        <a:ln w="25400" cap="flat" cmpd="sng" algn="ctr">
+          <a:solidFill>
+            <a:schemeClr val="accent1">
+              <a:hueOff val="0"/>
+              <a:satOff val="0"/>
+              <a:lumOff val="0"/>
+              <a:alphaOff val="0"/>
+            </a:schemeClr>
+          </a:solidFill>
+          <a:prstDash val="solid"/>
+        </a:ln>
+        <a:effectLst/>
+      </dsp:spPr>
+      <dsp:style>
+        <a:lnRef idx="2">
+          <a:scrgbClr r="0" g="0" b="0"/>
+        </a:lnRef>
+        <a:fillRef idx="1">
+          <a:scrgbClr r="0" g="0" b="0"/>
+        </a:fillRef>
+        <a:effectRef idx="0">
+          <a:scrgbClr r="0" g="0" b="0"/>
+        </a:effectRef>
+        <a:fontRef idx="minor"/>
+      </dsp:style>
+      <dsp:txBody>
+        <a:bodyPr spcFirstLastPara="0" vert="horz" wrap="square" lIns="149352" tIns="13335" rIns="13335" bIns="13335" numCol="1" spcCol="1270" anchor="ctr" anchorCtr="0">
+          <a:noAutofit/>
+        </a:bodyPr>
+        <a:lstStyle/>
+        <a:p>
+          <a:pPr marL="228600" lvl="1" indent="-228600" algn="l" defTabSz="933450">
+            <a:lnSpc>
+              <a:spcPct val="90000"/>
+            </a:lnSpc>
+            <a:spcBef>
+              <a:spcPct val="0"/>
+            </a:spcBef>
+            <a:spcAft>
+              <a:spcPct val="15000"/>
+            </a:spcAft>
+            <a:buChar char="••"/>
+          </a:pPr>
+          <a:r>
+            <a:rPr lang="zh-CN" altLang="en-US" sz="2100" kern="1200" dirty="0" smtClean="0"/>
+            <a:t>回退（申请者）；对单（非申请者，成为审核者</a:t>
+          </a:r>
+          <a:r>
+            <a:rPr lang="en-US" altLang="zh-CN" sz="2100" kern="1200" dirty="0" smtClean="0"/>
+            <a:t>/</a:t>
+          </a:r>
+          <a:r>
+            <a:rPr lang="zh-CN" altLang="en-US" sz="2100" kern="1200" dirty="0" smtClean="0"/>
+            <a:t>对单者）</a:t>
+          </a:r>
+          <a:endParaRPr lang="zh-CN" altLang="en-US" sz="2100" kern="1200" dirty="0"/>
+        </a:p>
+      </dsp:txBody>
+      <dsp:txXfrm rot="-5400000">
+        <a:off x="1146298" y="1496158"/>
+        <a:ext cx="7031341" cy="960496"/>
+      </dsp:txXfrm>
+    </dsp:sp>
+    <dsp:sp modelId="{C44D64A3-4424-4FCE-B5EE-C4DADEBC8A39}">
+      <dsp:nvSpPr>
+        <dsp:cNvPr id="0" name=""/>
+        <dsp:cNvSpPr/>
+      </dsp:nvSpPr>
+      <dsp:spPr>
+        <a:xfrm rot="5400000">
+          <a:off x="-245635" y="3133582"/>
+          <a:ext cx="1637567" cy="1146297"/>
+        </a:xfrm>
+        <a:prstGeom prst="chevron">
+          <a:avLst/>
+        </a:prstGeom>
+        <a:solidFill>
+          <a:schemeClr val="accent1">
+            <a:hueOff val="0"/>
+            <a:satOff val="0"/>
+            <a:lumOff val="0"/>
+            <a:alphaOff val="0"/>
+          </a:schemeClr>
+        </a:solidFill>
+        <a:ln w="25400" cap="flat" cmpd="sng" algn="ctr">
+          <a:solidFill>
+            <a:schemeClr val="accent1">
+              <a:hueOff val="0"/>
+              <a:satOff val="0"/>
+              <a:lumOff val="0"/>
+              <a:alphaOff val="0"/>
+            </a:schemeClr>
+          </a:solidFill>
+          <a:prstDash val="solid"/>
+        </a:ln>
+        <a:effectLst/>
+      </dsp:spPr>
+      <dsp:style>
+        <a:lnRef idx="2">
+          <a:scrgbClr r="0" g="0" b="0"/>
+        </a:lnRef>
+        <a:fillRef idx="1">
+          <a:scrgbClr r="0" g="0" b="0"/>
+        </a:fillRef>
+        <a:effectRef idx="0">
+          <a:scrgbClr r="0" g="0" b="0"/>
+        </a:effectRef>
+        <a:fontRef idx="minor">
+          <a:schemeClr val="lt1"/>
+        </a:fontRef>
+      </dsp:style>
+      <dsp:txBody>
+        <a:bodyPr spcFirstLastPara="0" vert="horz" wrap="square" lIns="13970" tIns="13970" rIns="13970" bIns="13970" numCol="1" spcCol="1270" anchor="ctr" anchorCtr="0">
+          <a:noAutofit/>
+        </a:bodyPr>
+        <a:lstStyle/>
+        <a:p>
+          <a:pPr lvl="0" algn="ctr" defTabSz="977900">
+            <a:lnSpc>
+              <a:spcPct val="90000"/>
+            </a:lnSpc>
+            <a:spcBef>
+              <a:spcPct val="0"/>
+            </a:spcBef>
+            <a:spcAft>
+              <a:spcPct val="35000"/>
+            </a:spcAft>
+          </a:pPr>
+          <a:r>
+            <a:rPr lang="zh-CN" altLang="en-US" sz="2200" kern="1200" dirty="0" smtClean="0"/>
+            <a:t>对单</a:t>
+          </a:r>
+          <a:endParaRPr lang="zh-CN" altLang="en-US" sz="2200" kern="1200" dirty="0"/>
+        </a:p>
+      </dsp:txBody>
+      <dsp:txXfrm rot="-5400000">
+        <a:off x="1" y="3461096"/>
+        <a:ext cx="1146297" cy="491270"/>
+      </dsp:txXfrm>
+    </dsp:sp>
+    <dsp:sp modelId="{669B75D0-9CBB-4862-9606-FA40159A5949}">
+      <dsp:nvSpPr>
+        <dsp:cNvPr id="0" name=""/>
+        <dsp:cNvSpPr/>
+      </dsp:nvSpPr>
+      <dsp:spPr>
+        <a:xfrm rot="5400000">
+          <a:off x="4155739" y="-121494"/>
+          <a:ext cx="1064418" cy="7083302"/>
+        </a:xfrm>
+        <a:prstGeom prst="round2SameRect">
+          <a:avLst/>
+        </a:prstGeom>
+        <a:solidFill>
+          <a:schemeClr val="lt1">
+            <a:alpha val="90000"/>
+            <a:hueOff val="0"/>
+            <a:satOff val="0"/>
+            <a:lumOff val="0"/>
+            <a:alphaOff val="0"/>
+          </a:schemeClr>
+        </a:solidFill>
+        <a:ln w="25400" cap="flat" cmpd="sng" algn="ctr">
+          <a:solidFill>
+            <a:schemeClr val="accent1">
+              <a:hueOff val="0"/>
+              <a:satOff val="0"/>
+              <a:lumOff val="0"/>
+              <a:alphaOff val="0"/>
+            </a:schemeClr>
+          </a:solidFill>
+          <a:prstDash val="solid"/>
+        </a:ln>
+        <a:effectLst/>
+      </dsp:spPr>
+      <dsp:style>
+        <a:lnRef idx="2">
+          <a:scrgbClr r="0" g="0" b="0"/>
+        </a:lnRef>
+        <a:fillRef idx="1">
+          <a:scrgbClr r="0" g="0" b="0"/>
+        </a:fillRef>
+        <a:effectRef idx="0">
+          <a:scrgbClr r="0" g="0" b="0"/>
+        </a:effectRef>
+        <a:fontRef idx="minor"/>
+      </dsp:style>
+      <dsp:txBody>
+        <a:bodyPr spcFirstLastPara="0" vert="horz" wrap="square" lIns="149352" tIns="13335" rIns="13335" bIns="13335" numCol="1" spcCol="1270" anchor="ctr" anchorCtr="0">
+          <a:noAutofit/>
+        </a:bodyPr>
+        <a:lstStyle/>
+        <a:p>
+          <a:pPr marL="228600" lvl="1" indent="-228600" algn="l" defTabSz="933450">
+            <a:lnSpc>
+              <a:spcPct val="90000"/>
+            </a:lnSpc>
+            <a:spcBef>
+              <a:spcPct val="0"/>
+            </a:spcBef>
+            <a:spcAft>
+              <a:spcPct val="15000"/>
+            </a:spcAft>
+            <a:buChar char="••"/>
+          </a:pPr>
+          <a:r>
+            <a:rPr lang="en-US" altLang="zh-CN" sz="2100" kern="1200" dirty="0" smtClean="0"/>
+            <a:t>【</a:t>
+          </a:r>
+          <a:r>
+            <a:rPr lang="zh-CN" altLang="en-US" sz="2100" kern="1200" dirty="0" smtClean="0"/>
+            <a:t>对单后就可以“记账”</a:t>
+          </a:r>
+          <a:r>
+            <a:rPr lang="en-US" altLang="zh-CN" sz="2100" kern="1200" dirty="0" smtClean="0"/>
+            <a:t>-&gt;</a:t>
+          </a:r>
+          <a:r>
+            <a:rPr lang="zh-CN" altLang="en-US" sz="2100" kern="1200" dirty="0" smtClean="0"/>
+            <a:t>“付款”</a:t>
+          </a:r>
+          <a:r>
+            <a:rPr lang="en-US" altLang="zh-CN" sz="2100" kern="1200" dirty="0" smtClean="0"/>
+            <a:t>】</a:t>
+          </a:r>
+          <a:endParaRPr lang="zh-CN" altLang="en-US" sz="2100" kern="1200" dirty="0"/>
+        </a:p>
+        <a:p>
+          <a:pPr marL="228600" lvl="1" indent="-228600" algn="l" defTabSz="933450">
+            <a:lnSpc>
+              <a:spcPct val="90000"/>
+            </a:lnSpc>
+            <a:spcBef>
+              <a:spcPct val="0"/>
+            </a:spcBef>
+            <a:spcAft>
+              <a:spcPct val="15000"/>
+            </a:spcAft>
+            <a:buChar char="••"/>
+          </a:pPr>
+          <a:r>
+            <a:rPr lang="zh-CN" altLang="en-US" sz="2100" kern="1200" dirty="0" smtClean="0"/>
+            <a:t>回退（审核者，必须还没记账）</a:t>
+          </a:r>
+          <a:endParaRPr lang="zh-CN" altLang="en-US" sz="2100" kern="1200" dirty="0"/>
+        </a:p>
+      </dsp:txBody>
+      <dsp:txXfrm rot="-5400000">
+        <a:off x="1146298" y="2939908"/>
+        <a:ext cx="7031341" cy="960496"/>
+      </dsp:txXfrm>
+    </dsp:sp>
   </dsp:spTree>
 </dsp:drawing>
 </file>
@@ -19386,6 +19930,815 @@
       <dsp:cNvGrpSpPr/>
     </dsp:nvGrpSpPr>
     <dsp:grpSpPr/>
+    <dsp:sp modelId="{32E6BCD8-92F3-4764-B820-CE8BC1D8EF32}">
+      <dsp:nvSpPr>
+        <dsp:cNvPr id="0" name=""/>
+        <dsp:cNvSpPr/>
+      </dsp:nvSpPr>
+      <dsp:spPr>
+        <a:xfrm rot="5400000">
+          <a:off x="-149834" y="152032"/>
+          <a:ext cx="998894" cy="699225"/>
+        </a:xfrm>
+        <a:prstGeom prst="chevron">
+          <a:avLst/>
+        </a:prstGeom>
+        <a:solidFill>
+          <a:schemeClr val="accent1">
+            <a:hueOff val="0"/>
+            <a:satOff val="0"/>
+            <a:lumOff val="0"/>
+            <a:alphaOff val="0"/>
+          </a:schemeClr>
+        </a:solidFill>
+        <a:ln w="25400" cap="flat" cmpd="sng" algn="ctr">
+          <a:solidFill>
+            <a:schemeClr val="accent1">
+              <a:hueOff val="0"/>
+              <a:satOff val="0"/>
+              <a:lumOff val="0"/>
+              <a:alphaOff val="0"/>
+            </a:schemeClr>
+          </a:solidFill>
+          <a:prstDash val="solid"/>
+        </a:ln>
+        <a:effectLst/>
+      </dsp:spPr>
+      <dsp:style>
+        <a:lnRef idx="2">
+          <a:scrgbClr r="0" g="0" b="0"/>
+        </a:lnRef>
+        <a:fillRef idx="1">
+          <a:scrgbClr r="0" g="0" b="0"/>
+        </a:fillRef>
+        <a:effectRef idx="0">
+          <a:scrgbClr r="0" g="0" b="0"/>
+        </a:effectRef>
+        <a:fontRef idx="minor">
+          <a:schemeClr val="lt1"/>
+        </a:fontRef>
+      </dsp:style>
+      <dsp:txBody>
+        <a:bodyPr spcFirstLastPara="0" vert="horz" wrap="square" lIns="8255" tIns="8255" rIns="8255" bIns="8255" numCol="1" spcCol="1270" anchor="ctr" anchorCtr="0">
+          <a:noAutofit/>
+        </a:bodyPr>
+        <a:lstStyle/>
+        <a:p>
+          <a:pPr lvl="0" algn="ctr" defTabSz="577850">
+            <a:lnSpc>
+              <a:spcPct val="90000"/>
+            </a:lnSpc>
+            <a:spcBef>
+              <a:spcPct val="0"/>
+            </a:spcBef>
+            <a:spcAft>
+              <a:spcPct val="35000"/>
+            </a:spcAft>
+          </a:pPr>
+          <a:r>
+            <a:rPr lang="zh-CN" altLang="en-US" sz="1300" kern="1200" dirty="0" smtClean="0"/>
+            <a:t>记账</a:t>
+          </a:r>
+          <a:endParaRPr lang="zh-CN" altLang="en-US" sz="1300" kern="1200" dirty="0"/>
+        </a:p>
+      </dsp:txBody>
+      <dsp:txXfrm rot="-5400000">
+        <a:off x="1" y="351811"/>
+        <a:ext cx="699225" cy="299669"/>
+      </dsp:txXfrm>
+    </dsp:sp>
+    <dsp:sp modelId="{3C3E10EF-9096-4B3F-99FA-E832CFB72811}">
+      <dsp:nvSpPr>
+        <dsp:cNvPr id="0" name=""/>
+        <dsp:cNvSpPr/>
+      </dsp:nvSpPr>
+      <dsp:spPr>
+        <a:xfrm rot="5400000">
+          <a:off x="4139772" y="-3438347"/>
+          <a:ext cx="649281" cy="7530374"/>
+        </a:xfrm>
+        <a:prstGeom prst="round2SameRect">
+          <a:avLst/>
+        </a:prstGeom>
+        <a:solidFill>
+          <a:schemeClr val="lt1">
+            <a:alpha val="90000"/>
+            <a:hueOff val="0"/>
+            <a:satOff val="0"/>
+            <a:lumOff val="0"/>
+            <a:alphaOff val="0"/>
+          </a:schemeClr>
+        </a:solidFill>
+        <a:ln w="25400" cap="flat" cmpd="sng" algn="ctr">
+          <a:solidFill>
+            <a:schemeClr val="accent1">
+              <a:hueOff val="0"/>
+              <a:satOff val="0"/>
+              <a:lumOff val="0"/>
+              <a:alphaOff val="0"/>
+            </a:schemeClr>
+          </a:solidFill>
+          <a:prstDash val="solid"/>
+        </a:ln>
+        <a:effectLst/>
+      </dsp:spPr>
+      <dsp:style>
+        <a:lnRef idx="2">
+          <a:scrgbClr r="0" g="0" b="0"/>
+        </a:lnRef>
+        <a:fillRef idx="1">
+          <a:scrgbClr r="0" g="0" b="0"/>
+        </a:fillRef>
+        <a:effectRef idx="0">
+          <a:scrgbClr r="0" g="0" b="0"/>
+        </a:effectRef>
+        <a:fontRef idx="minor"/>
+      </dsp:style>
+      <dsp:txBody>
+        <a:bodyPr spcFirstLastPara="0" vert="horz" wrap="square" lIns="113792" tIns="10160" rIns="10160" bIns="10160" numCol="1" spcCol="1270" anchor="ctr" anchorCtr="0">
+          <a:noAutofit/>
+        </a:bodyPr>
+        <a:lstStyle/>
+        <a:p>
+          <a:pPr marL="171450" lvl="1" indent="-171450" algn="l" defTabSz="711200">
+            <a:lnSpc>
+              <a:spcPct val="90000"/>
+            </a:lnSpc>
+            <a:spcBef>
+              <a:spcPct val="0"/>
+            </a:spcBef>
+            <a:spcAft>
+              <a:spcPct val="15000"/>
+            </a:spcAft>
+            <a:buChar char="••"/>
+          </a:pPr>
+          <a:r>
+            <a:rPr lang="en-US" altLang="zh-CN" sz="1600" kern="1200" dirty="0" smtClean="0"/>
+            <a:t>【</a:t>
+          </a:r>
+          <a:r>
+            <a:rPr lang="zh-CN" altLang="en-US" sz="1600" kern="1200" dirty="0" smtClean="0"/>
+            <a:t>记账人可以凭空建一个流水账，也可以利用已对单的付款申请</a:t>
+          </a:r>
+          <a:r>
+            <a:rPr lang="en-US" altLang="zh-CN" sz="1600" kern="1200" dirty="0" smtClean="0"/>
+            <a:t>/</a:t>
+          </a:r>
+          <a:r>
+            <a:rPr lang="zh-CN" altLang="en-US" sz="1600" kern="1200" smtClean="0"/>
+            <a:t>发货单建流水账</a:t>
+          </a:r>
+          <a:r>
+            <a:rPr lang="en-US" altLang="zh-CN" sz="1600" kern="1200" dirty="0" smtClean="0"/>
+            <a:t>】</a:t>
+          </a:r>
+          <a:endParaRPr lang="zh-CN" altLang="en-US" sz="1600" kern="1200" dirty="0"/>
+        </a:p>
+        <a:p>
+          <a:pPr marL="171450" lvl="1" indent="-171450" algn="l" defTabSz="711200">
+            <a:lnSpc>
+              <a:spcPct val="90000"/>
+            </a:lnSpc>
+            <a:spcBef>
+              <a:spcPct val="0"/>
+            </a:spcBef>
+            <a:spcAft>
+              <a:spcPct val="15000"/>
+            </a:spcAft>
+            <a:buChar char="••"/>
+          </a:pPr>
+          <a:r>
+            <a:rPr lang="zh-CN" altLang="en-US" sz="1600" b="1" kern="1200" dirty="0" smtClean="0"/>
+            <a:t>编辑</a:t>
+          </a:r>
+          <a:r>
+            <a:rPr lang="zh-CN" altLang="en-US" sz="1600" kern="1200" dirty="0" smtClean="0"/>
+            <a:t>（记账人）；删除（记账人）；付款（记账人）</a:t>
+          </a:r>
+          <a:endParaRPr lang="zh-CN" altLang="en-US" sz="1600" kern="1200" dirty="0"/>
+        </a:p>
+      </dsp:txBody>
+      <dsp:txXfrm rot="-5400000">
+        <a:off x="699226" y="33894"/>
+        <a:ext cx="7498679" cy="585891"/>
+      </dsp:txXfrm>
+    </dsp:sp>
+    <dsp:sp modelId="{4C83529C-A06C-4C56-8900-0000620EFC79}">
+      <dsp:nvSpPr>
+        <dsp:cNvPr id="0" name=""/>
+        <dsp:cNvSpPr/>
+      </dsp:nvSpPr>
+      <dsp:spPr>
+        <a:xfrm rot="5400000">
+          <a:off x="-149834" y="1032700"/>
+          <a:ext cx="998894" cy="699225"/>
+        </a:xfrm>
+        <a:prstGeom prst="chevron">
+          <a:avLst/>
+        </a:prstGeom>
+        <a:solidFill>
+          <a:schemeClr val="accent1">
+            <a:hueOff val="0"/>
+            <a:satOff val="0"/>
+            <a:lumOff val="0"/>
+            <a:alphaOff val="0"/>
+          </a:schemeClr>
+        </a:solidFill>
+        <a:ln w="25400" cap="flat" cmpd="sng" algn="ctr">
+          <a:solidFill>
+            <a:schemeClr val="accent1">
+              <a:hueOff val="0"/>
+              <a:satOff val="0"/>
+              <a:lumOff val="0"/>
+              <a:alphaOff val="0"/>
+            </a:schemeClr>
+          </a:solidFill>
+          <a:prstDash val="solid"/>
+        </a:ln>
+        <a:effectLst/>
+      </dsp:spPr>
+      <dsp:style>
+        <a:lnRef idx="2">
+          <a:scrgbClr r="0" g="0" b="0"/>
+        </a:lnRef>
+        <a:fillRef idx="1">
+          <a:scrgbClr r="0" g="0" b="0"/>
+        </a:fillRef>
+        <a:effectRef idx="0">
+          <a:scrgbClr r="0" g="0" b="0"/>
+        </a:effectRef>
+        <a:fontRef idx="minor">
+          <a:schemeClr val="lt1"/>
+        </a:fontRef>
+      </dsp:style>
+      <dsp:txBody>
+        <a:bodyPr spcFirstLastPara="0" vert="horz" wrap="square" lIns="8255" tIns="8255" rIns="8255" bIns="8255" numCol="1" spcCol="1270" anchor="ctr" anchorCtr="0">
+          <a:noAutofit/>
+        </a:bodyPr>
+        <a:lstStyle/>
+        <a:p>
+          <a:pPr lvl="0" algn="ctr" defTabSz="577850">
+            <a:lnSpc>
+              <a:spcPct val="90000"/>
+            </a:lnSpc>
+            <a:spcBef>
+              <a:spcPct val="0"/>
+            </a:spcBef>
+            <a:spcAft>
+              <a:spcPct val="35000"/>
+            </a:spcAft>
+          </a:pPr>
+          <a:r>
+            <a:rPr lang="zh-CN" altLang="en-US" sz="1300" kern="1200" dirty="0" smtClean="0"/>
+            <a:t>付款</a:t>
+          </a:r>
+          <a:endParaRPr lang="zh-CN" altLang="en-US" sz="1300" kern="1200" dirty="0"/>
+        </a:p>
+      </dsp:txBody>
+      <dsp:txXfrm rot="-5400000">
+        <a:off x="1" y="1232479"/>
+        <a:ext cx="699225" cy="299669"/>
+      </dsp:txXfrm>
+    </dsp:sp>
+    <dsp:sp modelId="{1B5FE930-2177-4193-8B43-7D245A7F8895}">
+      <dsp:nvSpPr>
+        <dsp:cNvPr id="0" name=""/>
+        <dsp:cNvSpPr/>
+      </dsp:nvSpPr>
+      <dsp:spPr>
+        <a:xfrm rot="5400000">
+          <a:off x="4151783" y="-2545668"/>
+          <a:ext cx="649281" cy="7506352"/>
+        </a:xfrm>
+        <a:prstGeom prst="round2SameRect">
+          <a:avLst/>
+        </a:prstGeom>
+        <a:solidFill>
+          <a:schemeClr val="lt1">
+            <a:alpha val="90000"/>
+            <a:hueOff val="0"/>
+            <a:satOff val="0"/>
+            <a:lumOff val="0"/>
+            <a:alphaOff val="0"/>
+          </a:schemeClr>
+        </a:solidFill>
+        <a:ln w="25400" cap="flat" cmpd="sng" algn="ctr">
+          <a:solidFill>
+            <a:schemeClr val="accent1">
+              <a:hueOff val="0"/>
+              <a:satOff val="0"/>
+              <a:lumOff val="0"/>
+              <a:alphaOff val="0"/>
+            </a:schemeClr>
+          </a:solidFill>
+          <a:prstDash val="solid"/>
+        </a:ln>
+        <a:effectLst/>
+      </dsp:spPr>
+      <dsp:style>
+        <a:lnRef idx="2">
+          <a:scrgbClr r="0" g="0" b="0"/>
+        </a:lnRef>
+        <a:fillRef idx="1">
+          <a:scrgbClr r="0" g="0" b="0"/>
+        </a:fillRef>
+        <a:effectRef idx="0">
+          <a:scrgbClr r="0" g="0" b="0"/>
+        </a:effectRef>
+        <a:fontRef idx="minor"/>
+      </dsp:style>
+      <dsp:txBody>
+        <a:bodyPr spcFirstLastPara="0" vert="horz" wrap="square" lIns="113792" tIns="10160" rIns="10160" bIns="10160" numCol="1" spcCol="1270" anchor="ctr" anchorCtr="0">
+          <a:noAutofit/>
+        </a:bodyPr>
+        <a:lstStyle/>
+        <a:p>
+          <a:pPr marL="171450" lvl="1" indent="-171450" algn="l" defTabSz="711200">
+            <a:lnSpc>
+              <a:spcPct val="90000"/>
+            </a:lnSpc>
+            <a:spcBef>
+              <a:spcPct val="0"/>
+            </a:spcBef>
+            <a:spcAft>
+              <a:spcPct val="15000"/>
+            </a:spcAft>
+            <a:buChar char="••"/>
+          </a:pPr>
+          <a:r>
+            <a:rPr lang="zh-CN" altLang="en-US" sz="1600" kern="1200" dirty="0" smtClean="0"/>
+            <a:t>作废（记账人，一旦标识为付款就不能删除，只能作废留档）；申请复核（记账人）</a:t>
+          </a:r>
+          <a:endParaRPr lang="zh-CN" altLang="en-US" sz="1600" kern="1200" dirty="0"/>
+        </a:p>
+      </dsp:txBody>
+      <dsp:txXfrm rot="-5400000">
+        <a:off x="723248" y="914562"/>
+        <a:ext cx="7474657" cy="585891"/>
+      </dsp:txXfrm>
+    </dsp:sp>
+    <dsp:sp modelId="{52757299-E38A-466D-A95F-DE2097AA7EBF}">
+      <dsp:nvSpPr>
+        <dsp:cNvPr id="0" name=""/>
+        <dsp:cNvSpPr/>
+      </dsp:nvSpPr>
+      <dsp:spPr>
+        <a:xfrm rot="5400000">
+          <a:off x="2905699" y="1762615"/>
+          <a:ext cx="998894" cy="699225"/>
+        </a:xfrm>
+        <a:prstGeom prst="chevron">
+          <a:avLst/>
+        </a:prstGeom>
+        <a:solidFill>
+          <a:schemeClr val="accent1">
+            <a:hueOff val="0"/>
+            <a:satOff val="0"/>
+            <a:lumOff val="0"/>
+            <a:alphaOff val="0"/>
+          </a:schemeClr>
+        </a:solidFill>
+        <a:ln w="25400" cap="flat" cmpd="sng" algn="ctr">
+          <a:solidFill>
+            <a:schemeClr val="accent1">
+              <a:hueOff val="0"/>
+              <a:satOff val="0"/>
+              <a:lumOff val="0"/>
+              <a:alphaOff val="0"/>
+            </a:schemeClr>
+          </a:solidFill>
+          <a:prstDash val="solid"/>
+        </a:ln>
+        <a:effectLst/>
+      </dsp:spPr>
+      <dsp:style>
+        <a:lnRef idx="2">
+          <a:scrgbClr r="0" g="0" b="0"/>
+        </a:lnRef>
+        <a:fillRef idx="1">
+          <a:scrgbClr r="0" g="0" b="0"/>
+        </a:fillRef>
+        <a:effectRef idx="0">
+          <a:scrgbClr r="0" g="0" b="0"/>
+        </a:effectRef>
+        <a:fontRef idx="minor">
+          <a:schemeClr val="lt1"/>
+        </a:fontRef>
+      </dsp:style>
+      <dsp:txBody>
+        <a:bodyPr spcFirstLastPara="0" vert="horz" wrap="square" lIns="8255" tIns="8255" rIns="8255" bIns="8255" numCol="1" spcCol="1270" anchor="ctr" anchorCtr="0">
+          <a:noAutofit/>
+        </a:bodyPr>
+        <a:lstStyle/>
+        <a:p>
+          <a:pPr lvl="0" algn="ctr" defTabSz="577850">
+            <a:lnSpc>
+              <a:spcPct val="90000"/>
+            </a:lnSpc>
+            <a:spcBef>
+              <a:spcPct val="0"/>
+            </a:spcBef>
+            <a:spcAft>
+              <a:spcPct val="35000"/>
+            </a:spcAft>
+          </a:pPr>
+          <a:r>
+            <a:rPr lang="zh-CN" altLang="en-US" sz="1300" kern="1200" dirty="0" smtClean="0"/>
+            <a:t>作废</a:t>
+          </a:r>
+          <a:endParaRPr lang="zh-CN" altLang="en-US" sz="1300" kern="1200" dirty="0"/>
+        </a:p>
+      </dsp:txBody>
+      <dsp:txXfrm rot="-5400000">
+        <a:off x="3055534" y="1962394"/>
+        <a:ext cx="699225" cy="299669"/>
+      </dsp:txXfrm>
+    </dsp:sp>
+    <dsp:sp modelId="{4B25B2FD-61FC-4767-82D8-E4AA1074323B}">
+      <dsp:nvSpPr>
+        <dsp:cNvPr id="0" name=""/>
+        <dsp:cNvSpPr/>
+      </dsp:nvSpPr>
+      <dsp:spPr>
+        <a:xfrm rot="5400000">
+          <a:off x="5672780" y="-284418"/>
+          <a:ext cx="649281" cy="4443673"/>
+        </a:xfrm>
+        <a:prstGeom prst="round2SameRect">
+          <a:avLst/>
+        </a:prstGeom>
+        <a:solidFill>
+          <a:schemeClr val="lt1">
+            <a:alpha val="90000"/>
+            <a:hueOff val="0"/>
+            <a:satOff val="0"/>
+            <a:lumOff val="0"/>
+            <a:alphaOff val="0"/>
+          </a:schemeClr>
+        </a:solidFill>
+        <a:ln w="25400" cap="flat" cmpd="sng" algn="ctr">
+          <a:solidFill>
+            <a:schemeClr val="accent1">
+              <a:hueOff val="0"/>
+              <a:satOff val="0"/>
+              <a:lumOff val="0"/>
+              <a:alphaOff val="0"/>
+            </a:schemeClr>
+          </a:solidFill>
+          <a:prstDash val="solid"/>
+        </a:ln>
+        <a:effectLst/>
+      </dsp:spPr>
+      <dsp:style>
+        <a:lnRef idx="2">
+          <a:scrgbClr r="0" g="0" b="0"/>
+        </a:lnRef>
+        <a:fillRef idx="1">
+          <a:scrgbClr r="0" g="0" b="0"/>
+        </a:fillRef>
+        <a:effectRef idx="0">
+          <a:scrgbClr r="0" g="0" b="0"/>
+        </a:effectRef>
+        <a:fontRef idx="minor"/>
+      </dsp:style>
+      <dsp:txBody>
+        <a:bodyPr spcFirstLastPara="0" vert="horz" wrap="square" lIns="113792" tIns="10160" rIns="10160" bIns="10160" numCol="1" spcCol="1270" anchor="ctr" anchorCtr="0">
+          <a:noAutofit/>
+        </a:bodyPr>
+        <a:lstStyle/>
+        <a:p>
+          <a:pPr marL="171450" lvl="1" indent="-171450" algn="l" defTabSz="711200">
+            <a:lnSpc>
+              <a:spcPct val="90000"/>
+            </a:lnSpc>
+            <a:spcBef>
+              <a:spcPct val="0"/>
+            </a:spcBef>
+            <a:spcAft>
+              <a:spcPct val="15000"/>
+            </a:spcAft>
+            <a:buChar char="••"/>
+          </a:pPr>
+          <a:r>
+            <a:rPr lang="zh-CN" altLang="en-US" sz="1600" kern="1200" dirty="0" smtClean="0"/>
+            <a:t>回退（记账人）；申请复核（记账人）</a:t>
+          </a:r>
+          <a:endParaRPr lang="zh-CN" altLang="en-US" sz="1600" kern="1200" dirty="0"/>
+        </a:p>
+      </dsp:txBody>
+      <dsp:txXfrm rot="-5400000">
+        <a:off x="3775585" y="1644472"/>
+        <a:ext cx="4411978" cy="585891"/>
+      </dsp:txXfrm>
+    </dsp:sp>
+    <dsp:sp modelId="{D3EC24C2-9B3F-4B51-BB81-3C93556D8FE5}">
+      <dsp:nvSpPr>
+        <dsp:cNvPr id="0" name=""/>
+        <dsp:cNvSpPr/>
+      </dsp:nvSpPr>
+      <dsp:spPr>
+        <a:xfrm rot="5400000">
+          <a:off x="-149834" y="2794036"/>
+          <a:ext cx="998894" cy="699225"/>
+        </a:xfrm>
+        <a:prstGeom prst="chevron">
+          <a:avLst/>
+        </a:prstGeom>
+        <a:solidFill>
+          <a:schemeClr val="accent1">
+            <a:hueOff val="0"/>
+            <a:satOff val="0"/>
+            <a:lumOff val="0"/>
+            <a:alphaOff val="0"/>
+          </a:schemeClr>
+        </a:solidFill>
+        <a:ln w="25400" cap="flat" cmpd="sng" algn="ctr">
+          <a:solidFill>
+            <a:schemeClr val="accent1">
+              <a:hueOff val="0"/>
+              <a:satOff val="0"/>
+              <a:lumOff val="0"/>
+              <a:alphaOff val="0"/>
+            </a:schemeClr>
+          </a:solidFill>
+          <a:prstDash val="solid"/>
+        </a:ln>
+        <a:effectLst/>
+      </dsp:spPr>
+      <dsp:style>
+        <a:lnRef idx="2">
+          <a:scrgbClr r="0" g="0" b="0"/>
+        </a:lnRef>
+        <a:fillRef idx="1">
+          <a:scrgbClr r="0" g="0" b="0"/>
+        </a:fillRef>
+        <a:effectRef idx="0">
+          <a:scrgbClr r="0" g="0" b="0"/>
+        </a:effectRef>
+        <a:fontRef idx="minor">
+          <a:schemeClr val="lt1"/>
+        </a:fontRef>
+      </dsp:style>
+      <dsp:txBody>
+        <a:bodyPr spcFirstLastPara="0" vert="horz" wrap="square" lIns="8255" tIns="8255" rIns="8255" bIns="8255" numCol="1" spcCol="1270" anchor="ctr" anchorCtr="0">
+          <a:noAutofit/>
+        </a:bodyPr>
+        <a:lstStyle/>
+        <a:p>
+          <a:pPr lvl="0" algn="ctr" defTabSz="577850">
+            <a:lnSpc>
+              <a:spcPct val="90000"/>
+            </a:lnSpc>
+            <a:spcBef>
+              <a:spcPct val="0"/>
+            </a:spcBef>
+            <a:spcAft>
+              <a:spcPct val="35000"/>
+            </a:spcAft>
+          </a:pPr>
+          <a:r>
+            <a:rPr lang="zh-CN" altLang="en-US" sz="1300" kern="1200" dirty="0" smtClean="0"/>
+            <a:t>申请复核</a:t>
+          </a:r>
+          <a:endParaRPr lang="zh-CN" altLang="en-US" sz="1300" kern="1200" dirty="0"/>
+        </a:p>
+      </dsp:txBody>
+      <dsp:txXfrm rot="-5400000">
+        <a:off x="1" y="2993815"/>
+        <a:ext cx="699225" cy="299669"/>
+      </dsp:txXfrm>
+    </dsp:sp>
+    <dsp:sp modelId="{F8989132-3A6C-4C13-AC2B-34B37273F107}">
+      <dsp:nvSpPr>
+        <dsp:cNvPr id="0" name=""/>
+        <dsp:cNvSpPr/>
+      </dsp:nvSpPr>
+      <dsp:spPr>
+        <a:xfrm rot="5400000">
+          <a:off x="4139772" y="-796344"/>
+          <a:ext cx="649281" cy="7530374"/>
+        </a:xfrm>
+        <a:prstGeom prst="round2SameRect">
+          <a:avLst/>
+        </a:prstGeom>
+        <a:solidFill>
+          <a:schemeClr val="lt1">
+            <a:alpha val="90000"/>
+            <a:hueOff val="0"/>
+            <a:satOff val="0"/>
+            <a:lumOff val="0"/>
+            <a:alphaOff val="0"/>
+          </a:schemeClr>
+        </a:solidFill>
+        <a:ln w="25400" cap="flat" cmpd="sng" algn="ctr">
+          <a:solidFill>
+            <a:schemeClr val="accent1">
+              <a:hueOff val="0"/>
+              <a:satOff val="0"/>
+              <a:lumOff val="0"/>
+              <a:alphaOff val="0"/>
+            </a:schemeClr>
+          </a:solidFill>
+          <a:prstDash val="solid"/>
+        </a:ln>
+        <a:effectLst/>
+      </dsp:spPr>
+      <dsp:style>
+        <a:lnRef idx="2">
+          <a:scrgbClr r="0" g="0" b="0"/>
+        </a:lnRef>
+        <a:fillRef idx="1">
+          <a:scrgbClr r="0" g="0" b="0"/>
+        </a:fillRef>
+        <a:effectRef idx="0">
+          <a:scrgbClr r="0" g="0" b="0"/>
+        </a:effectRef>
+        <a:fontRef idx="minor"/>
+      </dsp:style>
+      <dsp:txBody>
+        <a:bodyPr spcFirstLastPara="0" vert="horz" wrap="square" lIns="113792" tIns="10160" rIns="10160" bIns="10160" numCol="1" spcCol="1270" anchor="ctr" anchorCtr="0">
+          <a:noAutofit/>
+        </a:bodyPr>
+        <a:lstStyle/>
+        <a:p>
+          <a:pPr marL="171450" lvl="1" indent="-171450" algn="l" defTabSz="711200">
+            <a:lnSpc>
+              <a:spcPct val="90000"/>
+            </a:lnSpc>
+            <a:spcBef>
+              <a:spcPct val="0"/>
+            </a:spcBef>
+            <a:spcAft>
+              <a:spcPct val="15000"/>
+            </a:spcAft>
+            <a:buChar char="••"/>
+          </a:pPr>
+          <a:r>
+            <a:rPr lang="zh-CN" altLang="en-US" sz="1600" kern="1200" dirty="0" smtClean="0"/>
+            <a:t>回退（记账人）；复核（非记账人，成为复核者）</a:t>
+          </a:r>
+          <a:endParaRPr lang="zh-CN" altLang="en-US" sz="1600" kern="1200" dirty="0"/>
+        </a:p>
+      </dsp:txBody>
+      <dsp:txXfrm rot="-5400000">
+        <a:off x="699226" y="2675897"/>
+        <a:ext cx="7498679" cy="585891"/>
+      </dsp:txXfrm>
+    </dsp:sp>
+    <dsp:sp modelId="{E89E8863-1C46-4C81-B1A6-ED2534F36967}">
+      <dsp:nvSpPr>
+        <dsp:cNvPr id="0" name=""/>
+        <dsp:cNvSpPr/>
+      </dsp:nvSpPr>
+      <dsp:spPr>
+        <a:xfrm rot="5400000">
+          <a:off x="-149834" y="3674704"/>
+          <a:ext cx="998894" cy="699225"/>
+        </a:xfrm>
+        <a:prstGeom prst="chevron">
+          <a:avLst/>
+        </a:prstGeom>
+        <a:solidFill>
+          <a:schemeClr val="accent1">
+            <a:hueOff val="0"/>
+            <a:satOff val="0"/>
+            <a:lumOff val="0"/>
+            <a:alphaOff val="0"/>
+          </a:schemeClr>
+        </a:solidFill>
+        <a:ln w="25400" cap="flat" cmpd="sng" algn="ctr">
+          <a:solidFill>
+            <a:schemeClr val="accent1">
+              <a:hueOff val="0"/>
+              <a:satOff val="0"/>
+              <a:lumOff val="0"/>
+              <a:alphaOff val="0"/>
+            </a:schemeClr>
+          </a:solidFill>
+          <a:prstDash val="solid"/>
+        </a:ln>
+        <a:effectLst/>
+      </dsp:spPr>
+      <dsp:style>
+        <a:lnRef idx="2">
+          <a:scrgbClr r="0" g="0" b="0"/>
+        </a:lnRef>
+        <a:fillRef idx="1">
+          <a:scrgbClr r="0" g="0" b="0"/>
+        </a:fillRef>
+        <a:effectRef idx="0">
+          <a:scrgbClr r="0" g="0" b="0"/>
+        </a:effectRef>
+        <a:fontRef idx="minor">
+          <a:schemeClr val="lt1"/>
+        </a:fontRef>
+      </dsp:style>
+      <dsp:txBody>
+        <a:bodyPr spcFirstLastPara="0" vert="horz" wrap="square" lIns="8255" tIns="8255" rIns="8255" bIns="8255" numCol="1" spcCol="1270" anchor="ctr" anchorCtr="0">
+          <a:noAutofit/>
+        </a:bodyPr>
+        <a:lstStyle/>
+        <a:p>
+          <a:pPr lvl="0" algn="ctr" defTabSz="577850">
+            <a:lnSpc>
+              <a:spcPct val="90000"/>
+            </a:lnSpc>
+            <a:spcBef>
+              <a:spcPct val="0"/>
+            </a:spcBef>
+            <a:spcAft>
+              <a:spcPct val="35000"/>
+            </a:spcAft>
+          </a:pPr>
+          <a:r>
+            <a:rPr lang="zh-CN" altLang="en-US" sz="1300" kern="1200" dirty="0" smtClean="0"/>
+            <a:t>复核</a:t>
+          </a:r>
+          <a:endParaRPr lang="zh-CN" altLang="en-US" sz="1300" kern="1200" dirty="0"/>
+        </a:p>
+      </dsp:txBody>
+      <dsp:txXfrm rot="-5400000">
+        <a:off x="1" y="3874483"/>
+        <a:ext cx="699225" cy="299669"/>
+      </dsp:txXfrm>
+    </dsp:sp>
+    <dsp:sp modelId="{84C8FA36-86FB-4863-A646-57E581B5197C}">
+      <dsp:nvSpPr>
+        <dsp:cNvPr id="0" name=""/>
+        <dsp:cNvSpPr/>
+      </dsp:nvSpPr>
+      <dsp:spPr>
+        <a:xfrm rot="5400000">
+          <a:off x="4139772" y="84323"/>
+          <a:ext cx="649281" cy="7530374"/>
+        </a:xfrm>
+        <a:prstGeom prst="round2SameRect">
+          <a:avLst/>
+        </a:prstGeom>
+        <a:solidFill>
+          <a:schemeClr val="lt1">
+            <a:alpha val="90000"/>
+            <a:hueOff val="0"/>
+            <a:satOff val="0"/>
+            <a:lumOff val="0"/>
+            <a:alphaOff val="0"/>
+          </a:schemeClr>
+        </a:solidFill>
+        <a:ln w="25400" cap="flat" cmpd="sng" algn="ctr">
+          <a:solidFill>
+            <a:schemeClr val="accent1">
+              <a:hueOff val="0"/>
+              <a:satOff val="0"/>
+              <a:lumOff val="0"/>
+              <a:alphaOff val="0"/>
+            </a:schemeClr>
+          </a:solidFill>
+          <a:prstDash val="solid"/>
+        </a:ln>
+        <a:effectLst/>
+      </dsp:spPr>
+      <dsp:style>
+        <a:lnRef idx="2">
+          <a:scrgbClr r="0" g="0" b="0"/>
+        </a:lnRef>
+        <a:fillRef idx="1">
+          <a:scrgbClr r="0" g="0" b="0"/>
+        </a:fillRef>
+        <a:effectRef idx="0">
+          <a:scrgbClr r="0" g="0" b="0"/>
+        </a:effectRef>
+        <a:fontRef idx="minor"/>
+      </dsp:style>
+      <dsp:txBody>
+        <a:bodyPr spcFirstLastPara="0" vert="horz" wrap="square" lIns="113792" tIns="10160" rIns="10160" bIns="10160" numCol="1" spcCol="1270" anchor="ctr" anchorCtr="0">
+          <a:noAutofit/>
+        </a:bodyPr>
+        <a:lstStyle/>
+        <a:p>
+          <a:pPr marL="171450" lvl="1" indent="-171450" algn="l" defTabSz="711200">
+            <a:lnSpc>
+              <a:spcPct val="90000"/>
+            </a:lnSpc>
+            <a:spcBef>
+              <a:spcPct val="0"/>
+            </a:spcBef>
+            <a:spcAft>
+              <a:spcPct val="15000"/>
+            </a:spcAft>
+            <a:buChar char="••"/>
+          </a:pPr>
+          <a:r>
+            <a:rPr lang="zh-CN" altLang="en-US" sz="1600" kern="1200" dirty="0" smtClean="0"/>
+            <a:t>回退（复核者）</a:t>
+          </a:r>
+          <a:endParaRPr lang="zh-CN" altLang="en-US" sz="1600" kern="1200" dirty="0"/>
+        </a:p>
+      </dsp:txBody>
+      <dsp:txXfrm rot="-5400000">
+        <a:off x="699226" y="3556565"/>
+        <a:ext cx="7498679" cy="585891"/>
+      </dsp:txXfrm>
+    </dsp:sp>
   </dsp:spTree>
 </dsp:drawing>
 </file>
@@ -29903,7 +31256,7 @@
           <a:p>
             <a:fld id="{A741CAB3-D667-4CC7-B9ED-A340F2F033D9}" type="datetimeFigureOut">
               <a:rPr lang="zh-CN" altLang="en-US" smtClean="0"/>
-              <a:t>2014/3/27</a:t>
+              <a:t>2014/3/29</a:t>
             </a:fld>
             <a:endParaRPr lang="zh-CN" altLang="en-US"/>
           </a:p>
@@ -30073,7 +31426,7 @@
           <a:p>
             <a:fld id="{A741CAB3-D667-4CC7-B9ED-A340F2F033D9}" type="datetimeFigureOut">
               <a:rPr lang="zh-CN" altLang="en-US" smtClean="0"/>
-              <a:t>2014/3/27</a:t>
+              <a:t>2014/3/29</a:t>
             </a:fld>
             <a:endParaRPr lang="zh-CN" altLang="en-US"/>
           </a:p>
@@ -30253,7 +31606,7 @@
           <a:p>
             <a:fld id="{A741CAB3-D667-4CC7-B9ED-A340F2F033D9}" type="datetimeFigureOut">
               <a:rPr lang="zh-CN" altLang="en-US" smtClean="0"/>
-              <a:t>2014/3/27</a:t>
+              <a:t>2014/3/29</a:t>
             </a:fld>
             <a:endParaRPr lang="zh-CN" altLang="en-US"/>
           </a:p>
@@ -30423,7 +31776,7 @@
           <a:p>
             <a:fld id="{A741CAB3-D667-4CC7-B9ED-A340F2F033D9}" type="datetimeFigureOut">
               <a:rPr lang="zh-CN" altLang="en-US" smtClean="0"/>
-              <a:t>2014/3/27</a:t>
+              <a:t>2014/3/29</a:t>
             </a:fld>
             <a:endParaRPr lang="zh-CN" altLang="en-US"/>
           </a:p>
@@ -30669,7 +32022,7 @@
           <a:p>
             <a:fld id="{A741CAB3-D667-4CC7-B9ED-A340F2F033D9}" type="datetimeFigureOut">
               <a:rPr lang="zh-CN" altLang="en-US" smtClean="0"/>
-              <a:t>2014/3/27</a:t>
+              <a:t>2014/3/29</a:t>
             </a:fld>
             <a:endParaRPr lang="zh-CN" altLang="en-US"/>
           </a:p>
@@ -30957,7 +32310,7 @@
           <a:p>
             <a:fld id="{A741CAB3-D667-4CC7-B9ED-A340F2F033D9}" type="datetimeFigureOut">
               <a:rPr lang="zh-CN" altLang="en-US" smtClean="0"/>
-              <a:t>2014/3/27</a:t>
+              <a:t>2014/3/29</a:t>
             </a:fld>
             <a:endParaRPr lang="zh-CN" altLang="en-US"/>
           </a:p>
@@ -31379,7 +32732,7 @@
           <a:p>
             <a:fld id="{A741CAB3-D667-4CC7-B9ED-A340F2F033D9}" type="datetimeFigureOut">
               <a:rPr lang="zh-CN" altLang="en-US" smtClean="0"/>
-              <a:t>2014/3/27</a:t>
+              <a:t>2014/3/29</a:t>
             </a:fld>
             <a:endParaRPr lang="zh-CN" altLang="en-US"/>
           </a:p>
@@ -31497,7 +32850,7 @@
           <a:p>
             <a:fld id="{A741CAB3-D667-4CC7-B9ED-A340F2F033D9}" type="datetimeFigureOut">
               <a:rPr lang="zh-CN" altLang="en-US" smtClean="0"/>
-              <a:t>2014/3/27</a:t>
+              <a:t>2014/3/29</a:t>
             </a:fld>
             <a:endParaRPr lang="zh-CN" altLang="en-US"/>
           </a:p>
@@ -31592,7 +32945,7 @@
           <a:p>
             <a:fld id="{A741CAB3-D667-4CC7-B9ED-A340F2F033D9}" type="datetimeFigureOut">
               <a:rPr lang="zh-CN" altLang="en-US" smtClean="0"/>
-              <a:t>2014/3/27</a:t>
+              <a:t>2014/3/29</a:t>
             </a:fld>
             <a:endParaRPr lang="zh-CN" altLang="en-US"/>
           </a:p>
@@ -31869,7 +33222,7 @@
           <a:p>
             <a:fld id="{A741CAB3-D667-4CC7-B9ED-A340F2F033D9}" type="datetimeFigureOut">
               <a:rPr lang="zh-CN" altLang="en-US" smtClean="0"/>
-              <a:t>2014/3/27</a:t>
+              <a:t>2014/3/29</a:t>
             </a:fld>
             <a:endParaRPr lang="zh-CN" altLang="en-US"/>
           </a:p>
@@ -32122,7 +33475,7 @@
           <a:p>
             <a:fld id="{A741CAB3-D667-4CC7-B9ED-A340F2F033D9}" type="datetimeFigureOut">
               <a:rPr lang="zh-CN" altLang="en-US" smtClean="0"/>
-              <a:t>2014/3/27</a:t>
+              <a:t>2014/3/29</a:t>
             </a:fld>
             <a:endParaRPr lang="zh-CN" altLang="en-US"/>
           </a:p>
@@ -32335,7 +33688,7 @@
           <a:p>
             <a:fld id="{A741CAB3-D667-4CC7-B9ED-A340F2F033D9}" type="datetimeFigureOut">
               <a:rPr lang="zh-CN" altLang="en-US" smtClean="0"/>
-              <a:t>2014/3/27</a:t>
+              <a:t>2014/3/29</a:t>
             </a:fld>
             <a:endParaRPr lang="zh-CN" altLang="en-US"/>
           </a:p>
@@ -33023,7 +34376,7 @@
             <p:ph idx="1"/>
             <p:extLst>
               <p:ext uri="{D42A27DB-BD31-4B8C-83A1-F6EECF244321}">
-                <p14:modId xmlns:p14="http://schemas.microsoft.com/office/powerpoint/2010/main" val="3943582458"/>
+                <p14:modId xmlns:p14="http://schemas.microsoft.com/office/powerpoint/2010/main" val="1579775354"/>
               </p:ext>
             </p:extLst>
           </p:nvPr>
